--- a/pitch.pptx
+++ b/pitch.pptx
@@ -25,7 +25,7 @@
     <p:sldId id="271" r:id="rId20"/>
   </p:sldIdLst>
   <p:sldSz cx="9144000" cy="5143500"/>
-  <p:notesSz cx="6858000" cy="9144000"/>
+  <p:notesSz cx="7559675" cy="10691813"/>
 </p:presentation>
 </file>
 
@@ -60,7 +60,7 @@
         <p:txBody>
           <a:bodyPr/>
           <a:p>
-            <a:fld id="{8C557425-0C0B-45CF-91EE-6D66C1BD9A1B}" type="slidenum">
+            <a:fld id="{93881A39-00AB-4F1F-AA55-0F7D0F81F1FA}" type="slidenum">
               <a:t>&lt;#&gt;</a:t>
             </a:fld>
           </a:p>
@@ -100,8 +100,8 @@
         </p:nvSpPr>
         <p:spPr>
           <a:xfrm>
-            <a:off x="823680" y="2053080"/>
-            <a:ext cx="4586760" cy="1148400"/>
+            <a:off x="457200" y="205200"/>
+            <a:ext cx="8229240" cy="858600"/>
           </a:xfrm>
           <a:prstGeom prst="rect">
             <a:avLst/>
@@ -116,10 +116,10 @@
             <a:noAutofit/>
           </a:bodyPr>
           <a:p>
-            <a:endParaRPr b="0" lang="en-IN" sz="1400" spc="-1" strike="noStrike">
-              <a:solidFill>
-                <a:srgbClr val="000000"/>
-              </a:solidFill>
+            <a:pPr algn="ctr">
+              <a:buNone/>
+            </a:pPr>
+            <a:endParaRPr b="0" lang="en-IN" sz="4400" spc="-1" strike="noStrike">
               <a:latin typeface="Arial"/>
             </a:endParaRPr>
           </a:p>
@@ -153,10 +153,7 @@
             <a:normAutofit/>
           </a:bodyPr>
           <a:p>
-            <a:endParaRPr b="0" lang="en-IN" sz="1400" spc="-1" strike="noStrike">
-              <a:solidFill>
-                <a:srgbClr val="000000"/>
-              </a:solidFill>
+            <a:endParaRPr b="0" lang="en-IN" sz="3200" spc="-1" strike="noStrike">
               <a:latin typeface="Arial"/>
             </a:endParaRPr>
           </a:p>
@@ -190,10 +187,7 @@
             <a:normAutofit/>
           </a:bodyPr>
           <a:p>
-            <a:endParaRPr b="0" lang="en-IN" sz="1400" spc="-1" strike="noStrike">
-              <a:solidFill>
-                <a:srgbClr val="000000"/>
-              </a:solidFill>
+            <a:endParaRPr b="0" lang="en-IN" sz="3200" spc="-1" strike="noStrike">
               <a:latin typeface="Arial"/>
             </a:endParaRPr>
           </a:p>
@@ -213,7 +207,7 @@
         <p:txBody>
           <a:bodyPr/>
           <a:p>
-            <a:fld id="{2114286A-3FC2-43B1-AC50-DD17346F9B75}" type="slidenum">
+            <a:fld id="{1DD62C60-8CC2-41A6-B111-FDDA4CEE3FE7}" type="slidenum">
               <a:t>&lt;#&gt;</a:t>
             </a:fld>
           </a:p>
@@ -253,8 +247,8 @@
         </p:nvSpPr>
         <p:spPr>
           <a:xfrm>
-            <a:off x="823680" y="2053080"/>
-            <a:ext cx="4586760" cy="1148400"/>
+            <a:off x="457200" y="205200"/>
+            <a:ext cx="8229240" cy="858600"/>
           </a:xfrm>
           <a:prstGeom prst="rect">
             <a:avLst/>
@@ -269,10 +263,10 @@
             <a:noAutofit/>
           </a:bodyPr>
           <a:p>
-            <a:endParaRPr b="0" lang="en-IN" sz="1400" spc="-1" strike="noStrike">
-              <a:solidFill>
-                <a:srgbClr val="000000"/>
-              </a:solidFill>
+            <a:pPr algn="ctr">
+              <a:buNone/>
+            </a:pPr>
+            <a:endParaRPr b="0" lang="en-IN" sz="4400" spc="-1" strike="noStrike">
               <a:latin typeface="Arial"/>
             </a:endParaRPr>
           </a:p>
@@ -306,10 +300,7 @@
             <a:normAutofit/>
           </a:bodyPr>
           <a:p>
-            <a:endParaRPr b="0" lang="en-IN" sz="1400" spc="-1" strike="noStrike">
-              <a:solidFill>
-                <a:srgbClr val="000000"/>
-              </a:solidFill>
+            <a:endParaRPr b="0" lang="en-IN" sz="3200" spc="-1" strike="noStrike">
               <a:latin typeface="Arial"/>
             </a:endParaRPr>
           </a:p>
@@ -343,10 +334,7 @@
             <a:normAutofit/>
           </a:bodyPr>
           <a:p>
-            <a:endParaRPr b="0" lang="en-IN" sz="1400" spc="-1" strike="noStrike">
-              <a:solidFill>
-                <a:srgbClr val="000000"/>
-              </a:solidFill>
+            <a:endParaRPr b="0" lang="en-IN" sz="3200" spc="-1" strike="noStrike">
               <a:latin typeface="Arial"/>
             </a:endParaRPr>
           </a:p>
@@ -380,10 +368,7 @@
             <a:normAutofit/>
           </a:bodyPr>
           <a:p>
-            <a:endParaRPr b="0" lang="en-IN" sz="1400" spc="-1" strike="noStrike">
-              <a:solidFill>
-                <a:srgbClr val="000000"/>
-              </a:solidFill>
+            <a:endParaRPr b="0" lang="en-IN" sz="3200" spc="-1" strike="noStrike">
               <a:latin typeface="Arial"/>
             </a:endParaRPr>
           </a:p>
@@ -417,10 +402,7 @@
             <a:normAutofit/>
           </a:bodyPr>
           <a:p>
-            <a:endParaRPr b="0" lang="en-IN" sz="1400" spc="-1" strike="noStrike">
-              <a:solidFill>
-                <a:srgbClr val="000000"/>
-              </a:solidFill>
+            <a:endParaRPr b="0" lang="en-IN" sz="3200" spc="-1" strike="noStrike">
               <a:latin typeface="Arial"/>
             </a:endParaRPr>
           </a:p>
@@ -440,7 +422,7 @@
         <p:txBody>
           <a:bodyPr/>
           <a:p>
-            <a:fld id="{0D4686CC-76EF-4CDB-BFC1-E37E21E87853}" type="slidenum">
+            <a:fld id="{6C4A4895-8950-4B63-AD7E-6F8075A212F0}" type="slidenum">
               <a:t>&lt;#&gt;</a:t>
             </a:fld>
           </a:p>
@@ -480,8 +462,8 @@
         </p:nvSpPr>
         <p:spPr>
           <a:xfrm>
-            <a:off x="823680" y="2053080"/>
-            <a:ext cx="4586760" cy="1148400"/>
+            <a:off x="457200" y="205200"/>
+            <a:ext cx="8229240" cy="858600"/>
           </a:xfrm>
           <a:prstGeom prst="rect">
             <a:avLst/>
@@ -496,10 +478,10 @@
             <a:noAutofit/>
           </a:bodyPr>
           <a:p>
-            <a:endParaRPr b="0" lang="en-IN" sz="1400" spc="-1" strike="noStrike">
-              <a:solidFill>
-                <a:srgbClr val="000000"/>
-              </a:solidFill>
+            <a:pPr algn="ctr">
+              <a:buNone/>
+            </a:pPr>
+            <a:endParaRPr b="0" lang="en-IN" sz="4400" spc="-1" strike="noStrike">
               <a:latin typeface="Arial"/>
             </a:endParaRPr>
           </a:p>
@@ -533,10 +515,7 @@
             <a:normAutofit/>
           </a:bodyPr>
           <a:p>
-            <a:endParaRPr b="0" lang="en-IN" sz="1400" spc="-1" strike="noStrike">
-              <a:solidFill>
-                <a:srgbClr val="000000"/>
-              </a:solidFill>
+            <a:endParaRPr b="0" lang="en-IN" sz="3200" spc="-1" strike="noStrike">
               <a:latin typeface="Arial"/>
             </a:endParaRPr>
           </a:p>
@@ -570,10 +549,7 @@
             <a:normAutofit/>
           </a:bodyPr>
           <a:p>
-            <a:endParaRPr b="0" lang="en-IN" sz="1400" spc="-1" strike="noStrike">
-              <a:solidFill>
-                <a:srgbClr val="000000"/>
-              </a:solidFill>
+            <a:endParaRPr b="0" lang="en-IN" sz="3200" spc="-1" strike="noStrike">
               <a:latin typeface="Arial"/>
             </a:endParaRPr>
           </a:p>
@@ -607,10 +583,7 @@
             <a:normAutofit/>
           </a:bodyPr>
           <a:p>
-            <a:endParaRPr b="0" lang="en-IN" sz="1400" spc="-1" strike="noStrike">
-              <a:solidFill>
-                <a:srgbClr val="000000"/>
-              </a:solidFill>
+            <a:endParaRPr b="0" lang="en-IN" sz="3200" spc="-1" strike="noStrike">
               <a:latin typeface="Arial"/>
             </a:endParaRPr>
           </a:p>
@@ -644,10 +617,7 @@
             <a:normAutofit/>
           </a:bodyPr>
           <a:p>
-            <a:endParaRPr b="0" lang="en-IN" sz="1400" spc="-1" strike="noStrike">
-              <a:solidFill>
-                <a:srgbClr val="000000"/>
-              </a:solidFill>
+            <a:endParaRPr b="0" lang="en-IN" sz="3200" spc="-1" strike="noStrike">
               <a:latin typeface="Arial"/>
             </a:endParaRPr>
           </a:p>
@@ -681,10 +651,7 @@
             <a:normAutofit/>
           </a:bodyPr>
           <a:p>
-            <a:endParaRPr b="0" lang="en-IN" sz="1400" spc="-1" strike="noStrike">
-              <a:solidFill>
-                <a:srgbClr val="000000"/>
-              </a:solidFill>
+            <a:endParaRPr b="0" lang="en-IN" sz="3200" spc="-1" strike="noStrike">
               <a:latin typeface="Arial"/>
             </a:endParaRPr>
           </a:p>
@@ -718,10 +685,7 @@
             <a:normAutofit/>
           </a:bodyPr>
           <a:p>
-            <a:endParaRPr b="0" lang="en-IN" sz="1400" spc="-1" strike="noStrike">
-              <a:solidFill>
-                <a:srgbClr val="000000"/>
-              </a:solidFill>
+            <a:endParaRPr b="0" lang="en-IN" sz="3200" spc="-1" strike="noStrike">
               <a:latin typeface="Arial"/>
             </a:endParaRPr>
           </a:p>
@@ -741,7 +705,7 @@
         <p:txBody>
           <a:bodyPr/>
           <a:p>
-            <a:fld id="{8D1D986B-6B97-4AD7-BE99-ADE9DAABFD20}" type="slidenum">
+            <a:fld id="{9F48F32E-FD18-49E6-97E9-F0F8407A1A23}" type="slidenum">
               <a:t>&lt;#&gt;</a:t>
             </a:fld>
           </a:p>
@@ -783,7 +747,7 @@
         <p:txBody>
           <a:bodyPr/>
           <a:p>
-            <a:fld id="{89A35983-B470-458E-9790-43B4F4C83542}" type="slidenum">
+            <a:fld id="{BBDB6809-07CD-45D4-9F09-DD48E753DADB}" type="slidenum">
               <a:t>&lt;#&gt;</a:t>
             </a:fld>
           </a:p>
@@ -823,8 +787,8 @@
         </p:nvSpPr>
         <p:spPr>
           <a:xfrm>
-            <a:off x="823680" y="2053080"/>
-            <a:ext cx="4586760" cy="1148400"/>
+            <a:off x="457200" y="205200"/>
+            <a:ext cx="8229240" cy="858600"/>
           </a:xfrm>
           <a:prstGeom prst="rect">
             <a:avLst/>
@@ -839,10 +803,10 @@
             <a:noAutofit/>
           </a:bodyPr>
           <a:p>
-            <a:endParaRPr b="0" lang="en-IN" sz="1400" spc="-1" strike="noStrike">
-              <a:solidFill>
-                <a:srgbClr val="000000"/>
-              </a:solidFill>
+            <a:pPr algn="ctr">
+              <a:buNone/>
+            </a:pPr>
+            <a:endParaRPr b="0" lang="en-IN" sz="4400" spc="-1" strike="noStrike">
               <a:latin typeface="Arial"/>
             </a:endParaRPr>
           </a:p>
@@ -899,7 +863,7 @@
         <p:txBody>
           <a:bodyPr/>
           <a:p>
-            <a:fld id="{6A673302-5081-4CEF-8CE0-42803F40B087}" type="slidenum">
+            <a:fld id="{ED88538E-AE41-42CE-A96A-5F9711BEB776}" type="slidenum">
               <a:t>&lt;#&gt;</a:t>
             </a:fld>
           </a:p>
@@ -939,8 +903,8 @@
         </p:nvSpPr>
         <p:spPr>
           <a:xfrm>
-            <a:off x="823680" y="2053080"/>
-            <a:ext cx="4586760" cy="1148400"/>
+            <a:off x="457200" y="205200"/>
+            <a:ext cx="8229240" cy="858600"/>
           </a:xfrm>
           <a:prstGeom prst="rect">
             <a:avLst/>
@@ -955,10 +919,10 @@
             <a:noAutofit/>
           </a:bodyPr>
           <a:p>
-            <a:endParaRPr b="0" lang="en-IN" sz="1400" spc="-1" strike="noStrike">
-              <a:solidFill>
-                <a:srgbClr val="000000"/>
-              </a:solidFill>
+            <a:pPr algn="ctr">
+              <a:buNone/>
+            </a:pPr>
+            <a:endParaRPr b="0" lang="en-IN" sz="4400" spc="-1" strike="noStrike">
               <a:latin typeface="Arial"/>
             </a:endParaRPr>
           </a:p>
@@ -992,10 +956,7 @@
             <a:normAutofit/>
           </a:bodyPr>
           <a:p>
-            <a:endParaRPr b="0" lang="en-IN" sz="1400" spc="-1" strike="noStrike">
-              <a:solidFill>
-                <a:srgbClr val="000000"/>
-              </a:solidFill>
+            <a:endParaRPr b="0" lang="en-IN" sz="3200" spc="-1" strike="noStrike">
               <a:latin typeface="Arial"/>
             </a:endParaRPr>
           </a:p>
@@ -1015,7 +976,7 @@
         <p:txBody>
           <a:bodyPr/>
           <a:p>
-            <a:fld id="{A4469A82-B2A2-47EE-BD91-2E163EA75E95}" type="slidenum">
+            <a:fld id="{7ACA7487-37BC-4BC4-8D06-70C7CFB87139}" type="slidenum">
               <a:t>&lt;#&gt;</a:t>
             </a:fld>
           </a:p>
@@ -1055,8 +1016,8 @@
         </p:nvSpPr>
         <p:spPr>
           <a:xfrm>
-            <a:off x="823680" y="2053080"/>
-            <a:ext cx="4586760" cy="1148400"/>
+            <a:off x="457200" y="205200"/>
+            <a:ext cx="8229240" cy="858600"/>
           </a:xfrm>
           <a:prstGeom prst="rect">
             <a:avLst/>
@@ -1071,10 +1032,10 @@
             <a:noAutofit/>
           </a:bodyPr>
           <a:p>
-            <a:endParaRPr b="0" lang="en-IN" sz="1400" spc="-1" strike="noStrike">
-              <a:solidFill>
-                <a:srgbClr val="000000"/>
-              </a:solidFill>
+            <a:pPr algn="ctr">
+              <a:buNone/>
+            </a:pPr>
+            <a:endParaRPr b="0" lang="en-IN" sz="4400" spc="-1" strike="noStrike">
               <a:latin typeface="Arial"/>
             </a:endParaRPr>
           </a:p>
@@ -1108,10 +1069,7 @@
             <a:normAutofit/>
           </a:bodyPr>
           <a:p>
-            <a:endParaRPr b="0" lang="en-IN" sz="1400" spc="-1" strike="noStrike">
-              <a:solidFill>
-                <a:srgbClr val="000000"/>
-              </a:solidFill>
+            <a:endParaRPr b="0" lang="en-IN" sz="3200" spc="-1" strike="noStrike">
               <a:latin typeface="Arial"/>
             </a:endParaRPr>
           </a:p>
@@ -1145,10 +1103,7 @@
             <a:normAutofit/>
           </a:bodyPr>
           <a:p>
-            <a:endParaRPr b="0" lang="en-IN" sz="1400" spc="-1" strike="noStrike">
-              <a:solidFill>
-                <a:srgbClr val="000000"/>
-              </a:solidFill>
+            <a:endParaRPr b="0" lang="en-IN" sz="3200" spc="-1" strike="noStrike">
               <a:latin typeface="Arial"/>
             </a:endParaRPr>
           </a:p>
@@ -1168,7 +1123,7 @@
         <p:txBody>
           <a:bodyPr/>
           <a:p>
-            <a:fld id="{435FA289-C013-4889-A45D-AE43C76A8D96}" type="slidenum">
+            <a:fld id="{9D26A59D-C699-48F8-93C8-27E6DEEB9DAD}" type="slidenum">
               <a:t>&lt;#&gt;</a:t>
             </a:fld>
           </a:p>
@@ -1208,8 +1163,8 @@
         </p:nvSpPr>
         <p:spPr>
           <a:xfrm>
-            <a:off x="823680" y="2053080"/>
-            <a:ext cx="4586760" cy="1148400"/>
+            <a:off x="457200" y="205200"/>
+            <a:ext cx="8229240" cy="858600"/>
           </a:xfrm>
           <a:prstGeom prst="rect">
             <a:avLst/>
@@ -1224,10 +1179,10 @@
             <a:noAutofit/>
           </a:bodyPr>
           <a:p>
-            <a:endParaRPr b="0" lang="en-IN" sz="1400" spc="-1" strike="noStrike">
-              <a:solidFill>
-                <a:srgbClr val="000000"/>
-              </a:solidFill>
+            <a:pPr algn="ctr">
+              <a:buNone/>
+            </a:pPr>
+            <a:endParaRPr b="0" lang="en-IN" sz="4400" spc="-1" strike="noStrike">
               <a:latin typeface="Arial"/>
             </a:endParaRPr>
           </a:p>
@@ -1247,7 +1202,7 @@
         <p:txBody>
           <a:bodyPr/>
           <a:p>
-            <a:fld id="{ABE5B084-BA2D-49AA-8A40-B380FA6A75CA}" type="slidenum">
+            <a:fld id="{99CA351E-9C9F-40A7-9097-424FC97DE2C5}" type="slidenum">
               <a:t>&lt;#&gt;</a:t>
             </a:fld>
           </a:p>
@@ -1287,8 +1242,8 @@
         </p:nvSpPr>
         <p:spPr>
           <a:xfrm>
-            <a:off x="823680" y="2053080"/>
-            <a:ext cx="4586760" cy="5324760"/>
+            <a:off x="457200" y="205200"/>
+            <a:ext cx="8229240" cy="3981240"/>
           </a:xfrm>
           <a:prstGeom prst="rect">
             <a:avLst/>
@@ -1326,7 +1281,7 @@
         <p:txBody>
           <a:bodyPr/>
           <a:p>
-            <a:fld id="{FCFC8EDB-31B6-485D-AF2F-E7943EF9C90B}" type="slidenum">
+            <a:fld id="{6A7029A8-2A8D-4973-B2AC-419FFB10418B}" type="slidenum">
               <a:t>&lt;#&gt;</a:t>
             </a:fld>
           </a:p>
@@ -1366,8 +1321,8 @@
         </p:nvSpPr>
         <p:spPr>
           <a:xfrm>
-            <a:off x="823680" y="2053080"/>
-            <a:ext cx="4586760" cy="1148400"/>
+            <a:off x="457200" y="205200"/>
+            <a:ext cx="8229240" cy="858600"/>
           </a:xfrm>
           <a:prstGeom prst="rect">
             <a:avLst/>
@@ -1382,10 +1337,10 @@
             <a:noAutofit/>
           </a:bodyPr>
           <a:p>
-            <a:endParaRPr b="0" lang="en-IN" sz="1400" spc="-1" strike="noStrike">
-              <a:solidFill>
-                <a:srgbClr val="000000"/>
-              </a:solidFill>
+            <a:pPr algn="ctr">
+              <a:buNone/>
+            </a:pPr>
+            <a:endParaRPr b="0" lang="en-IN" sz="4400" spc="-1" strike="noStrike">
               <a:latin typeface="Arial"/>
             </a:endParaRPr>
           </a:p>
@@ -1419,10 +1374,7 @@
             <a:normAutofit/>
           </a:bodyPr>
           <a:p>
-            <a:endParaRPr b="0" lang="en-IN" sz="1400" spc="-1" strike="noStrike">
-              <a:solidFill>
-                <a:srgbClr val="000000"/>
-              </a:solidFill>
+            <a:endParaRPr b="0" lang="en-IN" sz="3200" spc="-1" strike="noStrike">
               <a:latin typeface="Arial"/>
             </a:endParaRPr>
           </a:p>
@@ -1456,10 +1408,7 @@
             <a:normAutofit/>
           </a:bodyPr>
           <a:p>
-            <a:endParaRPr b="0" lang="en-IN" sz="1400" spc="-1" strike="noStrike">
-              <a:solidFill>
-                <a:srgbClr val="000000"/>
-              </a:solidFill>
+            <a:endParaRPr b="0" lang="en-IN" sz="3200" spc="-1" strike="noStrike">
               <a:latin typeface="Arial"/>
             </a:endParaRPr>
           </a:p>
@@ -1493,10 +1442,7 @@
             <a:normAutofit/>
           </a:bodyPr>
           <a:p>
-            <a:endParaRPr b="0" lang="en-IN" sz="1400" spc="-1" strike="noStrike">
-              <a:solidFill>
-                <a:srgbClr val="000000"/>
-              </a:solidFill>
+            <a:endParaRPr b="0" lang="en-IN" sz="3200" spc="-1" strike="noStrike">
               <a:latin typeface="Arial"/>
             </a:endParaRPr>
           </a:p>
@@ -1516,7 +1462,7 @@
         <p:txBody>
           <a:bodyPr/>
           <a:p>
-            <a:fld id="{61416410-1A65-49E4-876E-9A42E61E58D2}" type="slidenum">
+            <a:fld id="{B59BBF57-2643-43D3-ABF4-4F60EED461AC}" type="slidenum">
               <a:t>&lt;#&gt;</a:t>
             </a:fld>
           </a:p>
@@ -1556,8 +1502,8 @@
         </p:nvSpPr>
         <p:spPr>
           <a:xfrm>
-            <a:off x="823680" y="2053080"/>
-            <a:ext cx="4586760" cy="1148400"/>
+            <a:off x="457200" y="205200"/>
+            <a:ext cx="8229240" cy="858600"/>
           </a:xfrm>
           <a:prstGeom prst="rect">
             <a:avLst/>
@@ -1572,10 +1518,10 @@
             <a:noAutofit/>
           </a:bodyPr>
           <a:p>
-            <a:endParaRPr b="0" lang="en-IN" sz="1400" spc="-1" strike="noStrike">
-              <a:solidFill>
-                <a:srgbClr val="000000"/>
-              </a:solidFill>
+            <a:pPr algn="ctr">
+              <a:buNone/>
+            </a:pPr>
+            <a:endParaRPr b="0" lang="en-IN" sz="4400" spc="-1" strike="noStrike">
               <a:latin typeface="Arial"/>
             </a:endParaRPr>
           </a:p>
@@ -1632,7 +1578,7 @@
         <p:txBody>
           <a:bodyPr/>
           <a:p>
-            <a:fld id="{F68701E7-CAB0-4915-9BD5-768BB25A44D8}" type="slidenum">
+            <a:fld id="{818C08B1-AC63-4C1F-8CC0-D99D638055C4}" type="slidenum">
               <a:t>&lt;#&gt;</a:t>
             </a:fld>
           </a:p>
@@ -1672,8 +1618,8 @@
         </p:nvSpPr>
         <p:spPr>
           <a:xfrm>
-            <a:off x="823680" y="2053080"/>
-            <a:ext cx="4586760" cy="1148400"/>
+            <a:off x="457200" y="205200"/>
+            <a:ext cx="8229240" cy="858600"/>
           </a:xfrm>
           <a:prstGeom prst="rect">
             <a:avLst/>
@@ -1688,10 +1634,10 @@
             <a:noAutofit/>
           </a:bodyPr>
           <a:p>
-            <a:endParaRPr b="0" lang="en-IN" sz="1400" spc="-1" strike="noStrike">
-              <a:solidFill>
-                <a:srgbClr val="000000"/>
-              </a:solidFill>
+            <a:pPr algn="ctr">
+              <a:buNone/>
+            </a:pPr>
+            <a:endParaRPr b="0" lang="en-IN" sz="4400" spc="-1" strike="noStrike">
               <a:latin typeface="Arial"/>
             </a:endParaRPr>
           </a:p>
@@ -1725,10 +1671,7 @@
             <a:normAutofit/>
           </a:bodyPr>
           <a:p>
-            <a:endParaRPr b="0" lang="en-IN" sz="1400" spc="-1" strike="noStrike">
-              <a:solidFill>
-                <a:srgbClr val="000000"/>
-              </a:solidFill>
+            <a:endParaRPr b="0" lang="en-IN" sz="3200" spc="-1" strike="noStrike">
               <a:latin typeface="Arial"/>
             </a:endParaRPr>
           </a:p>
@@ -1762,10 +1705,7 @@
             <a:normAutofit/>
           </a:bodyPr>
           <a:p>
-            <a:endParaRPr b="0" lang="en-IN" sz="1400" spc="-1" strike="noStrike">
-              <a:solidFill>
-                <a:srgbClr val="000000"/>
-              </a:solidFill>
+            <a:endParaRPr b="0" lang="en-IN" sz="3200" spc="-1" strike="noStrike">
               <a:latin typeface="Arial"/>
             </a:endParaRPr>
           </a:p>
@@ -1799,10 +1739,7 @@
             <a:normAutofit/>
           </a:bodyPr>
           <a:p>
-            <a:endParaRPr b="0" lang="en-IN" sz="1400" spc="-1" strike="noStrike">
-              <a:solidFill>
-                <a:srgbClr val="000000"/>
-              </a:solidFill>
+            <a:endParaRPr b="0" lang="en-IN" sz="3200" spc="-1" strike="noStrike">
               <a:latin typeface="Arial"/>
             </a:endParaRPr>
           </a:p>
@@ -1822,7 +1759,7 @@
         <p:txBody>
           <a:bodyPr/>
           <a:p>
-            <a:fld id="{0C60D9EE-D4A9-4F31-BA1F-2D37CAB601DE}" type="slidenum">
+            <a:fld id="{7FE1D5F6-23A5-428C-B7F2-0F6824640D7D}" type="slidenum">
               <a:t>&lt;#&gt;</a:t>
             </a:fld>
           </a:p>
@@ -1862,8 +1799,8 @@
         </p:nvSpPr>
         <p:spPr>
           <a:xfrm>
-            <a:off x="823680" y="2053080"/>
-            <a:ext cx="4586760" cy="1148400"/>
+            <a:off x="457200" y="205200"/>
+            <a:ext cx="8229240" cy="858600"/>
           </a:xfrm>
           <a:prstGeom prst="rect">
             <a:avLst/>
@@ -1878,10 +1815,10 @@
             <a:noAutofit/>
           </a:bodyPr>
           <a:p>
-            <a:endParaRPr b="0" lang="en-IN" sz="1400" spc="-1" strike="noStrike">
-              <a:solidFill>
-                <a:srgbClr val="000000"/>
-              </a:solidFill>
+            <a:pPr algn="ctr">
+              <a:buNone/>
+            </a:pPr>
+            <a:endParaRPr b="0" lang="en-IN" sz="4400" spc="-1" strike="noStrike">
               <a:latin typeface="Arial"/>
             </a:endParaRPr>
           </a:p>
@@ -1915,10 +1852,7 @@
             <a:normAutofit/>
           </a:bodyPr>
           <a:p>
-            <a:endParaRPr b="0" lang="en-IN" sz="1400" spc="-1" strike="noStrike">
-              <a:solidFill>
-                <a:srgbClr val="000000"/>
-              </a:solidFill>
+            <a:endParaRPr b="0" lang="en-IN" sz="3200" spc="-1" strike="noStrike">
               <a:latin typeface="Arial"/>
             </a:endParaRPr>
           </a:p>
@@ -1952,10 +1886,7 @@
             <a:normAutofit/>
           </a:bodyPr>
           <a:p>
-            <a:endParaRPr b="0" lang="en-IN" sz="1400" spc="-1" strike="noStrike">
-              <a:solidFill>
-                <a:srgbClr val="000000"/>
-              </a:solidFill>
+            <a:endParaRPr b="0" lang="en-IN" sz="3200" spc="-1" strike="noStrike">
               <a:latin typeface="Arial"/>
             </a:endParaRPr>
           </a:p>
@@ -1989,10 +1920,7 @@
             <a:normAutofit/>
           </a:bodyPr>
           <a:p>
-            <a:endParaRPr b="0" lang="en-IN" sz="1400" spc="-1" strike="noStrike">
-              <a:solidFill>
-                <a:srgbClr val="000000"/>
-              </a:solidFill>
+            <a:endParaRPr b="0" lang="en-IN" sz="3200" spc="-1" strike="noStrike">
               <a:latin typeface="Arial"/>
             </a:endParaRPr>
           </a:p>
@@ -2012,7 +1940,7 @@
         <p:txBody>
           <a:bodyPr/>
           <a:p>
-            <a:fld id="{76B8295A-81C9-49CF-B335-6C975E93DEBF}" type="slidenum">
+            <a:fld id="{213E2357-FBA2-4234-BC1B-B8BA6E7171CE}" type="slidenum">
               <a:t>&lt;#&gt;</a:t>
             </a:fld>
           </a:p>
@@ -2052,8 +1980,8 @@
         </p:nvSpPr>
         <p:spPr>
           <a:xfrm>
-            <a:off x="823680" y="2053080"/>
-            <a:ext cx="4586760" cy="1148400"/>
+            <a:off x="457200" y="205200"/>
+            <a:ext cx="8229240" cy="858600"/>
           </a:xfrm>
           <a:prstGeom prst="rect">
             <a:avLst/>
@@ -2068,10 +1996,10 @@
             <a:noAutofit/>
           </a:bodyPr>
           <a:p>
-            <a:endParaRPr b="0" lang="en-IN" sz="1400" spc="-1" strike="noStrike">
-              <a:solidFill>
-                <a:srgbClr val="000000"/>
-              </a:solidFill>
+            <a:pPr algn="ctr">
+              <a:buNone/>
+            </a:pPr>
+            <a:endParaRPr b="0" lang="en-IN" sz="4400" spc="-1" strike="noStrike">
               <a:latin typeface="Arial"/>
             </a:endParaRPr>
           </a:p>
@@ -2105,10 +2033,7 @@
             <a:normAutofit/>
           </a:bodyPr>
           <a:p>
-            <a:endParaRPr b="0" lang="en-IN" sz="1400" spc="-1" strike="noStrike">
-              <a:solidFill>
-                <a:srgbClr val="000000"/>
-              </a:solidFill>
+            <a:endParaRPr b="0" lang="en-IN" sz="3200" spc="-1" strike="noStrike">
               <a:latin typeface="Arial"/>
             </a:endParaRPr>
           </a:p>
@@ -2142,10 +2067,7 @@
             <a:normAutofit/>
           </a:bodyPr>
           <a:p>
-            <a:endParaRPr b="0" lang="en-IN" sz="1400" spc="-1" strike="noStrike">
-              <a:solidFill>
-                <a:srgbClr val="000000"/>
-              </a:solidFill>
+            <a:endParaRPr b="0" lang="en-IN" sz="3200" spc="-1" strike="noStrike">
               <a:latin typeface="Arial"/>
             </a:endParaRPr>
           </a:p>
@@ -2165,7 +2087,7 @@
         <p:txBody>
           <a:bodyPr/>
           <a:p>
-            <a:fld id="{774C5BEA-5166-4CBD-ABBD-66D368A55FFA}" type="slidenum">
+            <a:fld id="{4C91199F-A31D-4E2C-8AC4-3F23B3A6E45A}" type="slidenum">
               <a:t>&lt;#&gt;</a:t>
             </a:fld>
           </a:p>
@@ -2205,8 +2127,8 @@
         </p:nvSpPr>
         <p:spPr>
           <a:xfrm>
-            <a:off x="823680" y="2053080"/>
-            <a:ext cx="4586760" cy="1148400"/>
+            <a:off x="457200" y="205200"/>
+            <a:ext cx="8229240" cy="858600"/>
           </a:xfrm>
           <a:prstGeom prst="rect">
             <a:avLst/>
@@ -2221,10 +2143,10 @@
             <a:noAutofit/>
           </a:bodyPr>
           <a:p>
-            <a:endParaRPr b="0" lang="en-IN" sz="1400" spc="-1" strike="noStrike">
-              <a:solidFill>
-                <a:srgbClr val="000000"/>
-              </a:solidFill>
+            <a:pPr algn="ctr">
+              <a:buNone/>
+            </a:pPr>
+            <a:endParaRPr b="0" lang="en-IN" sz="4400" spc="-1" strike="noStrike">
               <a:latin typeface="Arial"/>
             </a:endParaRPr>
           </a:p>
@@ -2258,10 +2180,7 @@
             <a:normAutofit/>
           </a:bodyPr>
           <a:p>
-            <a:endParaRPr b="0" lang="en-IN" sz="1400" spc="-1" strike="noStrike">
-              <a:solidFill>
-                <a:srgbClr val="000000"/>
-              </a:solidFill>
+            <a:endParaRPr b="0" lang="en-IN" sz="3200" spc="-1" strike="noStrike">
               <a:latin typeface="Arial"/>
             </a:endParaRPr>
           </a:p>
@@ -2295,10 +2214,7 @@
             <a:normAutofit/>
           </a:bodyPr>
           <a:p>
-            <a:endParaRPr b="0" lang="en-IN" sz="1400" spc="-1" strike="noStrike">
-              <a:solidFill>
-                <a:srgbClr val="000000"/>
-              </a:solidFill>
+            <a:endParaRPr b="0" lang="en-IN" sz="3200" spc="-1" strike="noStrike">
               <a:latin typeface="Arial"/>
             </a:endParaRPr>
           </a:p>
@@ -2332,10 +2248,7 @@
             <a:normAutofit/>
           </a:bodyPr>
           <a:p>
-            <a:endParaRPr b="0" lang="en-IN" sz="1400" spc="-1" strike="noStrike">
-              <a:solidFill>
-                <a:srgbClr val="000000"/>
-              </a:solidFill>
+            <a:endParaRPr b="0" lang="en-IN" sz="3200" spc="-1" strike="noStrike">
               <a:latin typeface="Arial"/>
             </a:endParaRPr>
           </a:p>
@@ -2369,10 +2282,7 @@
             <a:normAutofit/>
           </a:bodyPr>
           <a:p>
-            <a:endParaRPr b="0" lang="en-IN" sz="1400" spc="-1" strike="noStrike">
-              <a:solidFill>
-                <a:srgbClr val="000000"/>
-              </a:solidFill>
+            <a:endParaRPr b="0" lang="en-IN" sz="3200" spc="-1" strike="noStrike">
               <a:latin typeface="Arial"/>
             </a:endParaRPr>
           </a:p>
@@ -2392,7 +2302,7 @@
         <p:txBody>
           <a:bodyPr/>
           <a:p>
-            <a:fld id="{7FE7628D-F5E5-4108-A4BB-7F5566DFBB6D}" type="slidenum">
+            <a:fld id="{A9664E6A-8614-41B9-8526-BF206E658B78}" type="slidenum">
               <a:t>&lt;#&gt;</a:t>
             </a:fld>
           </a:p>
@@ -2432,8 +2342,8 @@
         </p:nvSpPr>
         <p:spPr>
           <a:xfrm>
-            <a:off x="823680" y="2053080"/>
-            <a:ext cx="4586760" cy="1148400"/>
+            <a:off x="457200" y="205200"/>
+            <a:ext cx="8229240" cy="858600"/>
           </a:xfrm>
           <a:prstGeom prst="rect">
             <a:avLst/>
@@ -2448,10 +2358,10 @@
             <a:noAutofit/>
           </a:bodyPr>
           <a:p>
-            <a:endParaRPr b="0" lang="en-IN" sz="1400" spc="-1" strike="noStrike">
-              <a:solidFill>
-                <a:srgbClr val="000000"/>
-              </a:solidFill>
+            <a:pPr algn="ctr">
+              <a:buNone/>
+            </a:pPr>
+            <a:endParaRPr b="0" lang="en-IN" sz="4400" spc="-1" strike="noStrike">
               <a:latin typeface="Arial"/>
             </a:endParaRPr>
           </a:p>
@@ -2485,10 +2395,7 @@
             <a:normAutofit/>
           </a:bodyPr>
           <a:p>
-            <a:endParaRPr b="0" lang="en-IN" sz="1400" spc="-1" strike="noStrike">
-              <a:solidFill>
-                <a:srgbClr val="000000"/>
-              </a:solidFill>
+            <a:endParaRPr b="0" lang="en-IN" sz="3200" spc="-1" strike="noStrike">
               <a:latin typeface="Arial"/>
             </a:endParaRPr>
           </a:p>
@@ -2522,10 +2429,7 @@
             <a:normAutofit/>
           </a:bodyPr>
           <a:p>
-            <a:endParaRPr b="0" lang="en-IN" sz="1400" spc="-1" strike="noStrike">
-              <a:solidFill>
-                <a:srgbClr val="000000"/>
-              </a:solidFill>
+            <a:endParaRPr b="0" lang="en-IN" sz="3200" spc="-1" strike="noStrike">
               <a:latin typeface="Arial"/>
             </a:endParaRPr>
           </a:p>
@@ -2559,10 +2463,7 @@
             <a:normAutofit/>
           </a:bodyPr>
           <a:p>
-            <a:endParaRPr b="0" lang="en-IN" sz="1400" spc="-1" strike="noStrike">
-              <a:solidFill>
-                <a:srgbClr val="000000"/>
-              </a:solidFill>
+            <a:endParaRPr b="0" lang="en-IN" sz="3200" spc="-1" strike="noStrike">
               <a:latin typeface="Arial"/>
             </a:endParaRPr>
           </a:p>
@@ -2596,10 +2497,7 @@
             <a:normAutofit/>
           </a:bodyPr>
           <a:p>
-            <a:endParaRPr b="0" lang="en-IN" sz="1400" spc="-1" strike="noStrike">
-              <a:solidFill>
-                <a:srgbClr val="000000"/>
-              </a:solidFill>
+            <a:endParaRPr b="0" lang="en-IN" sz="3200" spc="-1" strike="noStrike">
               <a:latin typeface="Arial"/>
             </a:endParaRPr>
           </a:p>
@@ -2633,10 +2531,7 @@
             <a:normAutofit/>
           </a:bodyPr>
           <a:p>
-            <a:endParaRPr b="0" lang="en-IN" sz="1400" spc="-1" strike="noStrike">
-              <a:solidFill>
-                <a:srgbClr val="000000"/>
-              </a:solidFill>
+            <a:endParaRPr b="0" lang="en-IN" sz="3200" spc="-1" strike="noStrike">
               <a:latin typeface="Arial"/>
             </a:endParaRPr>
           </a:p>
@@ -2670,10 +2565,7 @@
             <a:normAutofit/>
           </a:bodyPr>
           <a:p>
-            <a:endParaRPr b="0" lang="en-IN" sz="1400" spc="-1" strike="noStrike">
-              <a:solidFill>
-                <a:srgbClr val="000000"/>
-              </a:solidFill>
+            <a:endParaRPr b="0" lang="en-IN" sz="3200" spc="-1" strike="noStrike">
               <a:latin typeface="Arial"/>
             </a:endParaRPr>
           </a:p>
@@ -2693,7 +2585,7 @@
         <p:txBody>
           <a:bodyPr/>
           <a:p>
-            <a:fld id="{B95DBF65-FA24-4A03-8349-B8F560874690}" type="slidenum">
+            <a:fld id="{97EC6F09-F7C4-46CE-9B45-0580D80DD915}" type="slidenum">
               <a:t>&lt;#&gt;</a:t>
             </a:fld>
           </a:p>
@@ -2735,7 +2627,7 @@
         <p:txBody>
           <a:bodyPr/>
           <a:p>
-            <a:fld id="{5D75E687-87E3-415D-8F82-56EDA0C78FB2}" type="slidenum">
+            <a:fld id="{E48659C0-2420-43B7-BC8B-6C851FD4839F}" type="slidenum">
               <a:t>&lt;#&gt;</a:t>
             </a:fld>
           </a:p>
@@ -2775,8 +2667,8 @@
         </p:nvSpPr>
         <p:spPr>
           <a:xfrm>
-            <a:off x="823680" y="2053080"/>
-            <a:ext cx="4586760" cy="1148400"/>
+            <a:off x="457200" y="205200"/>
+            <a:ext cx="8229240" cy="858600"/>
           </a:xfrm>
           <a:prstGeom prst="rect">
             <a:avLst/>
@@ -2791,10 +2683,10 @@
             <a:noAutofit/>
           </a:bodyPr>
           <a:p>
-            <a:endParaRPr b="0" lang="en-IN" sz="1400" spc="-1" strike="noStrike">
-              <a:solidFill>
-                <a:srgbClr val="000000"/>
-              </a:solidFill>
+            <a:pPr algn="ctr">
+              <a:buNone/>
+            </a:pPr>
+            <a:endParaRPr b="0" lang="en-IN" sz="4400" spc="-1" strike="noStrike">
               <a:latin typeface="Arial"/>
             </a:endParaRPr>
           </a:p>
@@ -2851,7 +2743,7 @@
         <p:txBody>
           <a:bodyPr/>
           <a:p>
-            <a:fld id="{48491A3C-84D9-408B-8A99-570D2D6D01A4}" type="slidenum">
+            <a:fld id="{605E3DA5-9F25-4EA2-8E50-934D8871C201}" type="slidenum">
               <a:t>&lt;#&gt;</a:t>
             </a:fld>
           </a:p>
@@ -2891,8 +2783,8 @@
         </p:nvSpPr>
         <p:spPr>
           <a:xfrm>
-            <a:off x="823680" y="2053080"/>
-            <a:ext cx="4586760" cy="1148400"/>
+            <a:off x="457200" y="205200"/>
+            <a:ext cx="8229240" cy="858600"/>
           </a:xfrm>
           <a:prstGeom prst="rect">
             <a:avLst/>
@@ -2907,10 +2799,10 @@
             <a:noAutofit/>
           </a:bodyPr>
           <a:p>
-            <a:endParaRPr b="0" lang="en-IN" sz="1400" spc="-1" strike="noStrike">
-              <a:solidFill>
-                <a:srgbClr val="000000"/>
-              </a:solidFill>
+            <a:pPr algn="ctr">
+              <a:buNone/>
+            </a:pPr>
+            <a:endParaRPr b="0" lang="en-IN" sz="4400" spc="-1" strike="noStrike">
               <a:latin typeface="Arial"/>
             </a:endParaRPr>
           </a:p>
@@ -2944,10 +2836,7 @@
             <a:normAutofit/>
           </a:bodyPr>
           <a:p>
-            <a:endParaRPr b="0" lang="en-IN" sz="1400" spc="-1" strike="noStrike">
-              <a:solidFill>
-                <a:srgbClr val="000000"/>
-              </a:solidFill>
+            <a:endParaRPr b="0" lang="en-IN" sz="3200" spc="-1" strike="noStrike">
               <a:latin typeface="Arial"/>
             </a:endParaRPr>
           </a:p>
@@ -2967,7 +2856,7 @@
         <p:txBody>
           <a:bodyPr/>
           <a:p>
-            <a:fld id="{A5A21211-A69F-401E-BA95-9F5B7C5EE3A3}" type="slidenum">
+            <a:fld id="{1368E159-FA08-4A6A-89BC-0EFA595ACDBF}" type="slidenum">
               <a:t>&lt;#&gt;</a:t>
             </a:fld>
           </a:p>
@@ -3007,8 +2896,8 @@
         </p:nvSpPr>
         <p:spPr>
           <a:xfrm>
-            <a:off x="823680" y="2053080"/>
-            <a:ext cx="4586760" cy="1148400"/>
+            <a:off x="457200" y="205200"/>
+            <a:ext cx="8229240" cy="858600"/>
           </a:xfrm>
           <a:prstGeom prst="rect">
             <a:avLst/>
@@ -3023,10 +2912,10 @@
             <a:noAutofit/>
           </a:bodyPr>
           <a:p>
-            <a:endParaRPr b="0" lang="en-IN" sz="1400" spc="-1" strike="noStrike">
-              <a:solidFill>
-                <a:srgbClr val="000000"/>
-              </a:solidFill>
+            <a:pPr algn="ctr">
+              <a:buNone/>
+            </a:pPr>
+            <a:endParaRPr b="0" lang="en-IN" sz="4400" spc="-1" strike="noStrike">
               <a:latin typeface="Arial"/>
             </a:endParaRPr>
           </a:p>
@@ -3060,10 +2949,7 @@
             <a:normAutofit/>
           </a:bodyPr>
           <a:p>
-            <a:endParaRPr b="0" lang="en-IN" sz="1400" spc="-1" strike="noStrike">
-              <a:solidFill>
-                <a:srgbClr val="000000"/>
-              </a:solidFill>
+            <a:endParaRPr b="0" lang="en-IN" sz="3200" spc="-1" strike="noStrike">
               <a:latin typeface="Arial"/>
             </a:endParaRPr>
           </a:p>
@@ -3097,10 +2983,7 @@
             <a:normAutofit/>
           </a:bodyPr>
           <a:p>
-            <a:endParaRPr b="0" lang="en-IN" sz="1400" spc="-1" strike="noStrike">
-              <a:solidFill>
-                <a:srgbClr val="000000"/>
-              </a:solidFill>
+            <a:endParaRPr b="0" lang="en-IN" sz="3200" spc="-1" strike="noStrike">
               <a:latin typeface="Arial"/>
             </a:endParaRPr>
           </a:p>
@@ -3120,7 +3003,7 @@
         <p:txBody>
           <a:bodyPr/>
           <a:p>
-            <a:fld id="{60689A4D-EBF0-45DB-851C-F33BCF591561}" type="slidenum">
+            <a:fld id="{F7E9085F-36BA-4E85-8090-7B08035BFA1D}" type="slidenum">
               <a:t>&lt;#&gt;</a:t>
             </a:fld>
           </a:p>
@@ -3160,8 +3043,8 @@
         </p:nvSpPr>
         <p:spPr>
           <a:xfrm>
-            <a:off x="823680" y="2053080"/>
-            <a:ext cx="4586760" cy="1148400"/>
+            <a:off x="457200" y="205200"/>
+            <a:ext cx="8229240" cy="858600"/>
           </a:xfrm>
           <a:prstGeom prst="rect">
             <a:avLst/>
@@ -3176,10 +3059,10 @@
             <a:noAutofit/>
           </a:bodyPr>
           <a:p>
-            <a:endParaRPr b="0" lang="en-IN" sz="1400" spc="-1" strike="noStrike">
-              <a:solidFill>
-                <a:srgbClr val="000000"/>
-              </a:solidFill>
+            <a:pPr algn="ctr">
+              <a:buNone/>
+            </a:pPr>
+            <a:endParaRPr b="0" lang="en-IN" sz="4400" spc="-1" strike="noStrike">
               <a:latin typeface="Arial"/>
             </a:endParaRPr>
           </a:p>
@@ -3199,7 +3082,7 @@
         <p:txBody>
           <a:bodyPr/>
           <a:p>
-            <a:fld id="{C7C77A63-C14E-4097-8785-EAFFFBDE9B02}" type="slidenum">
+            <a:fld id="{BE7324A4-5DBE-4692-BAA5-583C62291C04}" type="slidenum">
               <a:t>&lt;#&gt;</a:t>
             </a:fld>
           </a:p>
@@ -3239,8 +3122,8 @@
         </p:nvSpPr>
         <p:spPr>
           <a:xfrm>
-            <a:off x="823680" y="2053080"/>
-            <a:ext cx="4586760" cy="1148400"/>
+            <a:off x="457200" y="205200"/>
+            <a:ext cx="8229240" cy="858600"/>
           </a:xfrm>
           <a:prstGeom prst="rect">
             <a:avLst/>
@@ -3255,10 +3138,10 @@
             <a:noAutofit/>
           </a:bodyPr>
           <a:p>
-            <a:endParaRPr b="0" lang="en-IN" sz="1400" spc="-1" strike="noStrike">
-              <a:solidFill>
-                <a:srgbClr val="000000"/>
-              </a:solidFill>
+            <a:pPr algn="ctr">
+              <a:buNone/>
+            </a:pPr>
+            <a:endParaRPr b="0" lang="en-IN" sz="4400" spc="-1" strike="noStrike">
               <a:latin typeface="Arial"/>
             </a:endParaRPr>
           </a:p>
@@ -3292,10 +3175,7 @@
             <a:normAutofit/>
           </a:bodyPr>
           <a:p>
-            <a:endParaRPr b="0" lang="en-IN" sz="1400" spc="-1" strike="noStrike">
-              <a:solidFill>
-                <a:srgbClr val="000000"/>
-              </a:solidFill>
+            <a:endParaRPr b="0" lang="en-IN" sz="3200" spc="-1" strike="noStrike">
               <a:latin typeface="Arial"/>
             </a:endParaRPr>
           </a:p>
@@ -3315,7 +3195,7 @@
         <p:txBody>
           <a:bodyPr/>
           <a:p>
-            <a:fld id="{FD7B31B0-CB6D-4570-BDED-4B5E814FA3E8}" type="slidenum">
+            <a:fld id="{82C01F9B-4B73-4317-A384-1D2BD7183152}" type="slidenum">
               <a:t>&lt;#&gt;</a:t>
             </a:fld>
           </a:p>
@@ -3355,8 +3235,8 @@
         </p:nvSpPr>
         <p:spPr>
           <a:xfrm>
-            <a:off x="823680" y="2053080"/>
-            <a:ext cx="4586760" cy="5324760"/>
+            <a:off x="457200" y="205200"/>
+            <a:ext cx="8229240" cy="3981240"/>
           </a:xfrm>
           <a:prstGeom prst="rect">
             <a:avLst/>
@@ -3394,7 +3274,7 @@
         <p:txBody>
           <a:bodyPr/>
           <a:p>
-            <a:fld id="{5FBEE7ED-1AA3-442E-9A91-6E61F44C8069}" type="slidenum">
+            <a:fld id="{2A1DC759-C535-4B82-BD35-AC5D6A38568E}" type="slidenum">
               <a:t>&lt;#&gt;</a:t>
             </a:fld>
           </a:p>
@@ -3434,8 +3314,8 @@
         </p:nvSpPr>
         <p:spPr>
           <a:xfrm>
-            <a:off x="823680" y="2053080"/>
-            <a:ext cx="4586760" cy="1148400"/>
+            <a:off x="457200" y="205200"/>
+            <a:ext cx="8229240" cy="858600"/>
           </a:xfrm>
           <a:prstGeom prst="rect">
             <a:avLst/>
@@ -3450,10 +3330,10 @@
             <a:noAutofit/>
           </a:bodyPr>
           <a:p>
-            <a:endParaRPr b="0" lang="en-IN" sz="1400" spc="-1" strike="noStrike">
-              <a:solidFill>
-                <a:srgbClr val="000000"/>
-              </a:solidFill>
+            <a:pPr algn="ctr">
+              <a:buNone/>
+            </a:pPr>
+            <a:endParaRPr b="0" lang="en-IN" sz="4400" spc="-1" strike="noStrike">
               <a:latin typeface="Arial"/>
             </a:endParaRPr>
           </a:p>
@@ -3487,10 +3367,7 @@
             <a:normAutofit/>
           </a:bodyPr>
           <a:p>
-            <a:endParaRPr b="0" lang="en-IN" sz="1400" spc="-1" strike="noStrike">
-              <a:solidFill>
-                <a:srgbClr val="000000"/>
-              </a:solidFill>
+            <a:endParaRPr b="0" lang="en-IN" sz="3200" spc="-1" strike="noStrike">
               <a:latin typeface="Arial"/>
             </a:endParaRPr>
           </a:p>
@@ -3524,10 +3401,7 @@
             <a:normAutofit/>
           </a:bodyPr>
           <a:p>
-            <a:endParaRPr b="0" lang="en-IN" sz="1400" spc="-1" strike="noStrike">
-              <a:solidFill>
-                <a:srgbClr val="000000"/>
-              </a:solidFill>
+            <a:endParaRPr b="0" lang="en-IN" sz="3200" spc="-1" strike="noStrike">
               <a:latin typeface="Arial"/>
             </a:endParaRPr>
           </a:p>
@@ -3561,10 +3435,7 @@
             <a:normAutofit/>
           </a:bodyPr>
           <a:p>
-            <a:endParaRPr b="0" lang="en-IN" sz="1400" spc="-1" strike="noStrike">
-              <a:solidFill>
-                <a:srgbClr val="000000"/>
-              </a:solidFill>
+            <a:endParaRPr b="0" lang="en-IN" sz="3200" spc="-1" strike="noStrike">
               <a:latin typeface="Arial"/>
             </a:endParaRPr>
           </a:p>
@@ -3584,7 +3455,7 @@
         <p:txBody>
           <a:bodyPr/>
           <a:p>
-            <a:fld id="{216366F2-839A-4C22-A192-8E80A18ABF3F}" type="slidenum">
+            <a:fld id="{5E8389A7-9A45-4E58-A296-9E0244AD71F1}" type="slidenum">
               <a:t>&lt;#&gt;</a:t>
             </a:fld>
           </a:p>
@@ -3624,8 +3495,8 @@
         </p:nvSpPr>
         <p:spPr>
           <a:xfrm>
-            <a:off x="823680" y="2053080"/>
-            <a:ext cx="4586760" cy="1148400"/>
+            <a:off x="457200" y="205200"/>
+            <a:ext cx="8229240" cy="858600"/>
           </a:xfrm>
           <a:prstGeom prst="rect">
             <a:avLst/>
@@ -3640,10 +3511,10 @@
             <a:noAutofit/>
           </a:bodyPr>
           <a:p>
-            <a:endParaRPr b="0" lang="en-IN" sz="1400" spc="-1" strike="noStrike">
-              <a:solidFill>
-                <a:srgbClr val="000000"/>
-              </a:solidFill>
+            <a:pPr algn="ctr">
+              <a:buNone/>
+            </a:pPr>
+            <a:endParaRPr b="0" lang="en-IN" sz="4400" spc="-1" strike="noStrike">
               <a:latin typeface="Arial"/>
             </a:endParaRPr>
           </a:p>
@@ -3677,10 +3548,7 @@
             <a:normAutofit/>
           </a:bodyPr>
           <a:p>
-            <a:endParaRPr b="0" lang="en-IN" sz="1400" spc="-1" strike="noStrike">
-              <a:solidFill>
-                <a:srgbClr val="000000"/>
-              </a:solidFill>
+            <a:endParaRPr b="0" lang="en-IN" sz="3200" spc="-1" strike="noStrike">
               <a:latin typeface="Arial"/>
             </a:endParaRPr>
           </a:p>
@@ -3714,10 +3582,7 @@
             <a:normAutofit/>
           </a:bodyPr>
           <a:p>
-            <a:endParaRPr b="0" lang="en-IN" sz="1400" spc="-1" strike="noStrike">
-              <a:solidFill>
-                <a:srgbClr val="000000"/>
-              </a:solidFill>
+            <a:endParaRPr b="0" lang="en-IN" sz="3200" spc="-1" strike="noStrike">
               <a:latin typeface="Arial"/>
             </a:endParaRPr>
           </a:p>
@@ -3751,10 +3616,7 @@
             <a:normAutofit/>
           </a:bodyPr>
           <a:p>
-            <a:endParaRPr b="0" lang="en-IN" sz="1400" spc="-1" strike="noStrike">
-              <a:solidFill>
-                <a:srgbClr val="000000"/>
-              </a:solidFill>
+            <a:endParaRPr b="0" lang="en-IN" sz="3200" spc="-1" strike="noStrike">
               <a:latin typeface="Arial"/>
             </a:endParaRPr>
           </a:p>
@@ -3774,7 +3636,7 @@
         <p:txBody>
           <a:bodyPr/>
           <a:p>
-            <a:fld id="{5FDE5DFA-5225-4C3B-B869-54CA0C50FB1F}" type="slidenum">
+            <a:fld id="{5DC3E110-F34A-4935-BB5F-D14D57262937}" type="slidenum">
               <a:t>&lt;#&gt;</a:t>
             </a:fld>
           </a:p>
@@ -3814,8 +3676,8 @@
         </p:nvSpPr>
         <p:spPr>
           <a:xfrm>
-            <a:off x="823680" y="2053080"/>
-            <a:ext cx="4586760" cy="1148400"/>
+            <a:off x="457200" y="205200"/>
+            <a:ext cx="8229240" cy="858600"/>
           </a:xfrm>
           <a:prstGeom prst="rect">
             <a:avLst/>
@@ -3830,10 +3692,10 @@
             <a:noAutofit/>
           </a:bodyPr>
           <a:p>
-            <a:endParaRPr b="0" lang="en-IN" sz="1400" spc="-1" strike="noStrike">
-              <a:solidFill>
-                <a:srgbClr val="000000"/>
-              </a:solidFill>
+            <a:pPr algn="ctr">
+              <a:buNone/>
+            </a:pPr>
+            <a:endParaRPr b="0" lang="en-IN" sz="4400" spc="-1" strike="noStrike">
               <a:latin typeface="Arial"/>
             </a:endParaRPr>
           </a:p>
@@ -3867,10 +3729,7 @@
             <a:normAutofit/>
           </a:bodyPr>
           <a:p>
-            <a:endParaRPr b="0" lang="en-IN" sz="1400" spc="-1" strike="noStrike">
-              <a:solidFill>
-                <a:srgbClr val="000000"/>
-              </a:solidFill>
+            <a:endParaRPr b="0" lang="en-IN" sz="3200" spc="-1" strike="noStrike">
               <a:latin typeface="Arial"/>
             </a:endParaRPr>
           </a:p>
@@ -3904,10 +3763,7 @@
             <a:normAutofit/>
           </a:bodyPr>
           <a:p>
-            <a:endParaRPr b="0" lang="en-IN" sz="1400" spc="-1" strike="noStrike">
-              <a:solidFill>
-                <a:srgbClr val="000000"/>
-              </a:solidFill>
+            <a:endParaRPr b="0" lang="en-IN" sz="3200" spc="-1" strike="noStrike">
               <a:latin typeface="Arial"/>
             </a:endParaRPr>
           </a:p>
@@ -3941,10 +3797,7 @@
             <a:normAutofit/>
           </a:bodyPr>
           <a:p>
-            <a:endParaRPr b="0" lang="en-IN" sz="1400" spc="-1" strike="noStrike">
-              <a:solidFill>
-                <a:srgbClr val="000000"/>
-              </a:solidFill>
+            <a:endParaRPr b="0" lang="en-IN" sz="3200" spc="-1" strike="noStrike">
               <a:latin typeface="Arial"/>
             </a:endParaRPr>
           </a:p>
@@ -3964,7 +3817,7 @@
         <p:txBody>
           <a:bodyPr/>
           <a:p>
-            <a:fld id="{3EE9D2B2-5CA8-4692-9E1E-A9355CC3369B}" type="slidenum">
+            <a:fld id="{6929EA6B-BE83-4EC9-AB06-2B7F7A0C98E6}" type="slidenum">
               <a:t>&lt;#&gt;</a:t>
             </a:fld>
           </a:p>
@@ -4004,8 +3857,8 @@
         </p:nvSpPr>
         <p:spPr>
           <a:xfrm>
-            <a:off x="823680" y="2053080"/>
-            <a:ext cx="4586760" cy="1148400"/>
+            <a:off x="457200" y="205200"/>
+            <a:ext cx="8229240" cy="858600"/>
           </a:xfrm>
           <a:prstGeom prst="rect">
             <a:avLst/>
@@ -4020,10 +3873,10 @@
             <a:noAutofit/>
           </a:bodyPr>
           <a:p>
-            <a:endParaRPr b="0" lang="en-IN" sz="1400" spc="-1" strike="noStrike">
-              <a:solidFill>
-                <a:srgbClr val="000000"/>
-              </a:solidFill>
+            <a:pPr algn="ctr">
+              <a:buNone/>
+            </a:pPr>
+            <a:endParaRPr b="0" lang="en-IN" sz="4400" spc="-1" strike="noStrike">
               <a:latin typeface="Arial"/>
             </a:endParaRPr>
           </a:p>
@@ -4057,10 +3910,7 @@
             <a:normAutofit/>
           </a:bodyPr>
           <a:p>
-            <a:endParaRPr b="0" lang="en-IN" sz="1400" spc="-1" strike="noStrike">
-              <a:solidFill>
-                <a:srgbClr val="000000"/>
-              </a:solidFill>
+            <a:endParaRPr b="0" lang="en-IN" sz="3200" spc="-1" strike="noStrike">
               <a:latin typeface="Arial"/>
             </a:endParaRPr>
           </a:p>
@@ -4094,10 +3944,7 @@
             <a:normAutofit/>
           </a:bodyPr>
           <a:p>
-            <a:endParaRPr b="0" lang="en-IN" sz="1400" spc="-1" strike="noStrike">
-              <a:solidFill>
-                <a:srgbClr val="000000"/>
-              </a:solidFill>
+            <a:endParaRPr b="0" lang="en-IN" sz="3200" spc="-1" strike="noStrike">
               <a:latin typeface="Arial"/>
             </a:endParaRPr>
           </a:p>
@@ -4117,7 +3964,7 @@
         <p:txBody>
           <a:bodyPr/>
           <a:p>
-            <a:fld id="{0D6AC6EB-3AFA-4C56-8110-2AE663F6B739}" type="slidenum">
+            <a:fld id="{EB974F51-5EAE-468F-8AAE-AD8282C04D94}" type="slidenum">
               <a:t>&lt;#&gt;</a:t>
             </a:fld>
           </a:p>
@@ -4157,8 +4004,8 @@
         </p:nvSpPr>
         <p:spPr>
           <a:xfrm>
-            <a:off x="823680" y="2053080"/>
-            <a:ext cx="4586760" cy="1148400"/>
+            <a:off x="457200" y="205200"/>
+            <a:ext cx="8229240" cy="858600"/>
           </a:xfrm>
           <a:prstGeom prst="rect">
             <a:avLst/>
@@ -4173,10 +4020,10 @@
             <a:noAutofit/>
           </a:bodyPr>
           <a:p>
-            <a:endParaRPr b="0" lang="en-IN" sz="1400" spc="-1" strike="noStrike">
-              <a:solidFill>
-                <a:srgbClr val="000000"/>
-              </a:solidFill>
+            <a:pPr algn="ctr">
+              <a:buNone/>
+            </a:pPr>
+            <a:endParaRPr b="0" lang="en-IN" sz="4400" spc="-1" strike="noStrike">
               <a:latin typeface="Arial"/>
             </a:endParaRPr>
           </a:p>
@@ -4210,10 +4057,7 @@
             <a:normAutofit/>
           </a:bodyPr>
           <a:p>
-            <a:endParaRPr b="0" lang="en-IN" sz="1400" spc="-1" strike="noStrike">
-              <a:solidFill>
-                <a:srgbClr val="000000"/>
-              </a:solidFill>
+            <a:endParaRPr b="0" lang="en-IN" sz="3200" spc="-1" strike="noStrike">
               <a:latin typeface="Arial"/>
             </a:endParaRPr>
           </a:p>
@@ -4247,10 +4091,7 @@
             <a:normAutofit/>
           </a:bodyPr>
           <a:p>
-            <a:endParaRPr b="0" lang="en-IN" sz="1400" spc="-1" strike="noStrike">
-              <a:solidFill>
-                <a:srgbClr val="000000"/>
-              </a:solidFill>
+            <a:endParaRPr b="0" lang="en-IN" sz="3200" spc="-1" strike="noStrike">
               <a:latin typeface="Arial"/>
             </a:endParaRPr>
           </a:p>
@@ -4284,10 +4125,7 @@
             <a:normAutofit/>
           </a:bodyPr>
           <a:p>
-            <a:endParaRPr b="0" lang="en-IN" sz="1400" spc="-1" strike="noStrike">
-              <a:solidFill>
-                <a:srgbClr val="000000"/>
-              </a:solidFill>
+            <a:endParaRPr b="0" lang="en-IN" sz="3200" spc="-1" strike="noStrike">
               <a:latin typeface="Arial"/>
             </a:endParaRPr>
           </a:p>
@@ -4321,10 +4159,7 @@
             <a:normAutofit/>
           </a:bodyPr>
           <a:p>
-            <a:endParaRPr b="0" lang="en-IN" sz="1400" spc="-1" strike="noStrike">
-              <a:solidFill>
-                <a:srgbClr val="000000"/>
-              </a:solidFill>
+            <a:endParaRPr b="0" lang="en-IN" sz="3200" spc="-1" strike="noStrike">
               <a:latin typeface="Arial"/>
             </a:endParaRPr>
           </a:p>
@@ -4344,7 +4179,7 @@
         <p:txBody>
           <a:bodyPr/>
           <a:p>
-            <a:fld id="{2341BD97-5199-44EC-9454-B4D34A2804EF}" type="slidenum">
+            <a:fld id="{6B9B1088-1DD5-45F1-9D6E-A19CECDF223E}" type="slidenum">
               <a:t>&lt;#&gt;</a:t>
             </a:fld>
           </a:p>
@@ -4384,8 +4219,8 @@
         </p:nvSpPr>
         <p:spPr>
           <a:xfrm>
-            <a:off x="823680" y="2053080"/>
-            <a:ext cx="4586760" cy="1148400"/>
+            <a:off x="457200" y="205200"/>
+            <a:ext cx="8229240" cy="858600"/>
           </a:xfrm>
           <a:prstGeom prst="rect">
             <a:avLst/>
@@ -4400,10 +4235,10 @@
             <a:noAutofit/>
           </a:bodyPr>
           <a:p>
-            <a:endParaRPr b="0" lang="en-IN" sz="1400" spc="-1" strike="noStrike">
-              <a:solidFill>
-                <a:srgbClr val="000000"/>
-              </a:solidFill>
+            <a:pPr algn="ctr">
+              <a:buNone/>
+            </a:pPr>
+            <a:endParaRPr b="0" lang="en-IN" sz="4400" spc="-1" strike="noStrike">
               <a:latin typeface="Arial"/>
             </a:endParaRPr>
           </a:p>
@@ -4437,10 +4272,7 @@
             <a:normAutofit/>
           </a:bodyPr>
           <a:p>
-            <a:endParaRPr b="0" lang="en-IN" sz="1400" spc="-1" strike="noStrike">
-              <a:solidFill>
-                <a:srgbClr val="000000"/>
-              </a:solidFill>
+            <a:endParaRPr b="0" lang="en-IN" sz="3200" spc="-1" strike="noStrike">
               <a:latin typeface="Arial"/>
             </a:endParaRPr>
           </a:p>
@@ -4474,10 +4306,7 @@
             <a:normAutofit/>
           </a:bodyPr>
           <a:p>
-            <a:endParaRPr b="0" lang="en-IN" sz="1400" spc="-1" strike="noStrike">
-              <a:solidFill>
-                <a:srgbClr val="000000"/>
-              </a:solidFill>
+            <a:endParaRPr b="0" lang="en-IN" sz="3200" spc="-1" strike="noStrike">
               <a:latin typeface="Arial"/>
             </a:endParaRPr>
           </a:p>
@@ -4511,10 +4340,7 @@
             <a:normAutofit/>
           </a:bodyPr>
           <a:p>
-            <a:endParaRPr b="0" lang="en-IN" sz="1400" spc="-1" strike="noStrike">
-              <a:solidFill>
-                <a:srgbClr val="000000"/>
-              </a:solidFill>
+            <a:endParaRPr b="0" lang="en-IN" sz="3200" spc="-1" strike="noStrike">
               <a:latin typeface="Arial"/>
             </a:endParaRPr>
           </a:p>
@@ -4548,10 +4374,7 @@
             <a:normAutofit/>
           </a:bodyPr>
           <a:p>
-            <a:endParaRPr b="0" lang="en-IN" sz="1400" spc="-1" strike="noStrike">
-              <a:solidFill>
-                <a:srgbClr val="000000"/>
-              </a:solidFill>
+            <a:endParaRPr b="0" lang="en-IN" sz="3200" spc="-1" strike="noStrike">
               <a:latin typeface="Arial"/>
             </a:endParaRPr>
           </a:p>
@@ -4585,10 +4408,7 @@
             <a:normAutofit/>
           </a:bodyPr>
           <a:p>
-            <a:endParaRPr b="0" lang="en-IN" sz="1400" spc="-1" strike="noStrike">
-              <a:solidFill>
-                <a:srgbClr val="000000"/>
-              </a:solidFill>
+            <a:endParaRPr b="0" lang="en-IN" sz="3200" spc="-1" strike="noStrike">
               <a:latin typeface="Arial"/>
             </a:endParaRPr>
           </a:p>
@@ -4622,10 +4442,7 @@
             <a:normAutofit/>
           </a:bodyPr>
           <a:p>
-            <a:endParaRPr b="0" lang="en-IN" sz="1400" spc="-1" strike="noStrike">
-              <a:solidFill>
-                <a:srgbClr val="000000"/>
-              </a:solidFill>
+            <a:endParaRPr b="0" lang="en-IN" sz="3200" spc="-1" strike="noStrike">
               <a:latin typeface="Arial"/>
             </a:endParaRPr>
           </a:p>
@@ -4645,7 +4462,7 @@
         <p:txBody>
           <a:bodyPr/>
           <a:p>
-            <a:fld id="{69E6FCA4-5A00-4A5A-912D-352B4F10DDEE}" type="slidenum">
+            <a:fld id="{29131591-6108-4281-9377-470184F38E6F}" type="slidenum">
               <a:t>&lt;#&gt;</a:t>
             </a:fld>
           </a:p>
@@ -4685,8 +4502,8 @@
         </p:nvSpPr>
         <p:spPr>
           <a:xfrm>
-            <a:off x="823680" y="2053080"/>
-            <a:ext cx="4586760" cy="1148400"/>
+            <a:off x="457200" y="205200"/>
+            <a:ext cx="8229240" cy="858600"/>
           </a:xfrm>
           <a:prstGeom prst="rect">
             <a:avLst/>
@@ -4701,10 +4518,10 @@
             <a:noAutofit/>
           </a:bodyPr>
           <a:p>
-            <a:endParaRPr b="0" lang="en-IN" sz="1400" spc="-1" strike="noStrike">
-              <a:solidFill>
-                <a:srgbClr val="000000"/>
-              </a:solidFill>
+            <a:pPr algn="ctr">
+              <a:buNone/>
+            </a:pPr>
+            <a:endParaRPr b="0" lang="en-IN" sz="4400" spc="-1" strike="noStrike">
               <a:latin typeface="Arial"/>
             </a:endParaRPr>
           </a:p>
@@ -4738,10 +4555,7 @@
             <a:normAutofit/>
           </a:bodyPr>
           <a:p>
-            <a:endParaRPr b="0" lang="en-IN" sz="1400" spc="-1" strike="noStrike">
-              <a:solidFill>
-                <a:srgbClr val="000000"/>
-              </a:solidFill>
+            <a:endParaRPr b="0" lang="en-IN" sz="3200" spc="-1" strike="noStrike">
               <a:latin typeface="Arial"/>
             </a:endParaRPr>
           </a:p>
@@ -4775,10 +4589,7 @@
             <a:normAutofit/>
           </a:bodyPr>
           <a:p>
-            <a:endParaRPr b="0" lang="en-IN" sz="1400" spc="-1" strike="noStrike">
-              <a:solidFill>
-                <a:srgbClr val="000000"/>
-              </a:solidFill>
+            <a:endParaRPr b="0" lang="en-IN" sz="3200" spc="-1" strike="noStrike">
               <a:latin typeface="Arial"/>
             </a:endParaRPr>
           </a:p>
@@ -4798,7 +4609,7 @@
         <p:txBody>
           <a:bodyPr/>
           <a:p>
-            <a:fld id="{A7DF3CC4-95D0-47F1-98C7-BA2E7F620ADA}" type="slidenum">
+            <a:fld id="{768B66FE-0D05-4CE6-8E22-6D90C5DAE2CF}" type="slidenum">
               <a:t>&lt;#&gt;</a:t>
             </a:fld>
           </a:p>
@@ -4838,8 +4649,8 @@
         </p:nvSpPr>
         <p:spPr>
           <a:xfrm>
-            <a:off x="823680" y="2053080"/>
-            <a:ext cx="4586760" cy="1148400"/>
+            <a:off x="457200" y="205200"/>
+            <a:ext cx="8229240" cy="858600"/>
           </a:xfrm>
           <a:prstGeom prst="rect">
             <a:avLst/>
@@ -4854,10 +4665,10 @@
             <a:noAutofit/>
           </a:bodyPr>
           <a:p>
-            <a:endParaRPr b="0" lang="en-IN" sz="1400" spc="-1" strike="noStrike">
-              <a:solidFill>
-                <a:srgbClr val="000000"/>
-              </a:solidFill>
+            <a:pPr algn="ctr">
+              <a:buNone/>
+            </a:pPr>
+            <a:endParaRPr b="0" lang="en-IN" sz="4400" spc="-1" strike="noStrike">
               <a:latin typeface="Arial"/>
             </a:endParaRPr>
           </a:p>
@@ -4877,7 +4688,7 @@
         <p:txBody>
           <a:bodyPr/>
           <a:p>
-            <a:fld id="{5FC4E31E-25B3-4E5C-99C2-A2C052E84B77}" type="slidenum">
+            <a:fld id="{65A72606-796E-4ED0-992A-2B3BABF5E813}" type="slidenum">
               <a:t>&lt;#&gt;</a:t>
             </a:fld>
           </a:p>
@@ -4917,8 +4728,8 @@
         </p:nvSpPr>
         <p:spPr>
           <a:xfrm>
-            <a:off x="823680" y="2053080"/>
-            <a:ext cx="4586760" cy="5324760"/>
+            <a:off x="457200" y="205200"/>
+            <a:ext cx="8229240" cy="3981240"/>
           </a:xfrm>
           <a:prstGeom prst="rect">
             <a:avLst/>
@@ -4956,7 +4767,7 @@
         <p:txBody>
           <a:bodyPr/>
           <a:p>
-            <a:fld id="{9E6AA5E5-4E7A-49AD-94A6-512296005467}" type="slidenum">
+            <a:fld id="{2FDEC0CE-014F-4BEB-93E1-39B485A7A045}" type="slidenum">
               <a:t>&lt;#&gt;</a:t>
             </a:fld>
           </a:p>
@@ -4996,8 +4807,8 @@
         </p:nvSpPr>
         <p:spPr>
           <a:xfrm>
-            <a:off x="823680" y="2053080"/>
-            <a:ext cx="4586760" cy="1148400"/>
+            <a:off x="457200" y="205200"/>
+            <a:ext cx="8229240" cy="858600"/>
           </a:xfrm>
           <a:prstGeom prst="rect">
             <a:avLst/>
@@ -5012,10 +4823,10 @@
             <a:noAutofit/>
           </a:bodyPr>
           <a:p>
-            <a:endParaRPr b="0" lang="en-IN" sz="1400" spc="-1" strike="noStrike">
-              <a:solidFill>
-                <a:srgbClr val="000000"/>
-              </a:solidFill>
+            <a:pPr algn="ctr">
+              <a:buNone/>
+            </a:pPr>
+            <a:endParaRPr b="0" lang="en-IN" sz="4400" spc="-1" strike="noStrike">
               <a:latin typeface="Arial"/>
             </a:endParaRPr>
           </a:p>
@@ -5049,10 +4860,7 @@
             <a:normAutofit/>
           </a:bodyPr>
           <a:p>
-            <a:endParaRPr b="0" lang="en-IN" sz="1400" spc="-1" strike="noStrike">
-              <a:solidFill>
-                <a:srgbClr val="000000"/>
-              </a:solidFill>
+            <a:endParaRPr b="0" lang="en-IN" sz="3200" spc="-1" strike="noStrike">
               <a:latin typeface="Arial"/>
             </a:endParaRPr>
           </a:p>
@@ -5086,10 +4894,7 @@
             <a:normAutofit/>
           </a:bodyPr>
           <a:p>
-            <a:endParaRPr b="0" lang="en-IN" sz="1400" spc="-1" strike="noStrike">
-              <a:solidFill>
-                <a:srgbClr val="000000"/>
-              </a:solidFill>
+            <a:endParaRPr b="0" lang="en-IN" sz="3200" spc="-1" strike="noStrike">
               <a:latin typeface="Arial"/>
             </a:endParaRPr>
           </a:p>
@@ -5123,10 +4928,7 @@
             <a:normAutofit/>
           </a:bodyPr>
           <a:p>
-            <a:endParaRPr b="0" lang="en-IN" sz="1400" spc="-1" strike="noStrike">
-              <a:solidFill>
-                <a:srgbClr val="000000"/>
-              </a:solidFill>
+            <a:endParaRPr b="0" lang="en-IN" sz="3200" spc="-1" strike="noStrike">
               <a:latin typeface="Arial"/>
             </a:endParaRPr>
           </a:p>
@@ -5146,7 +4948,7 @@
         <p:txBody>
           <a:bodyPr/>
           <a:p>
-            <a:fld id="{C382CF5D-53A7-46F8-B2D5-2DF240F18AAE}" type="slidenum">
+            <a:fld id="{29AB943E-5CE6-4FCB-B433-0AAC0D62840B}" type="slidenum">
               <a:t>&lt;#&gt;</a:t>
             </a:fld>
           </a:p>
@@ -5186,8 +4988,8 @@
         </p:nvSpPr>
         <p:spPr>
           <a:xfrm>
-            <a:off x="823680" y="2053080"/>
-            <a:ext cx="4586760" cy="1148400"/>
+            <a:off x="457200" y="205200"/>
+            <a:ext cx="8229240" cy="858600"/>
           </a:xfrm>
           <a:prstGeom prst="rect">
             <a:avLst/>
@@ -5202,10 +5004,10 @@
             <a:noAutofit/>
           </a:bodyPr>
           <a:p>
-            <a:endParaRPr b="0" lang="en-IN" sz="1400" spc="-1" strike="noStrike">
-              <a:solidFill>
-                <a:srgbClr val="000000"/>
-              </a:solidFill>
+            <a:pPr algn="ctr">
+              <a:buNone/>
+            </a:pPr>
+            <a:endParaRPr b="0" lang="en-IN" sz="4400" spc="-1" strike="noStrike">
               <a:latin typeface="Arial"/>
             </a:endParaRPr>
           </a:p>
@@ -5239,10 +5041,7 @@
             <a:normAutofit/>
           </a:bodyPr>
           <a:p>
-            <a:endParaRPr b="0" lang="en-IN" sz="1400" spc="-1" strike="noStrike">
-              <a:solidFill>
-                <a:srgbClr val="000000"/>
-              </a:solidFill>
+            <a:endParaRPr b="0" lang="en-IN" sz="3200" spc="-1" strike="noStrike">
               <a:latin typeface="Arial"/>
             </a:endParaRPr>
           </a:p>
@@ -5276,10 +5075,7 @@
             <a:normAutofit/>
           </a:bodyPr>
           <a:p>
-            <a:endParaRPr b="0" lang="en-IN" sz="1400" spc="-1" strike="noStrike">
-              <a:solidFill>
-                <a:srgbClr val="000000"/>
-              </a:solidFill>
+            <a:endParaRPr b="0" lang="en-IN" sz="3200" spc="-1" strike="noStrike">
               <a:latin typeface="Arial"/>
             </a:endParaRPr>
           </a:p>
@@ -5313,10 +5109,7 @@
             <a:normAutofit/>
           </a:bodyPr>
           <a:p>
-            <a:endParaRPr b="0" lang="en-IN" sz="1400" spc="-1" strike="noStrike">
-              <a:solidFill>
-                <a:srgbClr val="000000"/>
-              </a:solidFill>
+            <a:endParaRPr b="0" lang="en-IN" sz="3200" spc="-1" strike="noStrike">
               <a:latin typeface="Arial"/>
             </a:endParaRPr>
           </a:p>
@@ -5336,7 +5129,7 @@
         <p:txBody>
           <a:bodyPr/>
           <a:p>
-            <a:fld id="{995866DA-ED4F-4050-8454-7F248658CE0D}" type="slidenum">
+            <a:fld id="{27B395D8-F146-4334-9F5C-4E073AB28A9D}" type="slidenum">
               <a:t>&lt;#&gt;</a:t>
             </a:fld>
           </a:p>
@@ -5376,8 +5169,8 @@
         </p:nvSpPr>
         <p:spPr>
           <a:xfrm>
-            <a:off x="823680" y="2053080"/>
-            <a:ext cx="4586760" cy="1148400"/>
+            <a:off x="457200" y="205200"/>
+            <a:ext cx="8229240" cy="858600"/>
           </a:xfrm>
           <a:prstGeom prst="rect">
             <a:avLst/>
@@ -5392,10 +5185,10 @@
             <a:noAutofit/>
           </a:bodyPr>
           <a:p>
-            <a:endParaRPr b="0" lang="en-IN" sz="1400" spc="-1" strike="noStrike">
-              <a:solidFill>
-                <a:srgbClr val="000000"/>
-              </a:solidFill>
+            <a:pPr algn="ctr">
+              <a:buNone/>
+            </a:pPr>
+            <a:endParaRPr b="0" lang="en-IN" sz="4400" spc="-1" strike="noStrike">
               <a:latin typeface="Arial"/>
             </a:endParaRPr>
           </a:p>
@@ -5429,10 +5222,7 @@
             <a:normAutofit/>
           </a:bodyPr>
           <a:p>
-            <a:endParaRPr b="0" lang="en-IN" sz="1400" spc="-1" strike="noStrike">
-              <a:solidFill>
-                <a:srgbClr val="000000"/>
-              </a:solidFill>
+            <a:endParaRPr b="0" lang="en-IN" sz="3200" spc="-1" strike="noStrike">
               <a:latin typeface="Arial"/>
             </a:endParaRPr>
           </a:p>
@@ -5466,10 +5256,7 @@
             <a:normAutofit/>
           </a:bodyPr>
           <a:p>
-            <a:endParaRPr b="0" lang="en-IN" sz="1400" spc="-1" strike="noStrike">
-              <a:solidFill>
-                <a:srgbClr val="000000"/>
-              </a:solidFill>
+            <a:endParaRPr b="0" lang="en-IN" sz="3200" spc="-1" strike="noStrike">
               <a:latin typeface="Arial"/>
             </a:endParaRPr>
           </a:p>
@@ -5503,10 +5290,7 @@
             <a:normAutofit/>
           </a:bodyPr>
           <a:p>
-            <a:endParaRPr b="0" lang="en-IN" sz="1400" spc="-1" strike="noStrike">
-              <a:solidFill>
-                <a:srgbClr val="000000"/>
-              </a:solidFill>
+            <a:endParaRPr b="0" lang="en-IN" sz="3200" spc="-1" strike="noStrike">
               <a:latin typeface="Arial"/>
             </a:endParaRPr>
           </a:p>
@@ -5526,7 +5310,7 @@
         <p:txBody>
           <a:bodyPr/>
           <a:p>
-            <a:fld id="{D4059129-AA91-405D-9A75-2CA9CF3AAE82}" type="slidenum">
+            <a:fld id="{8CAB3680-5615-48DB-890C-6EC9014AF02E}" type="slidenum">
               <a:t>&lt;#&gt;</a:t>
             </a:fld>
           </a:p>
@@ -5569,10 +5353,10 @@
         </p:nvGrpSpPr>
         <p:grpSpPr>
           <a:xfrm>
-            <a:off x="4406760" y="0"/>
-            <a:ext cx="4737240" cy="5142960"/>
-            <a:chOff x="4406760" y="0"/>
-            <a:chExt cx="4737240" cy="5142960"/>
+            <a:off x="4406760" y="-360"/>
+            <a:ext cx="4736880" cy="5143320"/>
+            <a:chOff x="4406760" y="-360"/>
+            <a:chExt cx="4736880" cy="5143320"/>
           </a:xfrm>
         </p:grpSpPr>
         <p:sp>
@@ -5584,7 +5368,7 @@
           <p:spPr>
             <a:xfrm rot="5400000">
               <a:off x="4408200" y="-1800"/>
-              <a:ext cx="4733640" cy="4737240"/>
+              <a:ext cx="4733280" cy="4736880"/>
             </a:xfrm>
             <a:prstGeom prst="diagStripe">
               <a:avLst>
@@ -5615,8 +5399,8 @@
           </p:nvSpPr>
           <p:spPr>
             <a:xfrm rot="5400000">
-              <a:off x="4841280" y="5400"/>
-              <a:ext cx="4297680" cy="4286520"/>
+              <a:off x="4841640" y="5040"/>
+              <a:ext cx="4297320" cy="4286160"/>
             </a:xfrm>
             <a:prstGeom prst="diagStripe">
               <a:avLst>
@@ -5647,8 +5431,8 @@
           </p:nvSpPr>
           <p:spPr>
             <a:xfrm rot="16200000">
-              <a:off x="5618520" y="1236600"/>
-              <a:ext cx="808560" cy="808560"/>
+              <a:off x="5618520" y="1236960"/>
+              <a:ext cx="808200" cy="808200"/>
             </a:xfrm>
             <a:prstGeom prst="diagStripe">
               <a:avLst>
@@ -5679,8 +5463,8 @@
           </p:nvSpPr>
           <p:spPr>
             <a:xfrm flipH="1">
-              <a:off x="5850000" y="1443960"/>
-              <a:ext cx="808560" cy="808560"/>
+              <a:off x="5849280" y="1443960"/>
+              <a:ext cx="808200" cy="808200"/>
             </a:xfrm>
             <a:prstGeom prst="diagStripe">
               <a:avLst>
@@ -5711,8 +5495,8 @@
           </p:nvSpPr>
           <p:spPr>
             <a:xfrm rot="16200000">
-              <a:off x="5987160" y="2469600"/>
-              <a:ext cx="808560" cy="808560"/>
+              <a:off x="5987160" y="2469960"/>
+              <a:ext cx="808200" cy="808200"/>
             </a:xfrm>
             <a:prstGeom prst="diagStripe">
               <a:avLst>
@@ -5743,8 +5527,8 @@
           </p:nvSpPr>
           <p:spPr>
             <a:xfrm flipH="1">
-              <a:off x="6222240" y="2676960"/>
-              <a:ext cx="808560" cy="808560"/>
+              <a:off x="6221520" y="2676960"/>
+              <a:ext cx="808200" cy="808200"/>
             </a:xfrm>
             <a:prstGeom prst="diagStripe">
               <a:avLst>
@@ -5775,8 +5559,8 @@
           </p:nvSpPr>
           <p:spPr>
             <a:xfrm rot="16200000">
-              <a:off x="6675480" y="1862280"/>
-              <a:ext cx="808560" cy="808560"/>
+              <a:off x="6675480" y="1862640"/>
+              <a:ext cx="808200" cy="808200"/>
             </a:xfrm>
             <a:prstGeom prst="diagStripe">
               <a:avLst>
@@ -5807,8 +5591,8 @@
           </p:nvSpPr>
           <p:spPr>
             <a:xfrm flipH="1">
-              <a:off x="6908040" y="2069640"/>
-              <a:ext cx="808560" cy="808560"/>
+              <a:off x="6907320" y="2069640"/>
+              <a:ext cx="808200" cy="808200"/>
             </a:xfrm>
             <a:prstGeom prst="diagStripe">
               <a:avLst>
@@ -5837,8 +5621,8 @@
           </p:nvSpPr>
           <p:spPr>
             <a:xfrm rot="16200000">
-              <a:off x="6861240" y="2477880"/>
-              <a:ext cx="808560" cy="808560"/>
+              <a:off x="6861240" y="2478240"/>
+              <a:ext cx="808200" cy="808200"/>
             </a:xfrm>
             <a:prstGeom prst="diagStripe">
               <a:avLst>
@@ -5869,8 +5653,8 @@
           </p:nvSpPr>
           <p:spPr>
             <a:xfrm flipH="1">
-              <a:off x="7965360" y="2692800"/>
-              <a:ext cx="808560" cy="808560"/>
+              <a:off x="7964640" y="2692800"/>
+              <a:ext cx="808200" cy="808200"/>
             </a:xfrm>
             <a:prstGeom prst="diagStripe">
               <a:avLst>
@@ -5901,8 +5685,8 @@
           </p:nvSpPr>
           <p:spPr>
             <a:xfrm flipH="1">
-              <a:off x="8145000" y="3308760"/>
-              <a:ext cx="808560" cy="808560"/>
+              <a:off x="8144280" y="3308760"/>
+              <a:ext cx="808200" cy="808200"/>
             </a:xfrm>
             <a:prstGeom prst="diagStripe">
               <a:avLst>
@@ -5933,8 +5717,8 @@
           </p:nvSpPr>
           <p:spPr>
             <a:xfrm rot="16200000">
-              <a:off x="7047720" y="3095280"/>
-              <a:ext cx="808560" cy="808560"/>
+              <a:off x="7047720" y="3095640"/>
+              <a:ext cx="808200" cy="808200"/>
             </a:xfrm>
             <a:prstGeom prst="diagStripe">
               <a:avLst>
@@ -5965,8 +5749,8 @@
           </p:nvSpPr>
           <p:spPr>
             <a:xfrm flipH="1">
-              <a:off x="7276680" y="3302640"/>
-              <a:ext cx="808560" cy="808560"/>
+              <a:off x="7275960" y="3302640"/>
+              <a:ext cx="808200" cy="808200"/>
             </a:xfrm>
             <a:prstGeom prst="diagStripe">
               <a:avLst>
@@ -5997,8 +5781,8 @@
           </p:nvSpPr>
           <p:spPr>
             <a:xfrm rot="16200000">
-              <a:off x="7227360" y="3710880"/>
-              <a:ext cx="808560" cy="808560"/>
+              <a:off x="7227360" y="3711240"/>
+              <a:ext cx="808200" cy="808200"/>
             </a:xfrm>
             <a:prstGeom prst="diagStripe">
               <a:avLst>
@@ -6027,8 +5811,8 @@
           </p:nvSpPr>
           <p:spPr>
             <a:xfrm flipH="1">
-              <a:off x="7462440" y="3918240"/>
-              <a:ext cx="808560" cy="808560"/>
+              <a:off x="7461720" y="3918240"/>
+              <a:ext cx="808200" cy="808200"/>
             </a:xfrm>
             <a:prstGeom prst="diagStripe">
               <a:avLst>
@@ -6059,8 +5843,8 @@
           </p:nvSpPr>
           <p:spPr>
             <a:xfrm rot="16200000">
-              <a:off x="8102520" y="3718800"/>
-              <a:ext cx="808560" cy="808560"/>
+              <a:off x="8102520" y="3719160"/>
+              <a:ext cx="808200" cy="808200"/>
             </a:xfrm>
             <a:prstGeom prst="diagStripe">
               <a:avLst>
@@ -6091,8 +5875,8 @@
           </p:nvSpPr>
           <p:spPr>
             <a:xfrm flipH="1">
-              <a:off x="8334360" y="3925800"/>
-              <a:ext cx="808560" cy="808560"/>
+              <a:off x="8333640" y="3925800"/>
+              <a:ext cx="808200" cy="808200"/>
             </a:xfrm>
             <a:prstGeom prst="diagStripe">
               <a:avLst>
@@ -6123,8 +5907,8 @@
           </p:nvSpPr>
           <p:spPr>
             <a:xfrm rot="16200000">
-              <a:off x="8288280" y="4334400"/>
-              <a:ext cx="808560" cy="808560"/>
+              <a:off x="8288280" y="4334760"/>
+              <a:ext cx="808200" cy="808200"/>
             </a:xfrm>
             <a:prstGeom prst="diagStripe">
               <a:avLst>
@@ -6155,71 +5939,25 @@
             <a:spLocks noGrp="1"/>
           </p:cNvSpPr>
           <p:nvPr>
-            <p:ph type="title"/>
-          </p:nvPr>
-        </p:nvSpPr>
-        <p:spPr>
-          <a:xfrm>
-            <a:off x="823680" y="2053080"/>
-            <a:ext cx="4586760" cy="1148400"/>
-          </a:xfrm>
-          <a:prstGeom prst="rect">
-            <a:avLst/>
-          </a:prstGeom>
-          <a:noFill/>
-          <a:ln w="0">
-            <a:noFill/>
-          </a:ln>
-        </p:spPr>
-        <p:txBody>
-          <a:bodyPr tIns="91440" bIns="91440" anchor="ctr">
-            <a:normAutofit/>
-          </a:bodyPr>
-          <a:p>
-            <a:r>
-              <a:rPr b="0" lang="en-IN" sz="2800" spc="-1" strike="noStrike">
-                <a:solidFill>
-                  <a:srgbClr val="000000"/>
-                </a:solidFill>
-                <a:latin typeface="Arial"/>
-              </a:rPr>
-              <a:t>Click to edit the title text format</a:t>
-            </a:r>
-            <a:endParaRPr b="0" lang="en-IN" sz="2800" spc="-1" strike="noStrike">
-              <a:solidFill>
-                <a:srgbClr val="000000"/>
-              </a:solidFill>
-              <a:latin typeface="Arial"/>
-            </a:endParaRPr>
-          </a:p>
-        </p:txBody>
-      </p:sp>
-      <p:sp>
-        <p:nvSpPr>
-          <p:cNvPr id="20" name="PlaceHolder 2"/>
-          <p:cNvSpPr>
-            <a:spLocks noGrp="1"/>
-          </p:cNvSpPr>
-          <p:nvPr>
             <p:ph type="sldNum" idx="1"/>
           </p:nvPr>
         </p:nvSpPr>
         <p:spPr>
           <a:xfrm>
             <a:off x="8472600" y="4663080"/>
-            <a:ext cx="548280" cy="393120"/>
-          </a:xfrm>
-          <a:prstGeom prst="rect">
-            <a:avLst/>
-          </a:prstGeom>
-          <a:noFill/>
-          <a:ln w="0">
-            <a:noFill/>
-          </a:ln>
-        </p:spPr>
-        <p:txBody>
-          <a:bodyPr tIns="91440" bIns="91440" anchor="ctr">
-            <a:normAutofit/>
+            <a:ext cx="547920" cy="392760"/>
+          </a:xfrm>
+          <a:prstGeom prst="rect">
+            <a:avLst/>
+          </a:prstGeom>
+          <a:noFill/>
+          <a:ln w="0">
+            <a:noFill/>
+          </a:ln>
+        </p:spPr>
+        <p:txBody>
+          <a:bodyPr lIns="90000" rIns="90000" tIns="91440" bIns="91440" anchor="ctr">
+            <a:noAutofit/>
           </a:bodyPr>
           <a:lstStyle>
             <a:lvl1pPr algn="r">
@@ -6249,7 +5987,7 @@
                 <a:tab algn="l" pos="0"/>
               </a:tabLst>
             </a:pPr>
-            <a:fld id="{0F0F147F-6CC4-47B3-B8E3-024DD230E9D9}" type="slidenum">
+            <a:fld id="{2AF49F9F-43A6-42AB-B77B-DF1007E80476}" type="slidenum">
               <a:rPr b="0" lang="en" sz="1000" spc="-1" strike="noStrike">
                 <a:solidFill>
                   <a:srgbClr val="ffffff"/>
@@ -6257,10 +5995,53 @@
                 <a:latin typeface="Lato"/>
                 <a:ea typeface="Lato"/>
               </a:rPr>
-              <a:t>&lt;number&gt;</a:t>
+              <a:t>1</a:t>
             </a:fld>
             <a:endParaRPr b="0" lang="en-IN" sz="1000" spc="-1" strike="noStrike">
               <a:latin typeface="Times New Roman"/>
+            </a:endParaRPr>
+          </a:p>
+        </p:txBody>
+      </p:sp>
+      <p:sp>
+        <p:nvSpPr>
+          <p:cNvPr id="20" name="PlaceHolder 2"/>
+          <p:cNvSpPr>
+            <a:spLocks noGrp="1"/>
+          </p:cNvSpPr>
+          <p:nvPr>
+            <p:ph type="title"/>
+          </p:nvPr>
+        </p:nvSpPr>
+        <p:spPr>
+          <a:xfrm>
+            <a:off x="457200" y="205200"/>
+            <a:ext cx="8229240" cy="858600"/>
+          </a:xfrm>
+          <a:prstGeom prst="rect">
+            <a:avLst/>
+          </a:prstGeom>
+          <a:noFill/>
+          <a:ln w="0">
+            <a:noFill/>
+          </a:ln>
+        </p:spPr>
+        <p:txBody>
+          <a:bodyPr lIns="0" rIns="0" tIns="0" bIns="0" anchor="ctr">
+            <a:noAutofit/>
+          </a:bodyPr>
+          <a:p>
+            <a:pPr algn="ctr">
+              <a:buNone/>
+            </a:pPr>
+            <a:r>
+              <a:rPr b="0" lang="en-IN" sz="4400" spc="-1" strike="noStrike">
+                <a:latin typeface="Arial"/>
+              </a:rPr>
+              <a:t>Click to edit the title text format</a:t>
+            </a:r>
+            <a:endParaRPr b="0" lang="en-IN" sz="4400" spc="-1" strike="noStrike">
+              <a:latin typeface="Arial"/>
             </a:endParaRPr>
           </a:p>
         </p:txBody>
@@ -6305,18 +6086,12 @@
               <a:buChar char=""/>
             </a:pPr>
             <a:r>
-              <a:rPr b="0" lang="en-IN" sz="1400" spc="-1" strike="noStrike">
-                <a:solidFill>
-                  <a:srgbClr val="000000"/>
-                </a:solidFill>
+              <a:rPr b="0" lang="en-IN" sz="3200" spc="-1" strike="noStrike">
                 <a:latin typeface="Arial"/>
               </a:rPr>
               <a:t>Click to edit the outline text format</a:t>
             </a:r>
-            <a:endParaRPr b="0" lang="en-IN" sz="1400" spc="-1" strike="noStrike">
-              <a:solidFill>
-                <a:srgbClr val="000000"/>
-              </a:solidFill>
+            <a:endParaRPr b="0" lang="en-IN" sz="3200" spc="-1" strike="noStrike">
               <a:latin typeface="Arial"/>
             </a:endParaRPr>
           </a:p>
@@ -6333,18 +6108,12 @@
               <a:buChar char=""/>
             </a:pPr>
             <a:r>
-              <a:rPr b="0" lang="en-IN" sz="1400" spc="-1" strike="noStrike">
-                <a:solidFill>
-                  <a:srgbClr val="000000"/>
-                </a:solidFill>
+              <a:rPr b="0" lang="en-IN" sz="2800" spc="-1" strike="noStrike">
                 <a:latin typeface="Arial"/>
               </a:rPr>
               <a:t>Second Outline Level</a:t>
             </a:r>
-            <a:endParaRPr b="0" lang="en-IN" sz="1400" spc="-1" strike="noStrike">
-              <a:solidFill>
-                <a:srgbClr val="000000"/>
-              </a:solidFill>
+            <a:endParaRPr b="0" lang="en-IN" sz="2800" spc="-1" strike="noStrike">
               <a:latin typeface="Arial"/>
             </a:endParaRPr>
           </a:p>
@@ -6361,18 +6130,12 @@
               <a:buChar char=""/>
             </a:pPr>
             <a:r>
-              <a:rPr b="0" lang="en-IN" sz="1400" spc="-1" strike="noStrike">
-                <a:solidFill>
-                  <a:srgbClr val="000000"/>
-                </a:solidFill>
+              <a:rPr b="0" lang="en-IN" sz="2400" spc="-1" strike="noStrike">
                 <a:latin typeface="Arial"/>
               </a:rPr>
               <a:t>Third Outline Level</a:t>
             </a:r>
-            <a:endParaRPr b="0" lang="en-IN" sz="1400" spc="-1" strike="noStrike">
-              <a:solidFill>
-                <a:srgbClr val="000000"/>
-              </a:solidFill>
+            <a:endParaRPr b="0" lang="en-IN" sz="2400" spc="-1" strike="noStrike">
               <a:latin typeface="Arial"/>
             </a:endParaRPr>
           </a:p>
@@ -6389,18 +6152,12 @@
               <a:buChar char=""/>
             </a:pPr>
             <a:r>
-              <a:rPr b="0" lang="en-IN" sz="1400" spc="-1" strike="noStrike">
-                <a:solidFill>
-                  <a:srgbClr val="000000"/>
-                </a:solidFill>
+              <a:rPr b="0" lang="en-IN" sz="2000" spc="-1" strike="noStrike">
                 <a:latin typeface="Arial"/>
               </a:rPr>
               <a:t>Fourth Outline Level</a:t>
             </a:r>
-            <a:endParaRPr b="0" lang="en-IN" sz="1400" spc="-1" strike="noStrike">
-              <a:solidFill>
-                <a:srgbClr val="000000"/>
-              </a:solidFill>
+            <a:endParaRPr b="0" lang="en-IN" sz="2000" spc="-1" strike="noStrike">
               <a:latin typeface="Arial"/>
             </a:endParaRPr>
           </a:p>
@@ -6418,17 +6175,11 @@
             </a:pPr>
             <a:r>
               <a:rPr b="0" lang="en-IN" sz="2000" spc="-1" strike="noStrike">
-                <a:solidFill>
-                  <a:srgbClr val="000000"/>
-                </a:solidFill>
                 <a:latin typeface="Arial"/>
               </a:rPr>
               <a:t>Fifth Outline Level</a:t>
             </a:r>
             <a:endParaRPr b="0" lang="en-IN" sz="2000" spc="-1" strike="noStrike">
-              <a:solidFill>
-                <a:srgbClr val="000000"/>
-              </a:solidFill>
               <a:latin typeface="Arial"/>
             </a:endParaRPr>
           </a:p>
@@ -6446,17 +6197,11 @@
             </a:pPr>
             <a:r>
               <a:rPr b="0" lang="en-IN" sz="2000" spc="-1" strike="noStrike">
-                <a:solidFill>
-                  <a:srgbClr val="000000"/>
-                </a:solidFill>
                 <a:latin typeface="Arial"/>
               </a:rPr>
               <a:t>Sixth Outline Level</a:t>
             </a:r>
             <a:endParaRPr b="0" lang="en-IN" sz="2000" spc="-1" strike="noStrike">
-              <a:solidFill>
-                <a:srgbClr val="000000"/>
-              </a:solidFill>
               <a:latin typeface="Arial"/>
             </a:endParaRPr>
           </a:p>
@@ -6474,17 +6219,11 @@
             </a:pPr>
             <a:r>
               <a:rPr b="0" lang="en-IN" sz="2000" spc="-1" strike="noStrike">
-                <a:solidFill>
-                  <a:srgbClr val="000000"/>
-                </a:solidFill>
                 <a:latin typeface="Arial"/>
               </a:rPr>
               <a:t>Seventh Outline Level</a:t>
             </a:r>
             <a:endParaRPr b="0" lang="en-IN" sz="2000" spc="-1" strike="noStrike">
-              <a:solidFill>
-                <a:srgbClr val="000000"/>
-              </a:solidFill>
               <a:latin typeface="Arial"/>
             </a:endParaRPr>
           </a:p>
@@ -6542,10 +6281,10 @@
         </p:nvGrpSpPr>
         <p:grpSpPr>
           <a:xfrm>
-            <a:off x="0" y="381240"/>
-            <a:ext cx="1037520" cy="1015920"/>
-            <a:chOff x="0" y="381240"/>
-            <a:chExt cx="1037520" cy="1015920"/>
+            <a:off x="0" y="381600"/>
+            <a:ext cx="1036800" cy="1015200"/>
+            <a:chOff x="0" y="381600"/>
+            <a:chExt cx="1036800" cy="1015200"/>
           </a:xfrm>
         </p:grpSpPr>
         <p:sp>
@@ -6556,8 +6295,8 @@
           </p:nvSpPr>
           <p:spPr>
             <a:xfrm rot="16200000">
-              <a:off x="0" y="381240"/>
-              <a:ext cx="808560" cy="808560"/>
+              <a:off x="0" y="381600"/>
+              <a:ext cx="808200" cy="808200"/>
             </a:xfrm>
             <a:prstGeom prst="diagStripe">
               <a:avLst>
@@ -6586,8 +6325,8 @@
           </p:nvSpPr>
           <p:spPr>
             <a:xfrm flipH="1">
-              <a:off x="228960" y="588600"/>
-              <a:ext cx="808560" cy="808560"/>
+              <a:off x="228240" y="588600"/>
+              <a:ext cx="808200" cy="808200"/>
             </a:xfrm>
             <a:prstGeom prst="diagStripe">
               <a:avLst>
@@ -6621,35 +6360,29 @@
         </p:nvSpPr>
         <p:spPr>
           <a:xfrm>
-            <a:off x="1297440" y="393840"/>
-            <a:ext cx="7038720" cy="913680"/>
-          </a:xfrm>
-          <a:prstGeom prst="rect">
-            <a:avLst/>
-          </a:prstGeom>
-          <a:noFill/>
-          <a:ln w="0">
-            <a:noFill/>
-          </a:ln>
-        </p:spPr>
-        <p:txBody>
-          <a:bodyPr tIns="91440" bIns="91440" anchor="t">
-            <a:normAutofit/>
-          </a:bodyPr>
-          <a:p>
-            <a:r>
-              <a:rPr b="0" lang="en-IN" sz="2400" spc="-1" strike="noStrike">
-                <a:solidFill>
-                  <a:srgbClr val="000000"/>
-                </a:solidFill>
+            <a:off x="823680" y="2053080"/>
+            <a:ext cx="4586400" cy="1148040"/>
+          </a:xfrm>
+          <a:prstGeom prst="rect">
+            <a:avLst/>
+          </a:prstGeom>
+          <a:noFill/>
+          <a:ln w="0">
+            <a:noFill/>
+          </a:ln>
+        </p:spPr>
+        <p:txBody>
+          <a:bodyPr lIns="0" rIns="0" tIns="0" bIns="0" anchor="ctr">
+            <a:noAutofit/>
+          </a:bodyPr>
+          <a:p>
+            <a:r>
+              <a:rPr b="0" lang="en-IN" sz="1800" spc="-1" strike="noStrike">
                 <a:latin typeface="Arial"/>
               </a:rPr>
               <a:t>Click to edit the title text format</a:t>
             </a:r>
-            <a:endParaRPr b="0" lang="en-IN" sz="2400" spc="-1" strike="noStrike">
-              <a:solidFill>
-                <a:srgbClr val="000000"/>
-              </a:solidFill>
+            <a:endParaRPr b="0" lang="en-IN" sz="1800" spc="-1" strike="noStrike">
               <a:latin typeface="Arial"/>
             </a:endParaRPr>
           </a:p>
@@ -6667,19 +6400,19 @@
         </p:nvSpPr>
         <p:spPr>
           <a:xfrm>
-            <a:off x="1297440" y="1567440"/>
-            <a:ext cx="7038720" cy="2910960"/>
-          </a:xfrm>
-          <a:prstGeom prst="rect">
-            <a:avLst/>
-          </a:prstGeom>
-          <a:noFill/>
-          <a:ln w="0">
-            <a:noFill/>
-          </a:ln>
-        </p:spPr>
-        <p:txBody>
-          <a:bodyPr tIns="91440" bIns="91440" anchor="t">
+            <a:off x="457200" y="1203480"/>
+            <a:ext cx="8228880" cy="2982600"/>
+          </a:xfrm>
+          <a:prstGeom prst="rect">
+            <a:avLst/>
+          </a:prstGeom>
+          <a:noFill/>
+          <a:ln w="0">
+            <a:noFill/>
+          </a:ln>
+        </p:spPr>
+        <p:txBody>
+          <a:bodyPr lIns="0" rIns="0" tIns="0" bIns="0" anchor="t">
             <a:normAutofit/>
           </a:bodyPr>
           <a:p>
@@ -6695,18 +6428,12 @@
               <a:buChar char=""/>
             </a:pPr>
             <a:r>
-              <a:rPr b="0" lang="en-IN" sz="1300" spc="-1" strike="noStrike">
-                <a:solidFill>
-                  <a:srgbClr val="000000"/>
-                </a:solidFill>
+              <a:rPr b="0" lang="en-IN" sz="1800" spc="-1" strike="noStrike">
                 <a:latin typeface="Arial"/>
               </a:rPr>
               <a:t>Click to edit the outline text format</a:t>
             </a:r>
-            <a:endParaRPr b="0" lang="en-IN" sz="1300" spc="-1" strike="noStrike">
-              <a:solidFill>
-                <a:srgbClr val="000000"/>
-              </a:solidFill>
+            <a:endParaRPr b="0" lang="en-IN" sz="1800" spc="-1" strike="noStrike">
               <a:latin typeface="Arial"/>
             </a:endParaRPr>
           </a:p>
@@ -6723,18 +6450,12 @@
               <a:buChar char=""/>
             </a:pPr>
             <a:r>
-              <a:rPr b="0" lang="en-IN" sz="1300" spc="-1" strike="noStrike">
-                <a:solidFill>
-                  <a:srgbClr val="000000"/>
-                </a:solidFill>
+              <a:rPr b="0" lang="en-IN" sz="1800" spc="-1" strike="noStrike">
                 <a:latin typeface="Arial"/>
               </a:rPr>
               <a:t>Second Outline Level</a:t>
             </a:r>
-            <a:endParaRPr b="0" lang="en-IN" sz="1300" spc="-1" strike="noStrike">
-              <a:solidFill>
-                <a:srgbClr val="000000"/>
-              </a:solidFill>
+            <a:endParaRPr b="0" lang="en-IN" sz="1800" spc="-1" strike="noStrike">
               <a:latin typeface="Arial"/>
             </a:endParaRPr>
           </a:p>
@@ -6751,18 +6472,12 @@
               <a:buChar char=""/>
             </a:pPr>
             <a:r>
-              <a:rPr b="0" lang="en-IN" sz="1300" spc="-1" strike="noStrike">
-                <a:solidFill>
-                  <a:srgbClr val="000000"/>
-                </a:solidFill>
+              <a:rPr b="0" lang="en-IN" sz="1800" spc="-1" strike="noStrike">
                 <a:latin typeface="Arial"/>
               </a:rPr>
               <a:t>Third Outline Level</a:t>
             </a:r>
-            <a:endParaRPr b="0" lang="en-IN" sz="1300" spc="-1" strike="noStrike">
-              <a:solidFill>
-                <a:srgbClr val="000000"/>
-              </a:solidFill>
+            <a:endParaRPr b="0" lang="en-IN" sz="1800" spc="-1" strike="noStrike">
               <a:latin typeface="Arial"/>
             </a:endParaRPr>
           </a:p>
@@ -6779,18 +6494,12 @@
               <a:buChar char=""/>
             </a:pPr>
             <a:r>
-              <a:rPr b="0" lang="en-IN" sz="1300" spc="-1" strike="noStrike">
-                <a:solidFill>
-                  <a:srgbClr val="000000"/>
-                </a:solidFill>
+              <a:rPr b="0" lang="en-IN" sz="1800" spc="-1" strike="noStrike">
                 <a:latin typeface="Arial"/>
               </a:rPr>
               <a:t>Fourth Outline Level</a:t>
             </a:r>
-            <a:endParaRPr b="0" lang="en-IN" sz="1300" spc="-1" strike="noStrike">
-              <a:solidFill>
-                <a:srgbClr val="000000"/>
-              </a:solidFill>
+            <a:endParaRPr b="0" lang="en-IN" sz="1800" spc="-1" strike="noStrike">
               <a:latin typeface="Arial"/>
             </a:endParaRPr>
           </a:p>
@@ -6807,18 +6516,12 @@
               <a:buChar char=""/>
             </a:pPr>
             <a:r>
-              <a:rPr b="0" lang="en-IN" sz="1300" spc="-1" strike="noStrike">
-                <a:solidFill>
-                  <a:srgbClr val="000000"/>
-                </a:solidFill>
+              <a:rPr b="0" lang="en-IN" sz="1800" spc="-1" strike="noStrike">
                 <a:latin typeface="Arial"/>
               </a:rPr>
               <a:t>Fifth Outline Level</a:t>
             </a:r>
-            <a:endParaRPr b="0" lang="en-IN" sz="1300" spc="-1" strike="noStrike">
-              <a:solidFill>
-                <a:srgbClr val="000000"/>
-              </a:solidFill>
+            <a:endParaRPr b="0" lang="en-IN" sz="1800" spc="-1" strike="noStrike">
               <a:latin typeface="Arial"/>
             </a:endParaRPr>
           </a:p>
@@ -6835,18 +6538,12 @@
               <a:buChar char=""/>
             </a:pPr>
             <a:r>
-              <a:rPr b="0" lang="en-IN" sz="1300" spc="-1" strike="noStrike">
-                <a:solidFill>
-                  <a:srgbClr val="000000"/>
-                </a:solidFill>
+              <a:rPr b="0" lang="en-IN" sz="1800" spc="-1" strike="noStrike">
                 <a:latin typeface="Arial"/>
               </a:rPr>
               <a:t>Sixth Outline Level</a:t>
             </a:r>
-            <a:endParaRPr b="0" lang="en-IN" sz="1300" spc="-1" strike="noStrike">
-              <a:solidFill>
-                <a:srgbClr val="000000"/>
-              </a:solidFill>
+            <a:endParaRPr b="0" lang="en-IN" sz="1800" spc="-1" strike="noStrike">
               <a:latin typeface="Arial"/>
             </a:endParaRPr>
           </a:p>
@@ -6863,18 +6560,12 @@
               <a:buChar char=""/>
             </a:pPr>
             <a:r>
-              <a:rPr b="0" lang="en-IN" sz="1300" spc="-1" strike="noStrike">
-                <a:solidFill>
-                  <a:srgbClr val="000000"/>
-                </a:solidFill>
+              <a:rPr b="0" lang="en-IN" sz="1800" spc="-1" strike="noStrike">
                 <a:latin typeface="Arial"/>
               </a:rPr>
               <a:t>Seventh Outline Level</a:t>
             </a:r>
-            <a:endParaRPr b="0" lang="en-IN" sz="1300" spc="-1" strike="noStrike">
-              <a:solidFill>
-                <a:srgbClr val="000000"/>
-              </a:solidFill>
+            <a:endParaRPr b="0" lang="en-IN" sz="1800" spc="-1" strike="noStrike">
               <a:latin typeface="Arial"/>
             </a:endParaRPr>
           </a:p>
@@ -6893,19 +6584,19 @@
         <p:spPr>
           <a:xfrm>
             <a:off x="8472600" y="4663080"/>
-            <a:ext cx="548280" cy="393120"/>
-          </a:xfrm>
-          <a:prstGeom prst="rect">
-            <a:avLst/>
-          </a:prstGeom>
-          <a:noFill/>
-          <a:ln w="0">
-            <a:noFill/>
-          </a:ln>
-        </p:spPr>
-        <p:txBody>
-          <a:bodyPr tIns="91440" bIns="91440" anchor="ctr">
-            <a:normAutofit/>
+            <a:ext cx="547920" cy="392760"/>
+          </a:xfrm>
+          <a:prstGeom prst="rect">
+            <a:avLst/>
+          </a:prstGeom>
+          <a:noFill/>
+          <a:ln w="0">
+            <a:noFill/>
+          </a:ln>
+        </p:spPr>
+        <p:txBody>
+          <a:bodyPr lIns="90000" rIns="90000" tIns="91440" bIns="91440" anchor="ctr">
+            <a:noAutofit/>
           </a:bodyPr>
           <a:lstStyle>
             <a:lvl1pPr algn="r">
@@ -6935,7 +6626,7 @@
                 <a:tab algn="l" pos="0"/>
               </a:tabLst>
             </a:pPr>
-            <a:fld id="{6E593EBA-14D8-42FA-9C3D-2D39C151DD53}" type="slidenum">
+            <a:fld id="{327544E7-8F34-4148-B64C-59A16E51540E}" type="slidenum">
               <a:rPr b="0" lang="en" sz="1000" spc="-1" strike="noStrike">
                 <a:solidFill>
                   <a:srgbClr val="ffffff"/>
@@ -7003,10 +6694,10 @@
         </p:nvGrpSpPr>
         <p:grpSpPr>
           <a:xfrm>
-            <a:off x="0" y="381240"/>
-            <a:ext cx="1037520" cy="1015920"/>
-            <a:chOff x="0" y="381240"/>
-            <a:chExt cx="1037520" cy="1015920"/>
+            <a:off x="0" y="381600"/>
+            <a:ext cx="1036800" cy="1015200"/>
+            <a:chOff x="0" y="381600"/>
+            <a:chExt cx="1036800" cy="1015200"/>
           </a:xfrm>
         </p:grpSpPr>
         <p:sp>
@@ -7017,8 +6708,8 @@
           </p:nvSpPr>
           <p:spPr>
             <a:xfrm rot="16200000">
-              <a:off x="0" y="381240"/>
-              <a:ext cx="808560" cy="808560"/>
+              <a:off x="0" y="381600"/>
+              <a:ext cx="808200" cy="808200"/>
             </a:xfrm>
             <a:prstGeom prst="diagStripe">
               <a:avLst>
@@ -7047,8 +6738,8 @@
           </p:nvSpPr>
           <p:spPr>
             <a:xfrm flipH="1">
-              <a:off x="228960" y="588600"/>
-              <a:ext cx="808560" cy="808560"/>
+              <a:off x="228240" y="588600"/>
+              <a:ext cx="808200" cy="808200"/>
             </a:xfrm>
             <a:prstGeom prst="diagStripe">
               <a:avLst>
@@ -7077,296 +6768,25 @@
             <a:spLocks noGrp="1"/>
           </p:cNvSpPr>
           <p:nvPr>
-            <p:ph type="title"/>
-          </p:nvPr>
-        </p:nvSpPr>
-        <p:spPr>
-          <a:xfrm>
-            <a:off x="1297440" y="393840"/>
-            <a:ext cx="3798720" cy="1492920"/>
-          </a:xfrm>
-          <a:prstGeom prst="rect">
-            <a:avLst/>
-          </a:prstGeom>
-          <a:noFill/>
-          <a:ln w="0">
-            <a:noFill/>
-          </a:ln>
-        </p:spPr>
-        <p:txBody>
-          <a:bodyPr tIns="91440" bIns="91440" anchor="t">
-            <a:normAutofit/>
-          </a:bodyPr>
-          <a:p>
-            <a:r>
-              <a:rPr b="0" lang="en-IN" sz="2400" spc="-1" strike="noStrike">
-                <a:solidFill>
-                  <a:srgbClr val="000000"/>
-                </a:solidFill>
-                <a:latin typeface="Arial"/>
-              </a:rPr>
-              <a:t>Click to edit the title text format</a:t>
-            </a:r>
-            <a:endParaRPr b="0" lang="en-IN" sz="2400" spc="-1" strike="noStrike">
-              <a:solidFill>
-                <a:srgbClr val="000000"/>
-              </a:solidFill>
-              <a:latin typeface="Arial"/>
-            </a:endParaRPr>
-          </a:p>
-        </p:txBody>
-      </p:sp>
-      <p:sp>
-        <p:nvSpPr>
-          <p:cNvPr id="104" name="PlaceHolder 2"/>
-          <p:cNvSpPr>
-            <a:spLocks noGrp="1"/>
-          </p:cNvSpPr>
-          <p:nvPr>
-            <p:ph type="body"/>
-          </p:nvPr>
-        </p:nvSpPr>
-        <p:spPr>
-          <a:xfrm>
-            <a:off x="1297440" y="1972440"/>
-            <a:ext cx="3798720" cy="2415600"/>
-          </a:xfrm>
-          <a:prstGeom prst="rect">
-            <a:avLst/>
-          </a:prstGeom>
-          <a:noFill/>
-          <a:ln w="0">
-            <a:noFill/>
-          </a:ln>
-        </p:spPr>
-        <p:txBody>
-          <a:bodyPr tIns="91440" bIns="91440" anchor="t">
-            <a:normAutofit fontScale="92000"/>
-          </a:bodyPr>
-          <a:p>
-            <a:pPr marL="432000" indent="-324000">
-              <a:spcBef>
-                <a:spcPts val="1417"/>
-              </a:spcBef>
-              <a:buClr>
-                <a:srgbClr val="ffffff"/>
-              </a:buClr>
-              <a:buSzPct val="45000"/>
-              <a:buFont typeface="Wingdings" charset="2"/>
-              <a:buChar char=""/>
-            </a:pPr>
-            <a:r>
-              <a:rPr b="0" lang="en-IN" sz="1300" spc="-1" strike="noStrike">
-                <a:solidFill>
-                  <a:srgbClr val="000000"/>
-                </a:solidFill>
-                <a:latin typeface="Arial"/>
-              </a:rPr>
-              <a:t>Click to edit the outline text format</a:t>
-            </a:r>
-            <a:endParaRPr b="0" lang="en-IN" sz="1300" spc="-1" strike="noStrike">
-              <a:solidFill>
-                <a:srgbClr val="000000"/>
-              </a:solidFill>
-              <a:latin typeface="Arial"/>
-            </a:endParaRPr>
-          </a:p>
-          <a:p>
-            <a:pPr lvl="1" marL="864000" indent="-324000">
-              <a:spcBef>
-                <a:spcPts val="1134"/>
-              </a:spcBef>
-              <a:buClr>
-                <a:srgbClr val="ffffff"/>
-              </a:buClr>
-              <a:buSzPct val="75000"/>
-              <a:buFont typeface="Symbol" charset="2"/>
-              <a:buChar char=""/>
-            </a:pPr>
-            <a:r>
-              <a:rPr b="0" lang="en-IN" sz="1300" spc="-1" strike="noStrike">
-                <a:solidFill>
-                  <a:srgbClr val="000000"/>
-                </a:solidFill>
-                <a:latin typeface="Arial"/>
-              </a:rPr>
-              <a:t>Second Outline Level</a:t>
-            </a:r>
-            <a:endParaRPr b="0" lang="en-IN" sz="1300" spc="-1" strike="noStrike">
-              <a:solidFill>
-                <a:srgbClr val="000000"/>
-              </a:solidFill>
-              <a:latin typeface="Arial"/>
-            </a:endParaRPr>
-          </a:p>
-          <a:p>
-            <a:pPr lvl="2" marL="1296000" indent="-288000">
-              <a:spcBef>
-                <a:spcPts val="850"/>
-              </a:spcBef>
-              <a:buClr>
-                <a:srgbClr val="ffffff"/>
-              </a:buClr>
-              <a:buSzPct val="45000"/>
-              <a:buFont typeface="Wingdings" charset="2"/>
-              <a:buChar char=""/>
-            </a:pPr>
-            <a:r>
-              <a:rPr b="0" lang="en-IN" sz="1300" spc="-1" strike="noStrike">
-                <a:solidFill>
-                  <a:srgbClr val="000000"/>
-                </a:solidFill>
-                <a:latin typeface="Arial"/>
-              </a:rPr>
-              <a:t>Third Outline Level</a:t>
-            </a:r>
-            <a:endParaRPr b="0" lang="en-IN" sz="1300" spc="-1" strike="noStrike">
-              <a:solidFill>
-                <a:srgbClr val="000000"/>
-              </a:solidFill>
-              <a:latin typeface="Arial"/>
-            </a:endParaRPr>
-          </a:p>
-          <a:p>
-            <a:pPr lvl="3" marL="1728000" indent="-216000">
-              <a:spcBef>
-                <a:spcPts val="567"/>
-              </a:spcBef>
-              <a:buClr>
-                <a:srgbClr val="ffffff"/>
-              </a:buClr>
-              <a:buSzPct val="75000"/>
-              <a:buFont typeface="Symbol" charset="2"/>
-              <a:buChar char=""/>
-            </a:pPr>
-            <a:r>
-              <a:rPr b="0" lang="en-IN" sz="1300" spc="-1" strike="noStrike">
-                <a:solidFill>
-                  <a:srgbClr val="000000"/>
-                </a:solidFill>
-                <a:latin typeface="Arial"/>
-              </a:rPr>
-              <a:t>Fourth Outline Level</a:t>
-            </a:r>
-            <a:endParaRPr b="0" lang="en-IN" sz="1300" spc="-1" strike="noStrike">
-              <a:solidFill>
-                <a:srgbClr val="000000"/>
-              </a:solidFill>
-              <a:latin typeface="Arial"/>
-            </a:endParaRPr>
-          </a:p>
-          <a:p>
-            <a:pPr lvl="4" marL="2160000" indent="-216000">
-              <a:spcBef>
-                <a:spcPts val="283"/>
-              </a:spcBef>
-              <a:buClr>
-                <a:srgbClr val="ffffff"/>
-              </a:buClr>
-              <a:buSzPct val="45000"/>
-              <a:buFont typeface="Wingdings" charset="2"/>
-              <a:buChar char=""/>
-            </a:pPr>
-            <a:r>
-              <a:rPr b="0" lang="en-IN" sz="1300" spc="-1" strike="noStrike">
-                <a:solidFill>
-                  <a:srgbClr val="000000"/>
-                </a:solidFill>
-                <a:latin typeface="Arial"/>
-              </a:rPr>
-              <a:t>Fifth Outline Level</a:t>
-            </a:r>
-            <a:endParaRPr b="0" lang="en-IN" sz="1300" spc="-1" strike="noStrike">
-              <a:solidFill>
-                <a:srgbClr val="000000"/>
-              </a:solidFill>
-              <a:latin typeface="Arial"/>
-            </a:endParaRPr>
-          </a:p>
-          <a:p>
-            <a:pPr lvl="5" marL="2592000" indent="-216000">
-              <a:spcBef>
-                <a:spcPts val="283"/>
-              </a:spcBef>
-              <a:buClr>
-                <a:srgbClr val="ffffff"/>
-              </a:buClr>
-              <a:buSzPct val="45000"/>
-              <a:buFont typeface="Wingdings" charset="2"/>
-              <a:buChar char=""/>
-            </a:pPr>
-            <a:r>
-              <a:rPr b="0" lang="en-IN" sz="1300" spc="-1" strike="noStrike">
-                <a:solidFill>
-                  <a:srgbClr val="000000"/>
-                </a:solidFill>
-                <a:latin typeface="Arial"/>
-              </a:rPr>
-              <a:t>Sixth Outline Level</a:t>
-            </a:r>
-            <a:endParaRPr b="0" lang="en-IN" sz="1300" spc="-1" strike="noStrike">
-              <a:solidFill>
-                <a:srgbClr val="000000"/>
-              </a:solidFill>
-              <a:latin typeface="Arial"/>
-            </a:endParaRPr>
-          </a:p>
-          <a:p>
-            <a:pPr lvl="6" marL="3024000" indent="-216000">
-              <a:spcBef>
-                <a:spcPts val="283"/>
-              </a:spcBef>
-              <a:buClr>
-                <a:srgbClr val="ffffff"/>
-              </a:buClr>
-              <a:buSzPct val="45000"/>
-              <a:buFont typeface="Wingdings" charset="2"/>
-              <a:buChar char=""/>
-            </a:pPr>
-            <a:r>
-              <a:rPr b="0" lang="en-IN" sz="1300" spc="-1" strike="noStrike">
-                <a:solidFill>
-                  <a:srgbClr val="000000"/>
-                </a:solidFill>
-                <a:latin typeface="Arial"/>
-              </a:rPr>
-              <a:t>Seventh Outline Level</a:t>
-            </a:r>
-            <a:endParaRPr b="0" lang="en-IN" sz="1300" spc="-1" strike="noStrike">
-              <a:solidFill>
-                <a:srgbClr val="000000"/>
-              </a:solidFill>
-              <a:latin typeface="Arial"/>
-            </a:endParaRPr>
-          </a:p>
-        </p:txBody>
-      </p:sp>
-      <p:sp>
-        <p:nvSpPr>
-          <p:cNvPr id="105" name="PlaceHolder 3"/>
-          <p:cNvSpPr>
-            <a:spLocks noGrp="1"/>
-          </p:cNvSpPr>
-          <p:nvPr>
             <p:ph type="sldNum" idx="3"/>
           </p:nvPr>
         </p:nvSpPr>
         <p:spPr>
           <a:xfrm>
             <a:off x="8472600" y="4663080"/>
-            <a:ext cx="548280" cy="393120"/>
-          </a:xfrm>
-          <a:prstGeom prst="rect">
-            <a:avLst/>
-          </a:prstGeom>
-          <a:noFill/>
-          <a:ln w="0">
-            <a:noFill/>
-          </a:ln>
-        </p:spPr>
-        <p:txBody>
-          <a:bodyPr tIns="91440" bIns="91440" anchor="ctr">
-            <a:normAutofit/>
+            <a:ext cx="547920" cy="392760"/>
+          </a:xfrm>
+          <a:prstGeom prst="rect">
+            <a:avLst/>
+          </a:prstGeom>
+          <a:noFill/>
+          <a:ln w="0">
+            <a:noFill/>
+          </a:ln>
+        </p:spPr>
+        <p:txBody>
+          <a:bodyPr lIns="90000" rIns="90000" tIns="91440" bIns="91440" anchor="ctr">
+            <a:noAutofit/>
           </a:bodyPr>
           <a:lstStyle>
             <a:lvl1pPr algn="r">
@@ -7396,7 +6816,7 @@
                 <a:tab algn="l" pos="0"/>
               </a:tabLst>
             </a:pPr>
-            <a:fld id="{37D6F80E-C42F-493D-A28D-9554AA85F2CE}" type="slidenum">
+            <a:fld id="{2C9FA23B-8B0D-49E1-98EA-D7F59D8EE061}" type="slidenum">
               <a:rPr b="0" lang="en" sz="1000" spc="-1" strike="noStrike">
                 <a:solidFill>
                   <a:srgbClr val="ffffff"/>
@@ -7408,6 +6828,232 @@
             </a:fld>
             <a:endParaRPr b="0" lang="en-IN" sz="1000" spc="-1" strike="noStrike">
               <a:latin typeface="Times New Roman"/>
+            </a:endParaRPr>
+          </a:p>
+        </p:txBody>
+      </p:sp>
+      <p:sp>
+        <p:nvSpPr>
+          <p:cNvPr id="104" name="PlaceHolder 2"/>
+          <p:cNvSpPr>
+            <a:spLocks noGrp="1"/>
+          </p:cNvSpPr>
+          <p:nvPr>
+            <p:ph type="title"/>
+          </p:nvPr>
+        </p:nvSpPr>
+        <p:spPr>
+          <a:xfrm>
+            <a:off x="457200" y="205200"/>
+            <a:ext cx="8229240" cy="858600"/>
+          </a:xfrm>
+          <a:prstGeom prst="rect">
+            <a:avLst/>
+          </a:prstGeom>
+          <a:noFill/>
+          <a:ln w="0">
+            <a:noFill/>
+          </a:ln>
+        </p:spPr>
+        <p:txBody>
+          <a:bodyPr lIns="0" rIns="0" tIns="0" bIns="0" anchor="ctr">
+            <a:noAutofit/>
+          </a:bodyPr>
+          <a:p>
+            <a:pPr algn="ctr">
+              <a:buNone/>
+            </a:pPr>
+            <a:r>
+              <a:rPr b="0" lang="en-IN" sz="4400" spc="-1" strike="noStrike">
+                <a:latin typeface="Arial"/>
+              </a:rPr>
+              <a:t>Click to edit the title text format</a:t>
+            </a:r>
+            <a:endParaRPr b="0" lang="en-IN" sz="4400" spc="-1" strike="noStrike">
+              <a:latin typeface="Arial"/>
+            </a:endParaRPr>
+          </a:p>
+        </p:txBody>
+      </p:sp>
+      <p:sp>
+        <p:nvSpPr>
+          <p:cNvPr id="105" name="PlaceHolder 3"/>
+          <p:cNvSpPr>
+            <a:spLocks noGrp="1"/>
+          </p:cNvSpPr>
+          <p:nvPr>
+            <p:ph type="body"/>
+          </p:nvPr>
+        </p:nvSpPr>
+        <p:spPr>
+          <a:xfrm>
+            <a:off x="457200" y="1203480"/>
+            <a:ext cx="8229240" cy="2982960"/>
+          </a:xfrm>
+          <a:prstGeom prst="rect">
+            <a:avLst/>
+          </a:prstGeom>
+          <a:noFill/>
+          <a:ln w="0">
+            <a:noFill/>
+          </a:ln>
+        </p:spPr>
+        <p:txBody>
+          <a:bodyPr lIns="0" rIns="0" tIns="0" bIns="0" anchor="t">
+            <a:normAutofit/>
+          </a:bodyPr>
+          <a:p>
+            <a:pPr marL="432000" indent="-324000">
+              <a:spcBef>
+                <a:spcPts val="1417"/>
+              </a:spcBef>
+              <a:buClr>
+                <a:srgbClr val="ffffff"/>
+              </a:buClr>
+              <a:buSzPct val="45000"/>
+              <a:buFont typeface="Wingdings" charset="2"/>
+              <a:buChar char=""/>
+            </a:pPr>
+            <a:r>
+              <a:rPr b="0" lang="en-IN" sz="3200" spc="-1" strike="noStrike">
+                <a:latin typeface="Arial"/>
+              </a:rPr>
+              <a:t>Click to edit the outline text format</a:t>
+            </a:r>
+            <a:endParaRPr b="0" lang="en-IN" sz="3200" spc="-1" strike="noStrike">
+              <a:latin typeface="Arial"/>
+            </a:endParaRPr>
+          </a:p>
+          <a:p>
+            <a:pPr lvl="1" marL="864000" indent="-324000">
+              <a:spcBef>
+                <a:spcPts val="1134"/>
+              </a:spcBef>
+              <a:buClr>
+                <a:srgbClr val="ffffff"/>
+              </a:buClr>
+              <a:buSzPct val="75000"/>
+              <a:buFont typeface="Symbol" charset="2"/>
+              <a:buChar char=""/>
+            </a:pPr>
+            <a:r>
+              <a:rPr b="0" lang="en-IN" sz="2800" spc="-1" strike="noStrike">
+                <a:latin typeface="Arial"/>
+              </a:rPr>
+              <a:t>Second Outline Level</a:t>
+            </a:r>
+            <a:endParaRPr b="0" lang="en-IN" sz="2800" spc="-1" strike="noStrike">
+              <a:latin typeface="Arial"/>
+            </a:endParaRPr>
+          </a:p>
+          <a:p>
+            <a:pPr lvl="2" marL="1296000" indent="-288000">
+              <a:spcBef>
+                <a:spcPts val="850"/>
+              </a:spcBef>
+              <a:buClr>
+                <a:srgbClr val="ffffff"/>
+              </a:buClr>
+              <a:buSzPct val="45000"/>
+              <a:buFont typeface="Wingdings" charset="2"/>
+              <a:buChar char=""/>
+            </a:pPr>
+            <a:r>
+              <a:rPr b="0" lang="en-IN" sz="2400" spc="-1" strike="noStrike">
+                <a:latin typeface="Arial"/>
+              </a:rPr>
+              <a:t>Third Outline Level</a:t>
+            </a:r>
+            <a:endParaRPr b="0" lang="en-IN" sz="2400" spc="-1" strike="noStrike">
+              <a:latin typeface="Arial"/>
+            </a:endParaRPr>
+          </a:p>
+          <a:p>
+            <a:pPr lvl="3" marL="1728000" indent="-216000">
+              <a:spcBef>
+                <a:spcPts val="567"/>
+              </a:spcBef>
+              <a:buClr>
+                <a:srgbClr val="ffffff"/>
+              </a:buClr>
+              <a:buSzPct val="75000"/>
+              <a:buFont typeface="Symbol" charset="2"/>
+              <a:buChar char=""/>
+            </a:pPr>
+            <a:r>
+              <a:rPr b="0" lang="en-IN" sz="2000" spc="-1" strike="noStrike">
+                <a:latin typeface="Arial"/>
+              </a:rPr>
+              <a:t>Fourth Outline Level</a:t>
+            </a:r>
+            <a:endParaRPr b="0" lang="en-IN" sz="2000" spc="-1" strike="noStrike">
+              <a:latin typeface="Arial"/>
+            </a:endParaRPr>
+          </a:p>
+          <a:p>
+            <a:pPr lvl="4" marL="2160000" indent="-216000">
+              <a:spcBef>
+                <a:spcPts val="283"/>
+              </a:spcBef>
+              <a:buClr>
+                <a:srgbClr val="ffffff"/>
+              </a:buClr>
+              <a:buSzPct val="45000"/>
+              <a:buFont typeface="Wingdings" charset="2"/>
+              <a:buChar char=""/>
+            </a:pPr>
+            <a:r>
+              <a:rPr b="0" lang="en-IN" sz="2000" spc="-1" strike="noStrike">
+                <a:latin typeface="Arial"/>
+              </a:rPr>
+              <a:t>Fifth Outline Level</a:t>
+            </a:r>
+            <a:endParaRPr b="0" lang="en-IN" sz="2000" spc="-1" strike="noStrike">
+              <a:latin typeface="Arial"/>
+            </a:endParaRPr>
+          </a:p>
+          <a:p>
+            <a:pPr lvl="5" marL="2592000" indent="-216000">
+              <a:spcBef>
+                <a:spcPts val="283"/>
+              </a:spcBef>
+              <a:buClr>
+                <a:srgbClr val="ffffff"/>
+              </a:buClr>
+              <a:buSzPct val="45000"/>
+              <a:buFont typeface="Wingdings" charset="2"/>
+              <a:buChar char=""/>
+            </a:pPr>
+            <a:r>
+              <a:rPr b="0" lang="en-IN" sz="2000" spc="-1" strike="noStrike">
+                <a:latin typeface="Arial"/>
+              </a:rPr>
+              <a:t>Sixth Outline Level</a:t>
+            </a:r>
+            <a:endParaRPr b="0" lang="en-IN" sz="2000" spc="-1" strike="noStrike">
+              <a:latin typeface="Arial"/>
+            </a:endParaRPr>
+          </a:p>
+          <a:p>
+            <a:pPr lvl="6" marL="3024000" indent="-216000">
+              <a:spcBef>
+                <a:spcPts val="283"/>
+              </a:spcBef>
+              <a:buClr>
+                <a:srgbClr val="ffffff"/>
+              </a:buClr>
+              <a:buSzPct val="45000"/>
+              <a:buFont typeface="Wingdings" charset="2"/>
+              <a:buChar char=""/>
+            </a:pPr>
+            <a:r>
+              <a:rPr b="0" lang="en-IN" sz="2000" spc="-1" strike="noStrike">
+                <a:latin typeface="Arial"/>
+              </a:rPr>
+              <a:t>Seventh Outline Level</a:t>
+            </a:r>
+            <a:endParaRPr b="0" lang="en-IN" sz="2000" spc="-1" strike="noStrike">
+              <a:latin typeface="Arial"/>
             </a:endParaRPr>
           </a:p>
         </p:txBody>
@@ -7462,61 +7108,40 @@
         <p:spPr>
           <a:xfrm>
             <a:off x="311760" y="311760"/>
-            <a:ext cx="8520120" cy="1656720"/>
-          </a:xfrm>
-          <a:prstGeom prst="rect">
-            <a:avLst/>
-          </a:prstGeom>
-          <a:noFill/>
-          <a:ln w="0">
-            <a:noFill/>
-          </a:ln>
-        </p:spPr>
-        <p:txBody>
-          <a:bodyPr tIns="91440" bIns="91440" anchor="ctr">
+            <a:ext cx="8519760" cy="1656360"/>
+          </a:xfrm>
+          <a:prstGeom prst="rect">
+            <a:avLst/>
+          </a:prstGeom>
+          <a:noFill/>
+          <a:ln w="0">
+            <a:noFill/>
+          </a:ln>
+        </p:spPr>
+        <p:txBody>
+          <a:bodyPr lIns="90000" rIns="90000" tIns="91440" bIns="91440" anchor="ctr">
             <a:normAutofit/>
           </a:bodyPr>
           <a:p>
-            <a:pPr marL="2743200" indent="457200">
-              <a:lnSpc>
-                <a:spcPct val="100000"/>
-              </a:lnSpc>
-              <a:buNone/>
-              <a:tabLst>
-                <a:tab algn="l" pos="0"/>
-              </a:tabLst>
-            </a:pPr>
-            <a:endParaRPr b="0" lang="en-IN" sz="2800" spc="-1" strike="noStrike">
-              <a:solidFill>
-                <a:srgbClr val="000000"/>
-              </a:solidFill>
-              <a:latin typeface="Arial"/>
-            </a:endParaRPr>
-          </a:p>
-          <a:p>
             <a:pPr algn="ctr">
-              <a:lnSpc>
-                <a:spcPct val="100000"/>
-              </a:lnSpc>
-              <a:buNone/>
-              <a:tabLst>
-                <a:tab algn="l" pos="0"/>
-              </a:tabLst>
-            </a:pPr>
-            <a:r>
-              <a:rPr b="0" lang="en" sz="2800" spc="-1" strike="noStrike">
-                <a:solidFill>
-                  <a:srgbClr val="ffffff"/>
-                </a:solidFill>
-                <a:latin typeface="Montserrat"/>
-                <a:ea typeface="Montserrat"/>
-              </a:rPr>
-              <a:t>Blockchain E-commerce Website</a:t>
-            </a:r>
-            <a:endParaRPr b="0" lang="en-IN" sz="2800" spc="-1" strike="noStrike">
-              <a:solidFill>
-                <a:srgbClr val="000000"/>
-              </a:solidFill>
+              <a:buNone/>
+            </a:pPr>
+            <a:r>
+              <a:rPr b="0" lang="en-IN" sz="4400" spc="-1" strike="noStrike">
+                <a:latin typeface="Arial"/>
+              </a:rPr>
+              <a:t>Blockchain Ecommerce </a:t>
+            </a:r>
+            <a:br>
+              <a:rPr sz="4400"/>
+            </a:br>
+            <a:r>
+              <a:rPr b="0" lang="en-IN" sz="4400" spc="-1" strike="noStrike">
+                <a:latin typeface="Arial"/>
+              </a:rPr>
+              <a:t>Website</a:t>
+            </a:r>
+            <a:endParaRPr b="0" lang="en-IN" sz="4400" spc="-1" strike="noStrike">
               <a:latin typeface="Arial"/>
             </a:endParaRPr>
           </a:p>
@@ -7535,7 +7160,7 @@
         <p:spPr>
           <a:xfrm>
             <a:off x="1989360" y="1968840"/>
-            <a:ext cx="4709520" cy="2869560"/>
+            <a:ext cx="4709160" cy="2869200"/>
           </a:xfrm>
           <a:prstGeom prst="rect">
             <a:avLst/>
@@ -7588,25 +7213,25 @@
         <p:spPr>
           <a:xfrm>
             <a:off x="1297440" y="393840"/>
-            <a:ext cx="7038720" cy="913680"/>
-          </a:xfrm>
-          <a:prstGeom prst="rect">
-            <a:avLst/>
-          </a:prstGeom>
-          <a:noFill/>
-          <a:ln w="0">
-            <a:noFill/>
-          </a:ln>
-        </p:spPr>
-        <p:txBody>
-          <a:bodyPr tIns="91440" bIns="91440" anchor="t">
+            <a:ext cx="7038360" cy="913320"/>
+          </a:xfrm>
+          <a:prstGeom prst="rect">
+            <a:avLst/>
+          </a:prstGeom>
+          <a:noFill/>
+          <a:ln w="0">
+            <a:noFill/>
+          </a:ln>
+        </p:spPr>
+        <p:txBody>
+          <a:bodyPr lIns="0" rIns="0" tIns="91440" bIns="91440" anchor="t">
             <a:normAutofit/>
           </a:bodyPr>
           <a:p>
-            <a:endParaRPr b="0" lang="en-IN" sz="1400" spc="-1" strike="noStrike">
-              <a:solidFill>
-                <a:srgbClr val="000000"/>
-              </a:solidFill>
+            <a:pPr algn="ctr">
+              <a:buNone/>
+            </a:pPr>
+            <a:endParaRPr b="0" lang="en-IN" sz="4400" spc="-1" strike="noStrike">
               <a:latin typeface="Arial"/>
             </a:endParaRPr>
           </a:p>
@@ -7625,18 +7250,18 @@
         <p:spPr>
           <a:xfrm>
             <a:off x="298080" y="1386360"/>
-            <a:ext cx="8464320" cy="3715200"/>
-          </a:xfrm>
-          <a:prstGeom prst="rect">
-            <a:avLst/>
-          </a:prstGeom>
-          <a:noFill/>
-          <a:ln w="0">
-            <a:noFill/>
-          </a:ln>
-        </p:spPr>
-        <p:txBody>
-          <a:bodyPr tIns="91440" bIns="91440" anchor="t">
+            <a:ext cx="8463960" cy="3714840"/>
+          </a:xfrm>
+          <a:prstGeom prst="rect">
+            <a:avLst/>
+          </a:prstGeom>
+          <a:noFill/>
+          <a:ln w="0">
+            <a:noFill/>
+          </a:ln>
+        </p:spPr>
+        <p:txBody>
+          <a:bodyPr lIns="0" rIns="0" tIns="91440" bIns="91440" anchor="t">
             <a:noAutofit/>
           </a:bodyPr>
           <a:p>
@@ -7663,9 +7288,6 @@
               <a:t>Other technologies used</a:t>
             </a:r>
             <a:endParaRPr b="0" lang="en-IN" sz="2000" spc="-1" strike="noStrike">
-              <a:solidFill>
-                <a:srgbClr val="000000"/>
-              </a:solidFill>
               <a:latin typeface="Arial"/>
             </a:endParaRPr>
           </a:p>
@@ -7700,9 +7322,6 @@
               <a:t>Git </a:t>
             </a:r>
             <a:endParaRPr b="0" lang="en-IN" sz="1200" spc="-1" strike="noStrike">
-              <a:solidFill>
-                <a:srgbClr val="000000"/>
-              </a:solidFill>
               <a:latin typeface="Arial"/>
             </a:endParaRPr>
           </a:p>
@@ -7733,9 +7352,6 @@
               <a:t>A free and open source distributed version control system. It tracks changes in any set of files, usually used for coordinating work among programmers. Used with Github for implementing version control in this project.</a:t>
             </a:r>
             <a:endParaRPr b="0" lang="en-IN" sz="1200" spc="-1" strike="noStrike">
-              <a:solidFill>
-                <a:srgbClr val="000000"/>
-              </a:solidFill>
               <a:latin typeface="Arial"/>
             </a:endParaRPr>
           </a:p>
@@ -7770,9 +7386,6 @@
               <a:t>VSCode </a:t>
             </a:r>
             <a:endParaRPr b="0" lang="en-IN" sz="1200" spc="-1" strike="noStrike">
-              <a:solidFill>
-                <a:srgbClr val="000000"/>
-              </a:solidFill>
               <a:latin typeface="Arial"/>
             </a:endParaRPr>
           </a:p>
@@ -7803,9 +7416,6 @@
               <a:t>Code editor made by Microsoft for Windows, Linux and macOS. Used as the primary code editor in the project.</a:t>
             </a:r>
             <a:endParaRPr b="0" lang="en-IN" sz="1200" spc="-1" strike="noStrike">
-              <a:solidFill>
-                <a:srgbClr val="000000"/>
-              </a:solidFill>
               <a:latin typeface="Arial"/>
             </a:endParaRPr>
           </a:p>
@@ -7840,9 +7450,6 @@
               <a:t>Vercel </a:t>
             </a:r>
             <a:endParaRPr b="0" lang="en-IN" sz="1200" spc="-1" strike="noStrike">
-              <a:solidFill>
-                <a:srgbClr val="000000"/>
-              </a:solidFill>
               <a:latin typeface="Arial"/>
             </a:endParaRPr>
           </a:p>
@@ -7876,9 +7483,6 @@
               <a:t>A hosting service for deploying the website. Used to host the project website</a:t>
             </a:r>
             <a:endParaRPr b="0" lang="en-IN" sz="1200" spc="-1" strike="noStrike">
-              <a:solidFill>
-                <a:srgbClr val="000000"/>
-              </a:solidFill>
               <a:latin typeface="Arial"/>
             </a:endParaRPr>
           </a:p>
@@ -7927,18 +7531,18 @@
         <p:spPr>
           <a:xfrm>
             <a:off x="1297440" y="393840"/>
-            <a:ext cx="7038720" cy="913680"/>
-          </a:xfrm>
-          <a:prstGeom prst="rect">
-            <a:avLst/>
-          </a:prstGeom>
-          <a:noFill/>
-          <a:ln w="0">
-            <a:noFill/>
-          </a:ln>
-        </p:spPr>
-        <p:txBody>
-          <a:bodyPr tIns="91440" bIns="91440" anchor="t">
+            <a:ext cx="7038360" cy="913320"/>
+          </a:xfrm>
+          <a:prstGeom prst="rect">
+            <a:avLst/>
+          </a:prstGeom>
+          <a:noFill/>
+          <a:ln w="0">
+            <a:noFill/>
+          </a:ln>
+        </p:spPr>
+        <p:txBody>
+          <a:bodyPr lIns="0" rIns="0" tIns="91440" bIns="91440" anchor="t">
             <a:normAutofit/>
           </a:bodyPr>
           <a:p>
@@ -7962,9 +7566,6 @@
               <a:t>Hardware and Software Requirements</a:t>
             </a:r>
             <a:endParaRPr b="0" lang="en-IN" sz="2400" spc="-1" strike="noStrike">
-              <a:solidFill>
-                <a:srgbClr val="000000"/>
-              </a:solidFill>
               <a:latin typeface="Arial"/>
             </a:endParaRPr>
           </a:p>
@@ -7983,18 +7584,18 @@
         <p:spPr>
           <a:xfrm>
             <a:off x="589320" y="1373400"/>
-            <a:ext cx="7746840" cy="3228840"/>
-          </a:xfrm>
-          <a:prstGeom prst="rect">
-            <a:avLst/>
-          </a:prstGeom>
-          <a:noFill/>
-          <a:ln w="0">
-            <a:noFill/>
-          </a:ln>
-        </p:spPr>
-        <p:txBody>
-          <a:bodyPr tIns="91440" bIns="91440" anchor="t">
+            <a:ext cx="7746480" cy="3228480"/>
+          </a:xfrm>
+          <a:prstGeom prst="rect">
+            <a:avLst/>
+          </a:prstGeom>
+          <a:noFill/>
+          <a:ln w="0">
+            <a:noFill/>
+          </a:ln>
+        </p:spPr>
+        <p:txBody>
+          <a:bodyPr lIns="0" rIns="0" tIns="91440" bIns="91440" anchor="t">
             <a:noAutofit/>
           </a:bodyPr>
           <a:p>
@@ -8018,9 +7619,6 @@
               <a:t>To use the deployed website you will need:</a:t>
             </a:r>
             <a:endParaRPr b="0" lang="en-IN" sz="1200" spc="-1" strike="noStrike">
-              <a:solidFill>
-                <a:srgbClr val="000000"/>
-              </a:solidFill>
               <a:latin typeface="Arial"/>
             </a:endParaRPr>
           </a:p>
@@ -8052,9 +7650,6 @@
               <a:t>A system with latest version of windows, linux distribution or macOS.</a:t>
             </a:r>
             <a:endParaRPr b="0" lang="en-IN" sz="1200" spc="-1" strike="noStrike">
-              <a:solidFill>
-                <a:srgbClr val="000000"/>
-              </a:solidFill>
               <a:latin typeface="Arial"/>
             </a:endParaRPr>
           </a:p>
@@ -8083,9 +7678,6 @@
               <a:t>A web browser. Brave 1.33 or Chrome 103 preferred.</a:t>
             </a:r>
             <a:endParaRPr b="0" lang="en-IN" sz="1200" spc="-1" strike="noStrike">
-              <a:solidFill>
-                <a:srgbClr val="000000"/>
-              </a:solidFill>
               <a:latin typeface="Arial"/>
             </a:endParaRPr>
           </a:p>
@@ -8126,9 +7718,6 @@
               <a:t> installed in browser.</a:t>
             </a:r>
             <a:endParaRPr b="0" lang="en-IN" sz="1200" spc="-1" strike="noStrike">
-              <a:solidFill>
-                <a:srgbClr val="000000"/>
-              </a:solidFill>
               <a:latin typeface="Arial"/>
             </a:endParaRPr>
           </a:p>
@@ -8157,9 +7746,6 @@
               <a:t>Test ether on Rinkeby network.</a:t>
             </a:r>
             <a:endParaRPr b="0" lang="en-IN" sz="1200" spc="-1" strike="noStrike">
-              <a:solidFill>
-                <a:srgbClr val="000000"/>
-              </a:solidFill>
               <a:latin typeface="Arial"/>
             </a:endParaRPr>
           </a:p>
@@ -8177,9 +7763,6 @@
               </a:tabLst>
             </a:pPr>
             <a:endParaRPr b="0" lang="en-IN" sz="1200" spc="-1" strike="noStrike">
-              <a:solidFill>
-                <a:srgbClr val="000000"/>
-              </a:solidFill>
               <a:latin typeface="Arial"/>
             </a:endParaRPr>
           </a:p>
@@ -8207,9 +7790,6 @@
               <a:t>To run the project locally you need:</a:t>
             </a:r>
             <a:endParaRPr b="0" lang="en-IN" sz="1200" spc="-1" strike="noStrike">
-              <a:solidFill>
-                <a:srgbClr val="000000"/>
-              </a:solidFill>
               <a:latin typeface="Arial"/>
             </a:endParaRPr>
           </a:p>
@@ -8243,9 +7823,6 @@
               <a:t>Git</a:t>
             </a:r>
             <a:endParaRPr b="0" lang="en-IN" sz="1200" spc="-1" strike="noStrike">
-              <a:solidFill>
-                <a:srgbClr val="000000"/>
-              </a:solidFill>
               <a:latin typeface="Arial"/>
             </a:endParaRPr>
           </a:p>
@@ -8296,9 +7873,6 @@
               <a:t>(everything was installed and tested under v15.12.0)</a:t>
             </a:r>
             <a:endParaRPr b="0" lang="en-IN" sz="1200" spc="-1" strike="noStrike">
-              <a:solidFill>
-                <a:srgbClr val="000000"/>
-              </a:solidFill>
               <a:latin typeface="Arial"/>
             </a:endParaRPr>
           </a:p>
@@ -8327,9 +7901,6 @@
               <a:t>A source-code editor.</a:t>
             </a:r>
             <a:endParaRPr b="0" lang="en-IN" sz="1200" spc="-1" strike="noStrike">
-              <a:solidFill>
-                <a:srgbClr val="000000"/>
-              </a:solidFill>
               <a:latin typeface="Arial"/>
             </a:endParaRPr>
           </a:p>
@@ -8400,9 +7971,6 @@
               <a:t>installed.</a:t>
             </a:r>
             <a:endParaRPr b="0" lang="en-IN" sz="1200" spc="-1" strike="noStrike">
-              <a:solidFill>
-                <a:srgbClr val="000000"/>
-              </a:solidFill>
               <a:latin typeface="Arial"/>
             </a:endParaRPr>
           </a:p>
@@ -8431,9 +7999,6 @@
               <a:t>Test Ether on the Rinkeby network.</a:t>
             </a:r>
             <a:endParaRPr b="0" lang="en-IN" sz="1200" spc="-1" strike="noStrike">
-              <a:solidFill>
-                <a:srgbClr val="000000"/>
-              </a:solidFill>
               <a:latin typeface="Arial"/>
             </a:endParaRPr>
           </a:p>
@@ -8454,9 +8019,6 @@
               </a:tabLst>
             </a:pPr>
             <a:endParaRPr b="0" lang="en-IN" sz="1200" spc="-1" strike="noStrike">
-              <a:solidFill>
-                <a:srgbClr val="000000"/>
-              </a:solidFill>
               <a:latin typeface="Arial"/>
             </a:endParaRPr>
           </a:p>
@@ -8505,18 +8067,18 @@
         <p:spPr>
           <a:xfrm>
             <a:off x="1297440" y="393840"/>
-            <a:ext cx="7038720" cy="913680"/>
-          </a:xfrm>
-          <a:prstGeom prst="rect">
-            <a:avLst/>
-          </a:prstGeom>
-          <a:noFill/>
-          <a:ln w="0">
-            <a:noFill/>
-          </a:ln>
-        </p:spPr>
-        <p:txBody>
-          <a:bodyPr tIns="91440" bIns="91440" anchor="t">
+            <a:ext cx="7038360" cy="913320"/>
+          </a:xfrm>
+          <a:prstGeom prst="rect">
+            <a:avLst/>
+          </a:prstGeom>
+          <a:noFill/>
+          <a:ln w="0">
+            <a:noFill/>
+          </a:ln>
+        </p:spPr>
+        <p:txBody>
+          <a:bodyPr lIns="0" rIns="0" tIns="91440" bIns="91440" anchor="t">
             <a:normAutofit/>
           </a:bodyPr>
           <a:p>
@@ -8540,9 +8102,6 @@
               <a:t>Roadmap</a:t>
             </a:r>
             <a:endParaRPr b="0" lang="en-IN" sz="2400" spc="-1" strike="noStrike">
-              <a:solidFill>
-                <a:srgbClr val="000000"/>
-              </a:solidFill>
               <a:latin typeface="Arial"/>
             </a:endParaRPr>
           </a:p>
@@ -8561,18 +8120,18 @@
         <p:spPr>
           <a:xfrm>
             <a:off x="582120" y="1351800"/>
-            <a:ext cx="7837200" cy="3500280"/>
-          </a:xfrm>
-          <a:prstGeom prst="rect">
-            <a:avLst/>
-          </a:prstGeom>
-          <a:noFill/>
-          <a:ln w="0">
-            <a:noFill/>
-          </a:ln>
-        </p:spPr>
-        <p:txBody>
-          <a:bodyPr tIns="91440" bIns="91440" anchor="t">
+            <a:ext cx="7836840" cy="3499920"/>
+          </a:xfrm>
+          <a:prstGeom prst="rect">
+            <a:avLst/>
+          </a:prstGeom>
+          <a:noFill/>
+          <a:ln w="0">
+            <a:noFill/>
+          </a:ln>
+        </p:spPr>
+        <p:txBody>
+          <a:bodyPr lIns="0" rIns="0" tIns="91440" bIns="91440" anchor="t">
             <a:normAutofit/>
           </a:bodyPr>
           <a:p>
@@ -8599,9 +8158,6 @@
               <a:t>1. Discuss the scope and functionality of a blockchain e-commerce website and assign roles to team members.</a:t>
             </a:r>
             <a:endParaRPr b="0" lang="en-IN" sz="1200" spc="-1" strike="noStrike">
-              <a:solidFill>
-                <a:srgbClr val="000000"/>
-              </a:solidFill>
               <a:latin typeface="Arial"/>
             </a:endParaRPr>
           </a:p>
@@ -8616,9 +8172,6 @@
               </a:tabLst>
             </a:pPr>
             <a:endParaRPr b="0" lang="en-IN" sz="1200" spc="-1" strike="noStrike">
-              <a:solidFill>
-                <a:srgbClr val="000000"/>
-              </a:solidFill>
               <a:latin typeface="Arial"/>
             </a:endParaRPr>
           </a:p>
@@ -8646,9 +8199,6 @@
               <a:t>2. Creating, testing and deploying smart contracts to perform transactions on the blockchain with the basic functions of buying and selling tokens being demonstrable.</a:t>
             </a:r>
             <a:endParaRPr b="0" lang="en-IN" sz="1200" spc="-1" strike="noStrike">
-              <a:solidFill>
-                <a:srgbClr val="000000"/>
-              </a:solidFill>
               <a:latin typeface="Arial"/>
             </a:endParaRPr>
           </a:p>
@@ -8663,9 +8213,6 @@
               </a:tabLst>
             </a:pPr>
             <a:endParaRPr b="0" lang="en-IN" sz="1200" spc="-1" strike="noStrike">
-              <a:solidFill>
-                <a:srgbClr val="000000"/>
-              </a:solidFill>
               <a:latin typeface="Arial"/>
             </a:endParaRPr>
           </a:p>
@@ -8693,9 +8240,6 @@
               <a:t>3. Building a react frontend for the eCommerce website using React(Next.js) and TailwindCSS.</a:t>
             </a:r>
             <a:endParaRPr b="0" lang="en-IN" sz="1200" spc="-1" strike="noStrike">
-              <a:solidFill>
-                <a:srgbClr val="000000"/>
-              </a:solidFill>
               <a:latin typeface="Arial"/>
             </a:endParaRPr>
           </a:p>
@@ -8710,9 +8254,6 @@
               </a:tabLst>
             </a:pPr>
             <a:endParaRPr b="0" lang="en-IN" sz="1200" spc="-1" strike="noStrike">
-              <a:solidFill>
-                <a:srgbClr val="000000"/>
-              </a:solidFill>
               <a:latin typeface="Arial"/>
             </a:endParaRPr>
           </a:p>
@@ -8740,9 +8281,6 @@
               <a:t>4. Adding and testing blockchain functionality on the frontend side using ethers.js with React.</a:t>
             </a:r>
             <a:endParaRPr b="0" lang="en-IN" sz="1200" spc="-1" strike="noStrike">
-              <a:solidFill>
-                <a:srgbClr val="000000"/>
-              </a:solidFill>
               <a:latin typeface="Arial"/>
             </a:endParaRPr>
           </a:p>
@@ -8757,9 +8295,6 @@
               </a:tabLst>
             </a:pPr>
             <a:endParaRPr b="0" lang="en-IN" sz="1200" spc="-1" strike="noStrike">
-              <a:solidFill>
-                <a:srgbClr val="000000"/>
-              </a:solidFill>
               <a:latin typeface="Arial"/>
             </a:endParaRPr>
           </a:p>
@@ -8787,9 +8322,6 @@
               <a:t>5. Building unit tests for testing front-end integrations with a blockchain.</a:t>
             </a:r>
             <a:endParaRPr b="0" lang="en-IN" sz="1200" spc="-1" strike="noStrike">
-              <a:solidFill>
-                <a:srgbClr val="000000"/>
-              </a:solidFill>
               <a:latin typeface="Arial"/>
             </a:endParaRPr>
           </a:p>
@@ -8804,9 +8336,6 @@
               </a:tabLst>
             </a:pPr>
             <a:endParaRPr b="0" lang="en-IN" sz="1200" spc="-1" strike="noStrike">
-              <a:solidFill>
-                <a:srgbClr val="000000"/>
-              </a:solidFill>
               <a:latin typeface="Arial"/>
             </a:endParaRPr>
           </a:p>
@@ -8834,9 +8363,6 @@
               <a:t>6. Adding documentation about the project in the github repository.</a:t>
             </a:r>
             <a:endParaRPr b="0" lang="en-IN" sz="1200" spc="-1" strike="noStrike">
-              <a:solidFill>
-                <a:srgbClr val="000000"/>
-              </a:solidFill>
               <a:latin typeface="Arial"/>
             </a:endParaRPr>
           </a:p>
@@ -8851,9 +8377,6 @@
               </a:tabLst>
             </a:pPr>
             <a:endParaRPr b="0" lang="en-IN" sz="1200" spc="-1" strike="noStrike">
-              <a:solidFill>
-                <a:srgbClr val="000000"/>
-              </a:solidFill>
               <a:latin typeface="Arial"/>
             </a:endParaRPr>
           </a:p>
@@ -8884,9 +8407,6 @@
               <a:t>7. Deploying the website on a hosting service. </a:t>
             </a:r>
             <a:endParaRPr b="0" lang="en-IN" sz="1200" spc="-1" strike="noStrike">
-              <a:solidFill>
-                <a:srgbClr val="000000"/>
-              </a:solidFill>
               <a:latin typeface="Arial"/>
             </a:endParaRPr>
           </a:p>
@@ -8935,18 +8455,18 @@
         <p:spPr>
           <a:xfrm>
             <a:off x="491760" y="285480"/>
-            <a:ext cx="8520120" cy="572400"/>
-          </a:xfrm>
-          <a:prstGeom prst="rect">
-            <a:avLst/>
-          </a:prstGeom>
-          <a:noFill/>
-          <a:ln w="0">
-            <a:noFill/>
-          </a:ln>
-        </p:spPr>
-        <p:txBody>
-          <a:bodyPr tIns="91440" bIns="91440" anchor="t">
+            <a:ext cx="8519760" cy="572040"/>
+          </a:xfrm>
+          <a:prstGeom prst="rect">
+            <a:avLst/>
+          </a:prstGeom>
+          <a:noFill/>
+          <a:ln w="0">
+            <a:noFill/>
+          </a:ln>
+        </p:spPr>
+        <p:txBody>
+          <a:bodyPr lIns="0" rIns="0" tIns="91440" bIns="91440" anchor="t">
             <a:normAutofit/>
           </a:bodyPr>
           <a:p>
@@ -8970,9 +8490,6 @@
               <a:t>PERT Chart</a:t>
             </a:r>
             <a:endParaRPr b="0" lang="en-IN" sz="2400" spc="-1" strike="noStrike">
-              <a:solidFill>
-                <a:srgbClr val="000000"/>
-              </a:solidFill>
               <a:latin typeface="Arial"/>
             </a:endParaRPr>
           </a:p>
@@ -8991,25 +8508,22 @@
         <p:spPr>
           <a:xfrm>
             <a:off x="180360" y="1420920"/>
-            <a:ext cx="8789400" cy="3327840"/>
-          </a:xfrm>
-          <a:prstGeom prst="rect">
-            <a:avLst/>
-          </a:prstGeom>
-          <a:noFill/>
-          <a:ln w="0">
-            <a:noFill/>
-          </a:ln>
-        </p:spPr>
-        <p:txBody>
-          <a:bodyPr tIns="91440" bIns="91440" anchor="t">
+            <a:ext cx="8789040" cy="3327480"/>
+          </a:xfrm>
+          <a:prstGeom prst="rect">
+            <a:avLst/>
+          </a:prstGeom>
+          <a:noFill/>
+          <a:ln w="0">
+            <a:noFill/>
+          </a:ln>
+        </p:spPr>
+        <p:txBody>
+          <a:bodyPr lIns="0" rIns="0" tIns="91440" bIns="91440" anchor="t">
             <a:normAutofit/>
           </a:bodyPr>
           <a:p>
-            <a:endParaRPr b="0" lang="en-IN" sz="1400" spc="-1" strike="noStrike">
-              <a:solidFill>
-                <a:srgbClr val="000000"/>
-              </a:solidFill>
+            <a:endParaRPr b="0" lang="en-IN" sz="3200" spc="-1" strike="noStrike">
               <a:latin typeface="Arial"/>
             </a:endParaRPr>
           </a:p>
@@ -9028,7 +8542,7 @@
         <p:spPr>
           <a:xfrm>
             <a:off x="180360" y="1420920"/>
-            <a:ext cx="8831880" cy="3327840"/>
+            <a:ext cx="8831520" cy="3327480"/>
           </a:xfrm>
           <a:prstGeom prst="rect">
             <a:avLst/>
@@ -9081,18 +8595,18 @@
         <p:spPr>
           <a:xfrm>
             <a:off x="491760" y="285480"/>
-            <a:ext cx="8520120" cy="572400"/>
-          </a:xfrm>
-          <a:prstGeom prst="rect">
-            <a:avLst/>
-          </a:prstGeom>
-          <a:noFill/>
-          <a:ln w="0">
-            <a:noFill/>
-          </a:ln>
-        </p:spPr>
-        <p:txBody>
-          <a:bodyPr tIns="91440" bIns="91440" anchor="t">
+            <a:ext cx="8519760" cy="572040"/>
+          </a:xfrm>
+          <a:prstGeom prst="rect">
+            <a:avLst/>
+          </a:prstGeom>
+          <a:noFill/>
+          <a:ln w="0">
+            <a:noFill/>
+          </a:ln>
+        </p:spPr>
+        <p:txBody>
+          <a:bodyPr lIns="0" rIns="0" tIns="91440" bIns="91440" anchor="t">
             <a:normAutofit/>
           </a:bodyPr>
           <a:p>
@@ -9116,9 +8630,6 @@
               <a:t>Level-1 Data Flow Diagram </a:t>
             </a:r>
             <a:endParaRPr b="0" lang="en-IN" sz="2400" spc="-1" strike="noStrike">
-              <a:solidFill>
-                <a:srgbClr val="000000"/>
-              </a:solidFill>
               <a:latin typeface="Arial"/>
             </a:endParaRPr>
           </a:p>
@@ -9137,25 +8648,22 @@
         <p:spPr>
           <a:xfrm>
             <a:off x="1376640" y="1152360"/>
-            <a:ext cx="6324480" cy="3747240"/>
-          </a:xfrm>
-          <a:prstGeom prst="rect">
-            <a:avLst/>
-          </a:prstGeom>
-          <a:noFill/>
-          <a:ln w="0">
-            <a:noFill/>
-          </a:ln>
-        </p:spPr>
-        <p:txBody>
-          <a:bodyPr tIns="91440" bIns="91440" anchor="t">
+            <a:ext cx="6324120" cy="3746880"/>
+          </a:xfrm>
+          <a:prstGeom prst="rect">
+            <a:avLst/>
+          </a:prstGeom>
+          <a:noFill/>
+          <a:ln w="0">
+            <a:noFill/>
+          </a:ln>
+        </p:spPr>
+        <p:txBody>
+          <a:bodyPr lIns="0" rIns="0" tIns="91440" bIns="91440" anchor="t">
             <a:normAutofit/>
           </a:bodyPr>
           <a:p>
-            <a:endParaRPr b="0" lang="en-IN" sz="1400" spc="-1" strike="noStrike">
-              <a:solidFill>
-                <a:srgbClr val="000000"/>
-              </a:solidFill>
+            <a:endParaRPr b="0" lang="en-IN" sz="3200" spc="-1" strike="noStrike">
               <a:latin typeface="Arial"/>
             </a:endParaRPr>
           </a:p>
@@ -9174,7 +8682,7 @@
         <p:spPr>
           <a:xfrm>
             <a:off x="1376640" y="1152360"/>
-            <a:ext cx="6324480" cy="3747240"/>
+            <a:ext cx="6324120" cy="3746880"/>
           </a:xfrm>
           <a:prstGeom prst="rect">
             <a:avLst/>
@@ -9227,18 +8735,18 @@
         <p:spPr>
           <a:xfrm>
             <a:off x="311760" y="2018160"/>
-            <a:ext cx="2807640" cy="755280"/>
-          </a:xfrm>
-          <a:prstGeom prst="rect">
-            <a:avLst/>
-          </a:prstGeom>
-          <a:noFill/>
-          <a:ln w="0">
-            <a:noFill/>
-          </a:ln>
-        </p:spPr>
-        <p:txBody>
-          <a:bodyPr tIns="91440" bIns="91440" anchor="t">
+            <a:ext cx="2807280" cy="754920"/>
+          </a:xfrm>
+          <a:prstGeom prst="rect">
+            <a:avLst/>
+          </a:prstGeom>
+          <a:noFill/>
+          <a:ln w="0">
+            <a:noFill/>
+          </a:ln>
+        </p:spPr>
+        <p:txBody>
+          <a:bodyPr lIns="90000" rIns="90000" tIns="91440" bIns="91440" anchor="t">
             <a:normAutofit/>
           </a:bodyPr>
           <a:p>
@@ -9262,9 +8770,6 @@
               <a:t>Flow Charts</a:t>
             </a:r>
             <a:endParaRPr b="0" lang="en-IN" sz="2400" spc="-1" strike="noStrike">
-              <a:solidFill>
-                <a:srgbClr val="000000"/>
-              </a:solidFill>
               <a:latin typeface="Arial"/>
             </a:endParaRPr>
           </a:p>
@@ -9283,25 +8788,22 @@
         <p:spPr>
           <a:xfrm>
             <a:off x="311760" y="4131360"/>
-            <a:ext cx="2807640" cy="437400"/>
-          </a:xfrm>
-          <a:prstGeom prst="rect">
-            <a:avLst/>
-          </a:prstGeom>
-          <a:noFill/>
-          <a:ln w="0">
-            <a:noFill/>
-          </a:ln>
-        </p:spPr>
-        <p:txBody>
-          <a:bodyPr tIns="91440" bIns="91440" anchor="t">
-            <a:normAutofit/>
-          </a:bodyPr>
-          <a:p>
-            <a:endParaRPr b="0" lang="en-IN" sz="1400" spc="-1" strike="noStrike">
-              <a:solidFill>
-                <a:srgbClr val="000000"/>
-              </a:solidFill>
+            <a:ext cx="2807280" cy="437040"/>
+          </a:xfrm>
+          <a:prstGeom prst="rect">
+            <a:avLst/>
+          </a:prstGeom>
+          <a:noFill/>
+          <a:ln w="0">
+            <a:noFill/>
+          </a:ln>
+        </p:spPr>
+        <p:txBody>
+          <a:bodyPr lIns="90000" rIns="90000" tIns="91440" bIns="91440" anchor="t">
+            <a:normAutofit fontScale="92000"/>
+          </a:bodyPr>
+          <a:p>
+            <a:endParaRPr b="0" lang="en-IN" sz="3200" spc="-1" strike="noStrike">
               <a:latin typeface="Arial"/>
             </a:endParaRPr>
           </a:p>
@@ -9320,7 +8822,7 @@
         <p:spPr>
           <a:xfrm>
             <a:off x="4644720" y="145440"/>
-            <a:ext cx="3831840" cy="4900680"/>
+            <a:ext cx="3831480" cy="4900320"/>
           </a:xfrm>
           <a:prstGeom prst="rect">
             <a:avLst/>
@@ -9373,18 +8875,18 @@
         <p:spPr>
           <a:xfrm>
             <a:off x="2278440" y="2025360"/>
-            <a:ext cx="4586760" cy="1148400"/>
-          </a:xfrm>
-          <a:prstGeom prst="rect">
-            <a:avLst/>
-          </a:prstGeom>
-          <a:noFill/>
-          <a:ln w="0">
-            <a:noFill/>
-          </a:ln>
-        </p:spPr>
-        <p:txBody>
-          <a:bodyPr tIns="91440" bIns="91440" anchor="ctr">
+            <a:ext cx="4586400" cy="1148040"/>
+          </a:xfrm>
+          <a:prstGeom prst="rect">
+            <a:avLst/>
+          </a:prstGeom>
+          <a:noFill/>
+          <a:ln w="0">
+            <a:noFill/>
+          </a:ln>
+        </p:spPr>
+        <p:txBody>
+          <a:bodyPr lIns="90000" rIns="90000" tIns="91440" bIns="91440" anchor="ctr">
             <a:normAutofit/>
           </a:bodyPr>
           <a:p>
@@ -9408,9 +8910,6 @@
               <a:t>Thank You</a:t>
             </a:r>
             <a:endParaRPr b="0" lang="en-IN" sz="3200" spc="-1" strike="noStrike">
-              <a:solidFill>
-                <a:srgbClr val="000000"/>
-              </a:solidFill>
               <a:latin typeface="Arial"/>
             </a:endParaRPr>
           </a:p>
@@ -9459,18 +8958,18 @@
         <p:spPr>
           <a:xfrm>
             <a:off x="1297440" y="393840"/>
-            <a:ext cx="7038720" cy="913680"/>
-          </a:xfrm>
-          <a:prstGeom prst="rect">
-            <a:avLst/>
-          </a:prstGeom>
-          <a:noFill/>
-          <a:ln w="0">
-            <a:noFill/>
-          </a:ln>
-        </p:spPr>
-        <p:txBody>
-          <a:bodyPr tIns="91440" bIns="91440" anchor="t">
+            <a:ext cx="7038360" cy="913320"/>
+          </a:xfrm>
+          <a:prstGeom prst="rect">
+            <a:avLst/>
+          </a:prstGeom>
+          <a:noFill/>
+          <a:ln w="0">
+            <a:noFill/>
+          </a:ln>
+        </p:spPr>
+        <p:txBody>
+          <a:bodyPr lIns="0" rIns="0" tIns="91440" bIns="91440" anchor="t">
             <a:normAutofit/>
           </a:bodyPr>
           <a:p>
@@ -9494,9 +8993,6 @@
               <a:t>Introduction</a:t>
             </a:r>
             <a:endParaRPr b="0" lang="en-IN" sz="2400" spc="-1" strike="noStrike">
-              <a:solidFill>
-                <a:srgbClr val="000000"/>
-              </a:solidFill>
               <a:latin typeface="Arial"/>
             </a:endParaRPr>
           </a:p>
@@ -9515,18 +9011,18 @@
         <p:spPr>
           <a:xfrm>
             <a:off x="415800" y="1307880"/>
-            <a:ext cx="8416080" cy="3599640"/>
-          </a:xfrm>
-          <a:prstGeom prst="rect">
-            <a:avLst/>
-          </a:prstGeom>
-          <a:noFill/>
-          <a:ln w="0">
-            <a:noFill/>
-          </a:ln>
-        </p:spPr>
-        <p:txBody>
-          <a:bodyPr tIns="91440" bIns="91440" anchor="t">
+            <a:ext cx="8415720" cy="3599280"/>
+          </a:xfrm>
+          <a:prstGeom prst="rect">
+            <a:avLst/>
+          </a:prstGeom>
+          <a:noFill/>
+          <a:ln w="0">
+            <a:noFill/>
+          </a:ln>
+        </p:spPr>
+        <p:txBody>
+          <a:bodyPr lIns="0" rIns="0" tIns="91440" bIns="91440" anchor="t">
             <a:normAutofit/>
           </a:bodyPr>
           <a:p>
@@ -9550,9 +9046,6 @@
               <a:t>Blockchain in simple terms is a peer-to-peer protocol that allows people to interact directly with each other, rather than going through a third party. It aims to make transactions trustless, secure, and accessible.</a:t>
             </a:r>
             <a:endParaRPr b="0" lang="en-IN" sz="1200" spc="-1" strike="noStrike">
-              <a:solidFill>
-                <a:srgbClr val="000000"/>
-              </a:solidFill>
               <a:latin typeface="Arial"/>
             </a:endParaRPr>
           </a:p>
@@ -9567,9 +9060,6 @@
               </a:tabLst>
             </a:pPr>
             <a:endParaRPr b="0" lang="en-IN" sz="1200" spc="-1" strike="noStrike">
-              <a:solidFill>
-                <a:srgbClr val="000000"/>
-              </a:solidFill>
               <a:latin typeface="Arial"/>
             </a:endParaRPr>
           </a:p>
@@ -9594,9 +9084,6 @@
               <a:t>Most eCommerce websites face functional or operational issues such as slow transactions, trust, digital data ownership, and policies. Blockchain technology can help an eCommerce business to gain confidence in online payments. With the cryptocurrency in place, you can introduce a secure, accurate, and quick payment method to your business. </a:t>
             </a:r>
             <a:endParaRPr b="0" lang="en-IN" sz="1200" spc="-1" strike="noStrike">
-              <a:solidFill>
-                <a:srgbClr val="000000"/>
-              </a:solidFill>
               <a:latin typeface="Arial"/>
             </a:endParaRPr>
           </a:p>
@@ -9611,9 +9098,6 @@
               </a:tabLst>
             </a:pPr>
             <a:endParaRPr b="0" lang="en-IN" sz="1200" spc="-1" strike="noStrike">
-              <a:solidFill>
-                <a:srgbClr val="000000"/>
-              </a:solidFill>
               <a:latin typeface="Arial"/>
             </a:endParaRPr>
           </a:p>
@@ -9648,9 +9132,6 @@
               <a:t> is a blockchain based eCommerce Marketplace where the users can trade items in a trustless and secure way. With blockchain-driven technology, you will not need any third-party influence for transactions. You can have accurate, faster, and transparent transactions with a complete record stored for future use. </a:t>
             </a:r>
             <a:endParaRPr b="0" lang="en-IN" sz="1200" spc="-1" strike="noStrike">
-              <a:solidFill>
-                <a:srgbClr val="000000"/>
-              </a:solidFill>
               <a:latin typeface="Arial"/>
             </a:endParaRPr>
           </a:p>
@@ -9665,9 +9146,6 @@
               </a:tabLst>
             </a:pPr>
             <a:endParaRPr b="0" lang="en-IN" sz="1200" spc="-1" strike="noStrike">
-              <a:solidFill>
-                <a:srgbClr val="000000"/>
-              </a:solidFill>
               <a:latin typeface="Arial"/>
             </a:endParaRPr>
           </a:p>
@@ -9703,9 +9181,6 @@
               <a:t> https://github.com/AbhinavXT/BlockBuy-Ecommerce</a:t>
             </a:r>
             <a:endParaRPr b="0" lang="en-IN" sz="1200" spc="-1" strike="noStrike">
-              <a:solidFill>
-                <a:srgbClr val="000000"/>
-              </a:solidFill>
               <a:latin typeface="Arial"/>
             </a:endParaRPr>
           </a:p>
@@ -9741,9 +9216,6 @@
               <a:t>https://block-buy-ecommerce.vercel.app/</a:t>
             </a:r>
             <a:endParaRPr b="0" lang="en-IN" sz="1200" spc="-1" strike="noStrike">
-              <a:solidFill>
-                <a:srgbClr val="000000"/>
-              </a:solidFill>
               <a:latin typeface="Arial"/>
             </a:endParaRPr>
           </a:p>
@@ -9761,9 +9233,6 @@
               </a:tabLst>
             </a:pPr>
             <a:endParaRPr b="0" lang="en-IN" sz="1200" spc="-1" strike="noStrike">
-              <a:solidFill>
-                <a:srgbClr val="000000"/>
-              </a:solidFill>
               <a:latin typeface="Arial"/>
             </a:endParaRPr>
           </a:p>
@@ -9812,25 +9281,25 @@
         <p:spPr>
           <a:xfrm>
             <a:off x="311760" y="0"/>
-            <a:ext cx="8520120" cy="415440"/>
-          </a:xfrm>
-          <a:prstGeom prst="rect">
-            <a:avLst/>
-          </a:prstGeom>
-          <a:noFill/>
-          <a:ln w="0">
-            <a:noFill/>
-          </a:ln>
-        </p:spPr>
-        <p:txBody>
-          <a:bodyPr tIns="91440" bIns="91440" anchor="t">
-            <a:normAutofit fontScale="63000"/>
-          </a:bodyPr>
-          <a:p>
-            <a:endParaRPr b="0" lang="en-IN" sz="1400" spc="-1" strike="noStrike">
-              <a:solidFill>
-                <a:srgbClr val="000000"/>
-              </a:solidFill>
+            <a:ext cx="8519760" cy="415080"/>
+          </a:xfrm>
+          <a:prstGeom prst="rect">
+            <a:avLst/>
+          </a:prstGeom>
+          <a:noFill/>
+          <a:ln w="0">
+            <a:noFill/>
+          </a:ln>
+        </p:spPr>
+        <p:txBody>
+          <a:bodyPr lIns="0" rIns="0" tIns="91440" bIns="91440" anchor="t">
+            <a:normAutofit fontScale="85000"/>
+          </a:bodyPr>
+          <a:p>
+            <a:pPr algn="ctr">
+              <a:buNone/>
+            </a:pPr>
+            <a:endParaRPr b="0" lang="en-IN" sz="4400" spc="-1" strike="noStrike">
               <a:latin typeface="Arial"/>
             </a:endParaRPr>
           </a:p>
@@ -9849,18 +9318,18 @@
         <p:spPr>
           <a:xfrm>
             <a:off x="1032840" y="963720"/>
-            <a:ext cx="7799040" cy="4179600"/>
-          </a:xfrm>
-          <a:prstGeom prst="rect">
-            <a:avLst/>
-          </a:prstGeom>
-          <a:noFill/>
-          <a:ln w="0">
-            <a:noFill/>
-          </a:ln>
-        </p:spPr>
-        <p:txBody>
-          <a:bodyPr tIns="91440" bIns="91440" anchor="t">
+            <a:ext cx="7798680" cy="4179240"/>
+          </a:xfrm>
+          <a:prstGeom prst="rect">
+            <a:avLst/>
+          </a:prstGeom>
+          <a:noFill/>
+          <a:ln w="0">
+            <a:noFill/>
+          </a:ln>
+        </p:spPr>
+        <p:txBody>
+          <a:bodyPr lIns="0" rIns="0" tIns="91440" bIns="91440" anchor="t">
             <a:noAutofit/>
           </a:bodyPr>
           <a:p>
@@ -9887,9 +9356,6 @@
               <a:t>When applied in building eCommerce sites blockchain will help in:</a:t>
             </a:r>
             <a:endParaRPr b="0" lang="en-IN" sz="1200" spc="-1" strike="noStrike">
-              <a:solidFill>
-                <a:srgbClr val="000000"/>
-              </a:solidFill>
               <a:latin typeface="Arial"/>
             </a:endParaRPr>
           </a:p>
@@ -9907,9 +9373,6 @@
               </a:tabLst>
             </a:pPr>
             <a:endParaRPr b="0" lang="en-IN" sz="300" spc="-1" strike="noStrike">
-              <a:solidFill>
-                <a:srgbClr val="000000"/>
-              </a:solidFill>
               <a:latin typeface="Arial"/>
             </a:endParaRPr>
           </a:p>
@@ -9937,9 +9400,6 @@
               <a:t>- Revamping payment methods.</a:t>
             </a:r>
             <a:endParaRPr b="0" lang="en-IN" sz="1200" spc="-1" strike="noStrike">
-              <a:solidFill>
-                <a:srgbClr val="000000"/>
-              </a:solidFill>
               <a:latin typeface="Arial"/>
             </a:endParaRPr>
           </a:p>
@@ -9977,9 +9437,6 @@
               <a:t>Only the buyer and seller control the operations. Hence, no third party can manipulate the transactions. No one can devalue or inflate the currencies.</a:t>
             </a:r>
             <a:endParaRPr b="0" lang="en-IN" sz="1200" spc="-1" strike="noStrike">
-              <a:solidFill>
-                <a:srgbClr val="000000"/>
-              </a:solidFill>
               <a:latin typeface="Arial"/>
             </a:endParaRPr>
           </a:p>
@@ -10007,9 +9464,6 @@
               <a:t>- Furthermore, cryptocurrencies don’t reveal the identities of the parties. However, the transactions are still transparent, and the details are stored in the decentralized ledger.</a:t>
             </a:r>
             <a:endParaRPr b="0" lang="en-IN" sz="1200" spc="-1" strike="noStrike">
-              <a:solidFill>
-                <a:srgbClr val="000000"/>
-              </a:solidFill>
               <a:latin typeface="Arial"/>
             </a:endParaRPr>
           </a:p>
@@ -10027,9 +9481,6 @@
               </a:tabLst>
             </a:pPr>
             <a:endParaRPr b="0" lang="en-IN" sz="300" spc="-1" strike="noStrike">
-              <a:solidFill>
-                <a:srgbClr val="000000"/>
-              </a:solidFill>
               <a:latin typeface="Arial"/>
             </a:endParaRPr>
           </a:p>
@@ -10057,9 +9508,6 @@
               <a:t>- Increasing Security</a:t>
             </a:r>
             <a:endParaRPr b="0" lang="en-IN" sz="1200" spc="-1" strike="noStrike">
-              <a:solidFill>
-                <a:srgbClr val="000000"/>
-              </a:solidFill>
               <a:latin typeface="Arial"/>
             </a:endParaRPr>
           </a:p>
@@ -10087,9 +9535,6 @@
               <a:t>- Blockchain does not exhibit any party’s identity. It does not ask a consumer to provide their sensitive data. Instead, it authorizes the consumer to transfer funds from his wallet to a recipient without additional information.</a:t>
             </a:r>
             <a:endParaRPr b="0" lang="en-IN" sz="1200" spc="-1" strike="noStrike">
-              <a:solidFill>
-                <a:srgbClr val="000000"/>
-              </a:solidFill>
               <a:latin typeface="Arial"/>
             </a:endParaRPr>
           </a:p>
@@ -10107,9 +9552,6 @@
               </a:tabLst>
             </a:pPr>
             <a:endParaRPr b="0" lang="en-IN" sz="1200" spc="-1" strike="noStrike">
-              <a:solidFill>
-                <a:srgbClr val="000000"/>
-              </a:solidFill>
               <a:latin typeface="Arial"/>
             </a:endParaRPr>
           </a:p>
@@ -10158,25 +9600,25 @@
         <p:spPr>
           <a:xfrm>
             <a:off x="311760" y="0"/>
-            <a:ext cx="8520120" cy="415440"/>
-          </a:xfrm>
-          <a:prstGeom prst="rect">
-            <a:avLst/>
-          </a:prstGeom>
-          <a:noFill/>
-          <a:ln w="0">
-            <a:noFill/>
-          </a:ln>
-        </p:spPr>
-        <p:txBody>
-          <a:bodyPr tIns="91440" bIns="91440" anchor="t">
-            <a:normAutofit fontScale="63000"/>
-          </a:bodyPr>
-          <a:p>
-            <a:endParaRPr b="0" lang="en-IN" sz="1400" spc="-1" strike="noStrike">
-              <a:solidFill>
-                <a:srgbClr val="000000"/>
-              </a:solidFill>
+            <a:ext cx="8519760" cy="415080"/>
+          </a:xfrm>
+          <a:prstGeom prst="rect">
+            <a:avLst/>
+          </a:prstGeom>
+          <a:noFill/>
+          <a:ln w="0">
+            <a:noFill/>
+          </a:ln>
+        </p:spPr>
+        <p:txBody>
+          <a:bodyPr lIns="0" rIns="0" tIns="91440" bIns="91440" anchor="t">
+            <a:normAutofit fontScale="85000"/>
+          </a:bodyPr>
+          <a:p>
+            <a:pPr algn="ctr">
+              <a:buNone/>
+            </a:pPr>
+            <a:endParaRPr b="0" lang="en-IN" sz="4400" spc="-1" strike="noStrike">
               <a:latin typeface="Arial"/>
             </a:endParaRPr>
           </a:p>
@@ -10195,18 +9637,18 @@
         <p:spPr>
           <a:xfrm>
             <a:off x="1032840" y="963720"/>
-            <a:ext cx="7799040" cy="4179600"/>
-          </a:xfrm>
-          <a:prstGeom prst="rect">
-            <a:avLst/>
-          </a:prstGeom>
-          <a:noFill/>
-          <a:ln w="0">
-            <a:noFill/>
-          </a:ln>
-        </p:spPr>
-        <p:txBody>
-          <a:bodyPr tIns="91440" bIns="91440" anchor="t">
+            <a:ext cx="7798680" cy="4179240"/>
+          </a:xfrm>
+          <a:prstGeom prst="rect">
+            <a:avLst/>
+          </a:prstGeom>
+          <a:noFill/>
+          <a:ln w="0">
+            <a:noFill/>
+          </a:ln>
+        </p:spPr>
+        <p:txBody>
+          <a:bodyPr lIns="0" rIns="0" tIns="91440" bIns="91440" anchor="t">
             <a:noAutofit/>
           </a:bodyPr>
           <a:p>
@@ -10233,9 +9675,6 @@
               <a:t>- Reducing cost</a:t>
             </a:r>
             <a:endParaRPr b="0" lang="en-IN" sz="1200" spc="-1" strike="noStrike">
-              <a:solidFill>
-                <a:srgbClr val="000000"/>
-              </a:solidFill>
               <a:latin typeface="Arial"/>
             </a:endParaRPr>
           </a:p>
@@ -10273,9 +9712,6 @@
               <a:t>When you manage the supply chain with the help of blockchain, you will automatically see reduced costs incurred earlier. For example, automation will eliminate intermediaries and reduce fraud and other threats such as product duplication.</a:t>
             </a:r>
             <a:endParaRPr b="0" lang="en-IN" sz="1200" spc="-1" strike="noStrike">
-              <a:solidFill>
-                <a:srgbClr val="000000"/>
-              </a:solidFill>
               <a:latin typeface="Arial"/>
             </a:endParaRPr>
           </a:p>
@@ -10293,9 +9729,6 @@
               </a:tabLst>
             </a:pPr>
             <a:endParaRPr b="0" lang="en-IN" sz="300" spc="-1" strike="noStrike">
-              <a:solidFill>
-                <a:srgbClr val="000000"/>
-              </a:solidFill>
               <a:latin typeface="Arial"/>
             </a:endParaRPr>
           </a:p>
@@ -10313,9 +9746,6 @@
               </a:tabLst>
             </a:pPr>
             <a:endParaRPr b="0" lang="en-IN" sz="300" spc="-1" strike="noStrike">
-              <a:solidFill>
-                <a:srgbClr val="000000"/>
-              </a:solidFill>
               <a:latin typeface="Arial"/>
             </a:endParaRPr>
           </a:p>
@@ -10343,9 +9773,6 @@
               <a:t>- Making a more transparent marketplace.</a:t>
             </a:r>
             <a:endParaRPr b="0" lang="en-IN" sz="1200" spc="-1" strike="noStrike">
-              <a:solidFill>
-                <a:srgbClr val="000000"/>
-              </a:solidFill>
               <a:latin typeface="Arial"/>
             </a:endParaRPr>
           </a:p>
@@ -10393,9 +9820,6 @@
               <a:t>can work positively for you. Due to its decentralized nature, any wrongdoings can be tracked instantly. Also, all stakeholders can see who is doing it.</a:t>
             </a:r>
             <a:endParaRPr b="0" lang="en-IN" sz="1200" spc="-1" strike="noStrike">
-              <a:solidFill>
-                <a:srgbClr val="000000"/>
-              </a:solidFill>
               <a:latin typeface="Arial"/>
             </a:endParaRPr>
           </a:p>
@@ -10413,9 +9837,6 @@
               </a:tabLst>
             </a:pPr>
             <a:endParaRPr b="0" lang="en-IN" sz="1200" spc="-1" strike="noStrike">
-              <a:solidFill>
-                <a:srgbClr val="000000"/>
-              </a:solidFill>
               <a:latin typeface="Arial"/>
             </a:endParaRPr>
           </a:p>
@@ -10433,9 +9854,6 @@
               </a:tabLst>
             </a:pPr>
             <a:endParaRPr b="0" lang="en-IN" sz="1200" spc="-1" strike="noStrike">
-              <a:solidFill>
-                <a:srgbClr val="000000"/>
-              </a:solidFill>
               <a:latin typeface="Arial"/>
             </a:endParaRPr>
           </a:p>
@@ -10453,9 +9871,6 @@
               </a:tabLst>
             </a:pPr>
             <a:endParaRPr b="0" lang="en-IN" sz="1200" spc="-1" strike="noStrike">
-              <a:solidFill>
-                <a:srgbClr val="000000"/>
-              </a:solidFill>
               <a:latin typeface="Arial"/>
             </a:endParaRPr>
           </a:p>
@@ -10504,18 +9919,18 @@
         <p:spPr>
           <a:xfrm>
             <a:off x="1297440" y="393840"/>
-            <a:ext cx="7038720" cy="913680"/>
-          </a:xfrm>
-          <a:prstGeom prst="rect">
-            <a:avLst/>
-          </a:prstGeom>
-          <a:noFill/>
-          <a:ln w="0">
-            <a:noFill/>
-          </a:ln>
-        </p:spPr>
-        <p:txBody>
-          <a:bodyPr tIns="91440" bIns="91440" anchor="t">
+            <a:ext cx="7038360" cy="913320"/>
+          </a:xfrm>
+          <a:prstGeom prst="rect">
+            <a:avLst/>
+          </a:prstGeom>
+          <a:noFill/>
+          <a:ln w="0">
+            <a:noFill/>
+          </a:ln>
+        </p:spPr>
+        <p:txBody>
+          <a:bodyPr lIns="0" rIns="0" tIns="91440" bIns="91440" anchor="t">
             <a:normAutofit/>
           </a:bodyPr>
           <a:p>
@@ -10539,9 +9954,6 @@
               <a:t>Tech Stack</a:t>
             </a:r>
             <a:endParaRPr b="0" lang="en-IN" sz="2400" spc="-1" strike="noStrike">
-              <a:solidFill>
-                <a:srgbClr val="000000"/>
-              </a:solidFill>
               <a:latin typeface="Arial"/>
             </a:endParaRPr>
           </a:p>
@@ -10560,18 +9972,18 @@
         <p:spPr>
           <a:xfrm>
             <a:off x="339480" y="1425600"/>
-            <a:ext cx="8464320" cy="3717720"/>
-          </a:xfrm>
-          <a:prstGeom prst="rect">
-            <a:avLst/>
-          </a:prstGeom>
-          <a:noFill/>
-          <a:ln w="0">
-            <a:noFill/>
-          </a:ln>
-        </p:spPr>
-        <p:txBody>
-          <a:bodyPr tIns="91440" bIns="91440" anchor="t">
+            <a:ext cx="8463960" cy="3717360"/>
+          </a:xfrm>
+          <a:prstGeom prst="rect">
+            <a:avLst/>
+          </a:prstGeom>
+          <a:noFill/>
+          <a:ln w="0">
+            <a:noFill/>
+          </a:ln>
+        </p:spPr>
+        <p:txBody>
+          <a:bodyPr lIns="0" rIns="0" tIns="91440" bIns="91440" anchor="t">
             <a:noAutofit/>
           </a:bodyPr>
           <a:p>
@@ -10598,9 +10010,6 @@
               <a:t>Frontend</a:t>
             </a:r>
             <a:endParaRPr b="0" lang="en-IN" sz="2000" spc="-1" strike="noStrike">
-              <a:solidFill>
-                <a:srgbClr val="000000"/>
-              </a:solidFill>
               <a:latin typeface="Arial"/>
             </a:endParaRPr>
           </a:p>
@@ -10631,9 +10040,6 @@
               <a:t>JavaScript</a:t>
             </a:r>
             <a:endParaRPr b="0" lang="en-IN" sz="1400" spc="-1" strike="noStrike">
-              <a:solidFill>
-                <a:srgbClr val="000000"/>
-              </a:solidFill>
               <a:latin typeface="Arial"/>
             </a:endParaRPr>
           </a:p>
@@ -10690,9 +10096,6 @@
               <a:t> is a programming language that is one of the core technologies of the World Wide Web, alongside HTML and CSS. Over 97% of websites use JavaScript on the client side for web page behavior, often incorporating third-party libraries. </a:t>
             </a:r>
             <a:endParaRPr b="0" lang="en-IN" sz="1200" spc="-1" strike="noStrike">
-              <a:solidFill>
-                <a:srgbClr val="000000"/>
-              </a:solidFill>
               <a:latin typeface="Arial"/>
             </a:endParaRPr>
           </a:p>
@@ -10723,9 +10126,6 @@
               <a:t>In this project Javascript is used on frontend for creating different functions for rendering data on pages, </a:t>
             </a:r>
             <a:endParaRPr b="0" lang="en-IN" sz="1200" spc="-1" strike="noStrike">
-              <a:solidFill>
-                <a:srgbClr val="000000"/>
-              </a:solidFill>
               <a:latin typeface="Arial"/>
             </a:endParaRPr>
           </a:p>
@@ -10746,9 +10146,6 @@
               </a:tabLst>
             </a:pPr>
             <a:endParaRPr b="0" lang="en-IN" sz="1200" spc="-1" strike="noStrike">
-              <a:solidFill>
-                <a:srgbClr val="000000"/>
-              </a:solidFill>
               <a:latin typeface="Arial"/>
             </a:endParaRPr>
           </a:p>
@@ -10797,25 +10194,25 @@
         <p:spPr>
           <a:xfrm>
             <a:off x="1297440" y="393840"/>
-            <a:ext cx="7038720" cy="913680"/>
-          </a:xfrm>
-          <a:prstGeom prst="rect">
-            <a:avLst/>
-          </a:prstGeom>
-          <a:noFill/>
-          <a:ln w="0">
-            <a:noFill/>
-          </a:ln>
-        </p:spPr>
-        <p:txBody>
-          <a:bodyPr tIns="91440" bIns="91440" anchor="t">
+            <a:ext cx="7038360" cy="913320"/>
+          </a:xfrm>
+          <a:prstGeom prst="rect">
+            <a:avLst/>
+          </a:prstGeom>
+          <a:noFill/>
+          <a:ln w="0">
+            <a:noFill/>
+          </a:ln>
+        </p:spPr>
+        <p:txBody>
+          <a:bodyPr lIns="0" rIns="0" tIns="91440" bIns="91440" anchor="t">
             <a:normAutofit/>
           </a:bodyPr>
           <a:p>
-            <a:endParaRPr b="0" lang="en-IN" sz="1400" spc="-1" strike="noStrike">
-              <a:solidFill>
-                <a:srgbClr val="000000"/>
-              </a:solidFill>
+            <a:pPr algn="ctr">
+              <a:buNone/>
+            </a:pPr>
+            <a:endParaRPr b="0" lang="en-IN" sz="4400" spc="-1" strike="noStrike">
               <a:latin typeface="Arial"/>
             </a:endParaRPr>
           </a:p>
@@ -10834,18 +10231,18 @@
         <p:spPr>
           <a:xfrm>
             <a:off x="339480" y="1400400"/>
-            <a:ext cx="8464320" cy="3625200"/>
-          </a:xfrm>
-          <a:prstGeom prst="rect">
-            <a:avLst/>
-          </a:prstGeom>
-          <a:noFill/>
-          <a:ln w="0">
-            <a:noFill/>
-          </a:ln>
-        </p:spPr>
-        <p:txBody>
-          <a:bodyPr tIns="91440" bIns="91440" anchor="t">
+            <a:ext cx="8463960" cy="3624840"/>
+          </a:xfrm>
+          <a:prstGeom prst="rect">
+            <a:avLst/>
+          </a:prstGeom>
+          <a:noFill/>
+          <a:ln w="0">
+            <a:noFill/>
+          </a:ln>
+        </p:spPr>
+        <p:txBody>
+          <a:bodyPr lIns="0" rIns="0" tIns="91440" bIns="91440" anchor="t">
             <a:noAutofit/>
           </a:bodyPr>
           <a:p>
@@ -10872,9 +10269,6 @@
               <a:t>Next.js(React)</a:t>
             </a:r>
             <a:endParaRPr b="0" lang="en-IN" sz="1400" spc="-1" strike="noStrike">
-              <a:solidFill>
-                <a:srgbClr val="000000"/>
-              </a:solidFill>
               <a:latin typeface="Arial"/>
             </a:endParaRPr>
           </a:p>
@@ -10905,14 +10299,11 @@
               <a:t>Next.js is an open-source web development framework built on top of Node.js enabling React based web applications functionalities such as server-side rendering.</a:t>
             </a:r>
             <a:endParaRPr b="0" lang="en-IN" sz="1200" spc="-1" strike="noStrike">
-              <a:solidFill>
-                <a:srgbClr val="000000"/>
-              </a:solidFill>
-              <a:latin typeface="Arial"/>
-            </a:endParaRPr>
-          </a:p>
-          <a:p>
-            <a:pPr>
+              <a:latin typeface="Arial"/>
+            </a:endParaRPr>
+          </a:p>
+          <a:p>
+            <a:pPr marL="457200">
               <a:lnSpc>
                 <a:spcPct val="115000"/>
               </a:lnSpc>
@@ -10935,9 +10326,6 @@
               <a:t>It brings Next JS users three main advantages:</a:t>
             </a:r>
             <a:endParaRPr b="0" lang="en-IN" sz="1200" spc="-1" strike="noStrike">
-              <a:solidFill>
-                <a:srgbClr val="000000"/>
-              </a:solidFill>
               <a:latin typeface="Arial"/>
             </a:endParaRPr>
           </a:p>
@@ -10969,9 +10357,6 @@
               <a:t>Rich user experience (easier and faster)</a:t>
             </a:r>
             <a:endParaRPr b="0" lang="en-IN" sz="1200" spc="-1" strike="noStrike">
-              <a:solidFill>
-                <a:srgbClr val="000000"/>
-              </a:solidFill>
               <a:latin typeface="Arial"/>
             </a:endParaRPr>
           </a:p>
@@ -11000,9 +10385,6 @@
               <a:t>Outstanding performance (also easier and faster)</a:t>
             </a:r>
             <a:endParaRPr b="0" lang="en-IN" sz="1200" spc="-1" strike="noStrike">
-              <a:solidFill>
-                <a:srgbClr val="000000"/>
-              </a:solidFill>
               <a:latin typeface="Arial"/>
             </a:endParaRPr>
           </a:p>
@@ -11034,9 +10416,6 @@
               <a:t>Automatic Routing through pages</a:t>
             </a:r>
             <a:endParaRPr b="0" lang="en-IN" sz="1200" spc="-1" strike="noStrike">
-              <a:solidFill>
-                <a:srgbClr val="000000"/>
-              </a:solidFill>
               <a:latin typeface="Arial"/>
             </a:endParaRPr>
           </a:p>
@@ -11065,9 +10444,6 @@
               <a:t>Great server-side rendering</a:t>
             </a:r>
             <a:endParaRPr b="0" lang="en-IN" sz="1200" spc="-1" strike="noStrike">
-              <a:solidFill>
-                <a:srgbClr val="000000"/>
-              </a:solidFill>
               <a:latin typeface="Arial"/>
             </a:endParaRPr>
           </a:p>
@@ -11105,9 +10481,6 @@
               <a:t>In this project Next.js is used with tailwindcss to create and design entire UI of the website.</a:t>
             </a:r>
             <a:endParaRPr b="0" lang="en-IN" sz="1200" spc="-1" strike="noStrike">
-              <a:solidFill>
-                <a:srgbClr val="000000"/>
-              </a:solidFill>
               <a:latin typeface="Arial"/>
             </a:endParaRPr>
           </a:p>
@@ -11128,9 +10501,6 @@
               </a:tabLst>
             </a:pPr>
             <a:endParaRPr b="0" lang="en-IN" sz="1200" spc="-1" strike="noStrike">
-              <a:solidFill>
-                <a:srgbClr val="000000"/>
-              </a:solidFill>
               <a:latin typeface="Arial"/>
             </a:endParaRPr>
           </a:p>
@@ -11179,25 +10549,25 @@
         <p:spPr>
           <a:xfrm>
             <a:off x="1297440" y="393840"/>
-            <a:ext cx="7038720" cy="913680"/>
-          </a:xfrm>
-          <a:prstGeom prst="rect">
-            <a:avLst/>
-          </a:prstGeom>
-          <a:noFill/>
-          <a:ln w="0">
-            <a:noFill/>
-          </a:ln>
-        </p:spPr>
-        <p:txBody>
-          <a:bodyPr tIns="91440" bIns="91440" anchor="t">
+            <a:ext cx="7038360" cy="913320"/>
+          </a:xfrm>
+          <a:prstGeom prst="rect">
+            <a:avLst/>
+          </a:prstGeom>
+          <a:noFill/>
+          <a:ln w="0">
+            <a:noFill/>
+          </a:ln>
+        </p:spPr>
+        <p:txBody>
+          <a:bodyPr lIns="0" rIns="0" tIns="91440" bIns="91440" anchor="t">
             <a:normAutofit/>
           </a:bodyPr>
           <a:p>
-            <a:endParaRPr b="0" lang="en-IN" sz="1400" spc="-1" strike="noStrike">
-              <a:solidFill>
-                <a:srgbClr val="000000"/>
-              </a:solidFill>
+            <a:pPr algn="ctr">
+              <a:buNone/>
+            </a:pPr>
+            <a:endParaRPr b="0" lang="en-IN" sz="4400" spc="-1" strike="noStrike">
               <a:latin typeface="Arial"/>
             </a:endParaRPr>
           </a:p>
@@ -11216,18 +10586,18 @@
         <p:spPr>
           <a:xfrm>
             <a:off x="339480" y="1400400"/>
-            <a:ext cx="8464320" cy="3625200"/>
-          </a:xfrm>
-          <a:prstGeom prst="rect">
-            <a:avLst/>
-          </a:prstGeom>
-          <a:noFill/>
-          <a:ln w="0">
-            <a:noFill/>
-          </a:ln>
-        </p:spPr>
-        <p:txBody>
-          <a:bodyPr tIns="91440" bIns="91440" anchor="t">
+            <a:ext cx="8463960" cy="3624840"/>
+          </a:xfrm>
+          <a:prstGeom prst="rect">
+            <a:avLst/>
+          </a:prstGeom>
+          <a:noFill/>
+          <a:ln w="0">
+            <a:noFill/>
+          </a:ln>
+        </p:spPr>
+        <p:txBody>
+          <a:bodyPr lIns="0" rIns="0" tIns="91440" bIns="91440" anchor="t">
             <a:noAutofit/>
           </a:bodyPr>
           <a:p>
@@ -11254,9 +10624,6 @@
               <a:t>CSS and Design</a:t>
             </a:r>
             <a:endParaRPr b="0" lang="en-IN" sz="2000" spc="-1" strike="noStrike">
-              <a:solidFill>
-                <a:srgbClr val="000000"/>
-              </a:solidFill>
               <a:latin typeface="Arial"/>
             </a:endParaRPr>
           </a:p>
@@ -11287,14 +10654,11 @@
               <a:t>TailwindCSS</a:t>
             </a:r>
             <a:endParaRPr b="0" lang="en-IN" sz="1400" spc="-1" strike="noStrike">
-              <a:solidFill>
-                <a:srgbClr val="000000"/>
-              </a:solidFill>
-              <a:latin typeface="Arial"/>
-            </a:endParaRPr>
-          </a:p>
-          <a:p>
-            <a:pPr algn="just">
+              <a:latin typeface="Arial"/>
+            </a:endParaRPr>
+          </a:p>
+          <a:p>
+            <a:pPr marL="457200" algn="just">
               <a:lnSpc>
                 <a:spcPct val="115000"/>
               </a:lnSpc>
@@ -11320,14 +10684,11 @@
               <a:t>A utility-first CSS framework packed with classes that can be composed to build any design, directly in          your markup.</a:t>
             </a:r>
             <a:endParaRPr b="0" lang="en-IN" sz="1200" spc="-1" strike="noStrike">
-              <a:solidFill>
-                <a:srgbClr val="000000"/>
-              </a:solidFill>
-              <a:latin typeface="Arial"/>
-            </a:endParaRPr>
-          </a:p>
-          <a:p>
-            <a:pPr>
+              <a:latin typeface="Arial"/>
+            </a:endParaRPr>
+          </a:p>
+          <a:p>
+            <a:pPr marL="457200">
               <a:lnSpc>
                 <a:spcPct val="100000"/>
               </a:lnSpc>
@@ -11350,9 +10711,6 @@
               <a:t>Some advantages of using TailwindCSS are:</a:t>
             </a:r>
             <a:endParaRPr b="0" lang="en-IN" sz="1200" spc="-1" strike="noStrike">
-              <a:solidFill>
-                <a:srgbClr val="000000"/>
-              </a:solidFill>
               <a:latin typeface="Arial"/>
             </a:endParaRPr>
           </a:p>
@@ -11384,9 +10742,6 @@
               <a:t>Easy to implement</a:t>
             </a:r>
             <a:endParaRPr b="0" lang="en-IN" sz="1200" spc="-1" strike="noStrike">
-              <a:solidFill>
-                <a:srgbClr val="000000"/>
-              </a:solidFill>
               <a:latin typeface="Arial"/>
             </a:endParaRPr>
           </a:p>
@@ -11415,9 +10770,6 @@
               <a:t>Responsiveness</a:t>
             </a:r>
             <a:endParaRPr b="0" lang="en-IN" sz="1200" spc="-1" strike="noStrike">
-              <a:solidFill>
-                <a:srgbClr val="000000"/>
-              </a:solidFill>
               <a:latin typeface="Arial"/>
             </a:endParaRPr>
           </a:p>
@@ -11446,9 +10798,6 @@
               <a:t>Faster to implement designs</a:t>
             </a:r>
             <a:endParaRPr b="0" lang="en-IN" sz="1200" spc="-1" strike="noStrike">
-              <a:solidFill>
-                <a:srgbClr val="000000"/>
-              </a:solidFill>
               <a:latin typeface="Arial"/>
             </a:endParaRPr>
           </a:p>
@@ -11476,9 +10825,6 @@
               <a:t>In this project TailwindCSS is used to design different components like navbar, footer, buttons and forms</a:t>
             </a:r>
             <a:endParaRPr b="0" lang="en-IN" sz="1200" spc="-1" strike="noStrike">
-              <a:solidFill>
-                <a:srgbClr val="000000"/>
-              </a:solidFill>
               <a:latin typeface="Arial"/>
             </a:endParaRPr>
           </a:p>
@@ -11496,9 +10842,6 @@
               </a:tabLst>
             </a:pPr>
             <a:endParaRPr b="0" lang="en-IN" sz="1100" spc="-1" strike="noStrike">
-              <a:solidFill>
-                <a:srgbClr val="000000"/>
-              </a:solidFill>
               <a:latin typeface="Arial"/>
             </a:endParaRPr>
           </a:p>
@@ -11516,9 +10859,6 @@
               </a:tabLst>
             </a:pPr>
             <a:endParaRPr b="0" lang="en-IN" sz="1200" spc="-1" strike="noStrike">
-              <a:solidFill>
-                <a:srgbClr val="000000"/>
-              </a:solidFill>
               <a:latin typeface="Arial"/>
             </a:endParaRPr>
           </a:p>
@@ -11539,9 +10879,6 @@
               </a:tabLst>
             </a:pPr>
             <a:endParaRPr b="0" lang="en-IN" sz="1200" spc="-1" strike="noStrike">
-              <a:solidFill>
-                <a:srgbClr val="000000"/>
-              </a:solidFill>
               <a:latin typeface="Arial"/>
             </a:endParaRPr>
           </a:p>
@@ -11590,25 +10927,25 @@
         <p:spPr>
           <a:xfrm>
             <a:off x="1297440" y="393840"/>
-            <a:ext cx="7038720" cy="913680"/>
-          </a:xfrm>
-          <a:prstGeom prst="rect">
-            <a:avLst/>
-          </a:prstGeom>
-          <a:noFill/>
-          <a:ln w="0">
-            <a:noFill/>
-          </a:ln>
-        </p:spPr>
-        <p:txBody>
-          <a:bodyPr tIns="91440" bIns="91440" anchor="t">
+            <a:ext cx="7038360" cy="913320"/>
+          </a:xfrm>
+          <a:prstGeom prst="rect">
+            <a:avLst/>
+          </a:prstGeom>
+          <a:noFill/>
+          <a:ln w="0">
+            <a:noFill/>
+          </a:ln>
+        </p:spPr>
+        <p:txBody>
+          <a:bodyPr lIns="0" rIns="0" tIns="91440" bIns="91440" anchor="t">
             <a:normAutofit/>
           </a:bodyPr>
           <a:p>
-            <a:endParaRPr b="0" lang="en-IN" sz="1400" spc="-1" strike="noStrike">
-              <a:solidFill>
-                <a:srgbClr val="000000"/>
-              </a:solidFill>
+            <a:pPr algn="ctr">
+              <a:buNone/>
+            </a:pPr>
+            <a:endParaRPr b="0" lang="en-IN" sz="4400" spc="-1" strike="noStrike">
               <a:latin typeface="Arial"/>
             </a:endParaRPr>
           </a:p>
@@ -11627,18 +10964,18 @@
         <p:spPr>
           <a:xfrm>
             <a:off x="298080" y="1386360"/>
-            <a:ext cx="8464320" cy="3715200"/>
-          </a:xfrm>
-          <a:prstGeom prst="rect">
-            <a:avLst/>
-          </a:prstGeom>
-          <a:noFill/>
-          <a:ln w="0">
-            <a:noFill/>
-          </a:ln>
-        </p:spPr>
-        <p:txBody>
-          <a:bodyPr tIns="91440" bIns="91440" anchor="t">
+            <a:ext cx="8463960" cy="3714840"/>
+          </a:xfrm>
+          <a:prstGeom prst="rect">
+            <a:avLst/>
+          </a:prstGeom>
+          <a:noFill/>
+          <a:ln w="0">
+            <a:noFill/>
+          </a:ln>
+        </p:spPr>
+        <p:txBody>
+          <a:bodyPr lIns="0" rIns="0" tIns="91440" bIns="91440" anchor="t">
             <a:noAutofit/>
           </a:bodyPr>
           <a:p>
@@ -11665,9 +11002,6 @@
               <a:t>Blockchain</a:t>
             </a:r>
             <a:endParaRPr b="0" lang="en-IN" sz="2000" spc="-1" strike="noStrike">
-              <a:solidFill>
-                <a:srgbClr val="000000"/>
-              </a:solidFill>
               <a:latin typeface="Arial"/>
             </a:endParaRPr>
           </a:p>
@@ -11698,9 +11032,6 @@
               <a:t>Solidity</a:t>
             </a:r>
             <a:endParaRPr b="0" lang="en-IN" sz="1400" spc="-1" strike="noStrike">
-              <a:solidFill>
-                <a:srgbClr val="000000"/>
-              </a:solidFill>
               <a:latin typeface="Arial"/>
             </a:endParaRPr>
           </a:p>
@@ -11757,9 +11088,6 @@
               <a:t>most notably, the Ethereum blockchain. Programs in Solidity run on Ethereum Virtual Machine. </a:t>
             </a:r>
             <a:endParaRPr b="0" lang="en-IN" sz="1200" spc="-1" strike="noStrike">
-              <a:solidFill>
-                <a:srgbClr val="000000"/>
-              </a:solidFill>
               <a:latin typeface="Arial"/>
             </a:endParaRPr>
           </a:p>
@@ -11790,9 +11118,6 @@
               <a:t>In this project solidity is used to develop smart contracts for items and marketplace. These smart contracts will help in recording and querying data from the blockchain.</a:t>
             </a:r>
             <a:endParaRPr b="0" lang="en-IN" sz="1200" spc="-1" strike="noStrike">
-              <a:solidFill>
-                <a:srgbClr val="000000"/>
-              </a:solidFill>
               <a:latin typeface="Arial"/>
             </a:endParaRPr>
           </a:p>
@@ -11813,9 +11138,6 @@
               </a:tabLst>
             </a:pPr>
             <a:endParaRPr b="0" lang="en-IN" sz="1400" spc="-1" strike="noStrike">
-              <a:solidFill>
-                <a:srgbClr val="000000"/>
-              </a:solidFill>
               <a:latin typeface="Arial"/>
             </a:endParaRPr>
           </a:p>
@@ -11864,25 +11186,25 @@
         <p:spPr>
           <a:xfrm>
             <a:off x="1297440" y="393840"/>
-            <a:ext cx="7038720" cy="913680"/>
-          </a:xfrm>
-          <a:prstGeom prst="rect">
-            <a:avLst/>
-          </a:prstGeom>
-          <a:noFill/>
-          <a:ln w="0">
-            <a:noFill/>
-          </a:ln>
-        </p:spPr>
-        <p:txBody>
-          <a:bodyPr tIns="91440" bIns="91440" anchor="t">
+            <a:ext cx="7038360" cy="913320"/>
+          </a:xfrm>
+          <a:prstGeom prst="rect">
+            <a:avLst/>
+          </a:prstGeom>
+          <a:noFill/>
+          <a:ln w="0">
+            <a:noFill/>
+          </a:ln>
+        </p:spPr>
+        <p:txBody>
+          <a:bodyPr lIns="0" rIns="0" tIns="91440" bIns="91440" anchor="t">
             <a:normAutofit/>
           </a:bodyPr>
           <a:p>
-            <a:endParaRPr b="0" lang="en-IN" sz="1400" spc="-1" strike="noStrike">
-              <a:solidFill>
-                <a:srgbClr val="000000"/>
-              </a:solidFill>
+            <a:pPr algn="ctr">
+              <a:buNone/>
+            </a:pPr>
+            <a:endParaRPr b="0" lang="en-IN" sz="4400" spc="-1" strike="noStrike">
               <a:latin typeface="Arial"/>
             </a:endParaRPr>
           </a:p>
@@ -11901,18 +11223,18 @@
         <p:spPr>
           <a:xfrm>
             <a:off x="298080" y="1386360"/>
-            <a:ext cx="8464320" cy="3715200"/>
-          </a:xfrm>
-          <a:prstGeom prst="rect">
-            <a:avLst/>
-          </a:prstGeom>
-          <a:noFill/>
-          <a:ln w="0">
-            <a:noFill/>
-          </a:ln>
-        </p:spPr>
-        <p:txBody>
-          <a:bodyPr tIns="91440" bIns="91440" anchor="t">
+            <a:ext cx="8463960" cy="3714840"/>
+          </a:xfrm>
+          <a:prstGeom prst="rect">
+            <a:avLst/>
+          </a:prstGeom>
+          <a:noFill/>
+          <a:ln w="0">
+            <a:noFill/>
+          </a:ln>
+        </p:spPr>
+        <p:txBody>
+          <a:bodyPr lIns="0" rIns="0" tIns="91440" bIns="91440" anchor="t">
             <a:noAutofit/>
           </a:bodyPr>
           <a:p>
@@ -11939,9 +11261,6 @@
               <a:t>Hardhat</a:t>
             </a:r>
             <a:endParaRPr b="0" lang="en-IN" sz="1400" spc="-1" strike="noStrike">
-              <a:solidFill>
-                <a:srgbClr val="000000"/>
-              </a:solidFill>
               <a:latin typeface="Arial"/>
             </a:endParaRPr>
           </a:p>
@@ -11985,14 +11304,11 @@
               <a:t>as well as easily introducing more functionality around this workflow. This means compiling, running and testing smart contracts at the very core.</a:t>
             </a:r>
             <a:endParaRPr b="0" lang="en-IN" sz="1200" spc="-1" strike="noStrike">
-              <a:solidFill>
-                <a:srgbClr val="000000"/>
-              </a:solidFill>
-              <a:latin typeface="Arial"/>
-            </a:endParaRPr>
-          </a:p>
-          <a:p>
-            <a:pPr algn="just">
+              <a:latin typeface="Arial"/>
+            </a:endParaRPr>
+          </a:p>
+          <a:p>
+            <a:pPr marL="457200" algn="just">
               <a:lnSpc>
                 <a:spcPct val="150000"/>
               </a:lnSpc>
@@ -12018,14 +11334,11 @@
               <a:t>In this project Hardhat is used to create and run scripts for testing and deploying smart contracts to              ethereum.</a:t>
             </a:r>
             <a:endParaRPr b="0" lang="en-IN" sz="1200" spc="-1" strike="noStrike">
-              <a:solidFill>
-                <a:srgbClr val="000000"/>
-              </a:solidFill>
-              <a:latin typeface="Arial"/>
-            </a:endParaRPr>
-          </a:p>
-          <a:p>
-            <a:pPr algn="just">
+              <a:latin typeface="Arial"/>
+            </a:endParaRPr>
+          </a:p>
+          <a:p>
+            <a:pPr marL="457200" algn="just">
               <a:lnSpc>
                 <a:spcPct val="150000"/>
               </a:lnSpc>
@@ -12054,9 +11367,6 @@
               <a:t>	</a:t>
             </a:r>
             <a:endParaRPr b="0" lang="en-IN" sz="1200" spc="-1" strike="noStrike">
-              <a:solidFill>
-                <a:srgbClr val="000000"/>
-              </a:solidFill>
               <a:latin typeface="Arial"/>
             </a:endParaRPr>
           </a:p>
